--- a/MySQL-AWS.pptx
+++ b/MySQL-AWS.pptx
@@ -1066,7 +1066,7 @@
         </p:nvSpPr>
         <p:spPr>
           <a:xfrm>
-            <a:off x="381300" y="685800"/>
+            <a:off x="381000" y="685800"/>
             <a:ext cx="6096000" cy="3429000"/>
           </a:xfrm>
           <a:custGeom>
@@ -19286,6 +19286,12 @@
               <a:t>Basic Web App.</a:t>
             </a:r>
           </a:p>
+          <a:p>
+            <a:r>
+              <a:rPr lang="en-SG" dirty="0"/>
+              <a:t>Boto3 (AWS Command Line Interface Wrapper for python)</a:t>
+            </a:r>
+          </a:p>
         </p:txBody>
       </p:sp>
     </p:spTree>
@@ -21745,8 +21751,8 @@
         </p:nvSpPr>
         <p:spPr>
           <a:xfrm>
-            <a:off x="311700" y="1152475"/>
-            <a:ext cx="6950100" cy="534300"/>
+            <a:off x="373115" y="947758"/>
+            <a:ext cx="6950100" cy="4067794"/>
           </a:xfrm>
           <a:prstGeom prst="rect">
             <a:avLst/>
@@ -21769,572 +21775,228 @@
               <a:buChar char="●"/>
             </a:pPr>
             <a:r>
-              <a:rPr lang="en"/>
+              <a:rPr lang="en" dirty="0"/>
               <a:t>Example: start an instance</a:t>
             </a:r>
-            <a:endParaRPr/>
           </a:p>
-        </p:txBody>
-      </p:sp>
-      <p:graphicFrame>
-        <p:nvGraphicFramePr>
-          <p:cNvPr id="273" name="Google Shape;273;p39"/>
-          <p:cNvGraphicFramePr/>
-          <p:nvPr/>
-        </p:nvGraphicFramePr>
-        <p:xfrm>
-          <a:off x="1333500" y="2571750"/>
-          <a:ext cx="3000000" cy="3000000"/>
-        </p:xfrm>
-        <a:graphic>
-          <a:graphicData uri="http://schemas.openxmlformats.org/drawingml/2006/table">
-            <a:tbl>
-              <a:tblPr>
-                <a:noFill/>
-              </a:tblPr>
-              <a:tblGrid>
-                <a:gridCol w="5852550">
-                  <a:extLst>
-                    <a:ext uri="{9D8B030D-6E8A-4147-A177-3AD203B41FA5}">
-                      <a16:colId xmlns:a16="http://schemas.microsoft.com/office/drawing/2014/main" val="20000"/>
-                    </a:ext>
-                  </a:extLst>
-                </a:gridCol>
-              </a:tblGrid>
-              <a:tr h="927125">
-                <a:tc>
-                  <a:txBody>
-                    <a:bodyPr/>
-                    <a:lstStyle/>
-                    <a:p>
-                      <a:pPr marL="0" lvl="0" indent="0" algn="l" rtl="0">
-                        <a:lnSpc>
-                          <a:spcPct val="115000"/>
-                        </a:lnSpc>
-                        <a:spcBef>
-                          <a:spcPts val="0"/>
-                        </a:spcBef>
-                        <a:spcAft>
-                          <a:spcPts val="0"/>
-                        </a:spcAft>
-                        <a:buNone/>
-                      </a:pPr>
-                      <a:r>
-                        <a:rPr lang="en">
-                          <a:solidFill>
-                            <a:srgbClr val="FFFFFF"/>
-                          </a:solidFill>
-                          <a:highlight>
-                            <a:srgbClr val="333333"/>
-                          </a:highlight>
-                          <a:latin typeface="Consolas"/>
-                          <a:ea typeface="Consolas"/>
-                          <a:cs typeface="Consolas"/>
-                          <a:sym typeface="Consolas"/>
-                        </a:rPr>
-                        <a:t>res = ec2.run_instances(ImageId='ami-04613ff1fdcd2eab1',     InstanceType='t2.micro', SecurityGroups=['istd'], MinCount=1, MaxCount=1, KeyName='dinhtta')</a:t>
-                      </a:r>
-                      <a:endParaRPr/>
-                    </a:p>
-                  </a:txBody>
-                  <a:tcPr marL="63500" marR="63500" marT="63500" marB="63500">
-                    <a:solidFill>
-                      <a:srgbClr val="333333"/>
-                    </a:solidFill>
-                  </a:tcPr>
-                </a:tc>
-                <a:extLst>
-                  <a:ext uri="{0D108BD9-81ED-4DB2-BD59-A6C34878D82A}">
-                    <a16:rowId xmlns:a16="http://schemas.microsoft.com/office/drawing/2014/main" val="10000"/>
-                  </a:ext>
-                </a:extLst>
-              </a:tr>
-            </a:tbl>
-          </a:graphicData>
-        </a:graphic>
-      </p:graphicFrame>
-      <p:sp>
-        <p:nvSpPr>
-          <p:cNvPr id="274" name="Google Shape;274;p39"/>
-          <p:cNvSpPr/>
-          <p:nvPr/>
-        </p:nvSpPr>
-        <p:spPr>
-          <a:xfrm>
-            <a:off x="4559300" y="2617975"/>
-            <a:ext cx="2246100" cy="243600"/>
-          </a:xfrm>
-          <a:prstGeom prst="rect">
-            <a:avLst/>
-          </a:prstGeom>
-          <a:noFill/>
-          <a:ln w="28575" cap="flat" cmpd="sng">
-            <a:solidFill>
-              <a:srgbClr val="FF0000"/>
-            </a:solidFill>
-            <a:prstDash val="solid"/>
-            <a:round/>
-            <a:headEnd type="none" w="sm" len="sm"/>
-            <a:tailEnd type="none" w="sm" len="sm"/>
-          </a:ln>
-        </p:spPr>
-        <p:txBody>
-          <a:bodyPr spcFirstLastPara="1" wrap="square" lIns="91425" tIns="91425" rIns="91425" bIns="91425" anchor="ctr" anchorCtr="0">
-            <a:noAutofit/>
-          </a:bodyPr>
-          <a:lstStyle/>
           <a:p>
-            <a:pPr marL="0" marR="0" lvl="0" indent="0" algn="l" defTabSz="914400" rtl="0" eaLnBrk="1" fontAlgn="auto" latinLnBrk="0" hangingPunct="1">
-              <a:lnSpc>
-                <a:spcPct val="100000"/>
-              </a:lnSpc>
-              <a:spcBef>
-                <a:spcPts val="0"/>
-              </a:spcBef>
-              <a:spcAft>
-                <a:spcPts val="0"/>
-              </a:spcAft>
-              <a:buClr>
-                <a:srgbClr val="000000"/>
-              </a:buClr>
-              <a:buSzTx/>
-              <a:buFont typeface="Arial"/>
-              <a:buNone/>
-              <a:tabLst/>
-              <a:defRPr/>
+            <a:pPr marL="457200" lvl="0" indent="-342900" algn="l" rtl="0">
+              <a:spcBef>
+                <a:spcPts val="0"/>
+              </a:spcBef>
+              <a:spcAft>
+                <a:spcPts val="0"/>
+              </a:spcAft>
+              <a:buSzPts val="1800"/>
+              <a:buChar char="●"/>
             </a:pPr>
-            <a:endParaRPr kumimoji="0" sz="1400" b="0" i="0" u="none" strike="noStrike" kern="0" cap="none" spc="0" normalizeH="0" baseline="0" noProof="0">
-              <a:ln>
-                <a:noFill/>
-              </a:ln>
-              <a:solidFill>
-                <a:srgbClr val="000000"/>
-              </a:solidFill>
-              <a:effectLst/>
-              <a:uLnTx/>
-              <a:uFillTx/>
-              <a:latin typeface="Arial"/>
-              <a:cs typeface="Arial"/>
-              <a:sym typeface="Arial"/>
+            <a:endParaRPr lang="en" dirty="0"/>
+          </a:p>
+          <a:p>
+            <a:pPr marL="114300" lvl="0" indent="0">
+              <a:buNone/>
+            </a:pPr>
+            <a:r>
+              <a:rPr lang="en-SG" sz="1200" dirty="0">
+                <a:latin typeface="Courier New" panose="02070309020205020404" pitchFamily="49" charset="0"/>
+                <a:cs typeface="Courier New" panose="02070309020205020404" pitchFamily="49" charset="0"/>
+              </a:rPr>
+              <a:t>import boto3</a:t>
+            </a:r>
+          </a:p>
+          <a:p>
+            <a:pPr marL="114300" lvl="0" indent="0">
+              <a:buNone/>
+            </a:pPr>
+            <a:r>
+              <a:rPr lang="en-SG" sz="1200" dirty="0">
+                <a:latin typeface="Courier New" panose="02070309020205020404" pitchFamily="49" charset="0"/>
+                <a:cs typeface="Courier New" panose="02070309020205020404" pitchFamily="49" charset="0"/>
+              </a:rPr>
+              <a:t>ec2 = boto3.resource('ec2')</a:t>
+            </a:r>
+          </a:p>
+          <a:p>
+            <a:pPr marL="114300" lvl="0" indent="0">
+              <a:buNone/>
+            </a:pPr>
+            <a:endParaRPr lang="en-SG" sz="1200" dirty="0">
+              <a:latin typeface="Courier New" panose="02070309020205020404" pitchFamily="49" charset="0"/>
+              <a:cs typeface="Courier New" panose="02070309020205020404" pitchFamily="49" charset="0"/>
+            </a:endParaRPr>
+          </a:p>
+          <a:p>
+            <a:pPr marL="114300" lvl="0" indent="0">
+              <a:buNone/>
+            </a:pPr>
+            <a:r>
+              <a:rPr lang="en-SG" sz="1200" dirty="0">
+                <a:latin typeface="Courier New" panose="02070309020205020404" pitchFamily="49" charset="0"/>
+                <a:cs typeface="Courier New" panose="02070309020205020404" pitchFamily="49" charset="0"/>
+              </a:rPr>
+              <a:t># create a new EC2 instance</a:t>
+            </a:r>
+          </a:p>
+          <a:p>
+            <a:pPr marL="114300" lvl="0" indent="0">
+              <a:buNone/>
+            </a:pPr>
+            <a:r>
+              <a:rPr lang="en-SG" sz="1200" dirty="0">
+                <a:latin typeface="Courier New" panose="02070309020205020404" pitchFamily="49" charset="0"/>
+                <a:cs typeface="Courier New" panose="02070309020205020404" pitchFamily="49" charset="0"/>
+              </a:rPr>
+              <a:t>instances = ec2.create_instances(</a:t>
+            </a:r>
+          </a:p>
+          <a:p>
+            <a:pPr marL="114300" lvl="0" indent="0">
+              <a:buNone/>
+            </a:pPr>
+            <a:r>
+              <a:rPr lang="en-SG" sz="1200" dirty="0">
+                <a:latin typeface="Courier New" panose="02070309020205020404" pitchFamily="49" charset="0"/>
+                <a:cs typeface="Courier New" panose="02070309020205020404" pitchFamily="49" charset="0"/>
+              </a:rPr>
+              <a:t>     </a:t>
+            </a:r>
+            <a:r>
+              <a:rPr lang="en-SG" sz="1200" dirty="0" err="1">
+                <a:latin typeface="Courier New" panose="02070309020205020404" pitchFamily="49" charset="0"/>
+                <a:cs typeface="Courier New" panose="02070309020205020404" pitchFamily="49" charset="0"/>
+              </a:rPr>
+              <a:t>ImageId</a:t>
+            </a:r>
+            <a:r>
+              <a:rPr lang="en-SG" sz="1200" dirty="0">
+                <a:latin typeface="Courier New" panose="02070309020205020404" pitchFamily="49" charset="0"/>
+                <a:cs typeface="Courier New" panose="02070309020205020404" pitchFamily="49" charset="0"/>
+              </a:rPr>
+              <a:t>='ami-06b263d6ceff0b3dd',</a:t>
+            </a:r>
+          </a:p>
+          <a:p>
+            <a:pPr marL="114300" lvl="0" indent="0">
+              <a:buNone/>
+            </a:pPr>
+            <a:r>
+              <a:rPr lang="en-SG" sz="1200" dirty="0">
+                <a:latin typeface="Courier New" panose="02070309020205020404" pitchFamily="49" charset="0"/>
+                <a:cs typeface="Courier New" panose="02070309020205020404" pitchFamily="49" charset="0"/>
+              </a:rPr>
+              <a:t>     </a:t>
+            </a:r>
+            <a:r>
+              <a:rPr lang="en-SG" sz="1200" dirty="0" err="1">
+                <a:latin typeface="Courier New" panose="02070309020205020404" pitchFamily="49" charset="0"/>
+                <a:cs typeface="Courier New" panose="02070309020205020404" pitchFamily="49" charset="0"/>
+              </a:rPr>
+              <a:t>MinCount</a:t>
+            </a:r>
+            <a:r>
+              <a:rPr lang="en-SG" sz="1200" dirty="0">
+                <a:latin typeface="Courier New" panose="02070309020205020404" pitchFamily="49" charset="0"/>
+                <a:cs typeface="Courier New" panose="02070309020205020404" pitchFamily="49" charset="0"/>
+              </a:rPr>
+              <a:t>=1,</a:t>
+            </a:r>
+          </a:p>
+          <a:p>
+            <a:pPr marL="114300" lvl="0" indent="0">
+              <a:buNone/>
+            </a:pPr>
+            <a:r>
+              <a:rPr lang="en-SG" sz="1200" dirty="0">
+                <a:latin typeface="Courier New" panose="02070309020205020404" pitchFamily="49" charset="0"/>
+                <a:cs typeface="Courier New" panose="02070309020205020404" pitchFamily="49" charset="0"/>
+              </a:rPr>
+              <a:t>     </a:t>
+            </a:r>
+            <a:r>
+              <a:rPr lang="en-SG" sz="1200" dirty="0" err="1">
+                <a:latin typeface="Courier New" panose="02070309020205020404" pitchFamily="49" charset="0"/>
+                <a:cs typeface="Courier New" panose="02070309020205020404" pitchFamily="49" charset="0"/>
+              </a:rPr>
+              <a:t>MaxCount</a:t>
+            </a:r>
+            <a:r>
+              <a:rPr lang="en-SG" sz="1200" dirty="0">
+                <a:latin typeface="Courier New" panose="02070309020205020404" pitchFamily="49" charset="0"/>
+                <a:cs typeface="Courier New" panose="02070309020205020404" pitchFamily="49" charset="0"/>
+              </a:rPr>
+              <a:t>=1,</a:t>
+            </a:r>
+          </a:p>
+          <a:p>
+            <a:pPr marL="114300" lvl="0" indent="0">
+              <a:buNone/>
+            </a:pPr>
+            <a:r>
+              <a:rPr lang="en-SG" sz="1200" dirty="0">
+                <a:latin typeface="Courier New" panose="02070309020205020404" pitchFamily="49" charset="0"/>
+                <a:cs typeface="Courier New" panose="02070309020205020404" pitchFamily="49" charset="0"/>
+              </a:rPr>
+              <a:t>     </a:t>
+            </a:r>
+            <a:r>
+              <a:rPr lang="en-SG" sz="1200" dirty="0" err="1">
+                <a:latin typeface="Courier New" panose="02070309020205020404" pitchFamily="49" charset="0"/>
+                <a:cs typeface="Courier New" panose="02070309020205020404" pitchFamily="49" charset="0"/>
+              </a:rPr>
+              <a:t>InstanceType</a:t>
+            </a:r>
+            <a:r>
+              <a:rPr lang="en-SG" sz="1200" dirty="0">
+                <a:latin typeface="Courier New" panose="02070309020205020404" pitchFamily="49" charset="0"/>
+                <a:cs typeface="Courier New" panose="02070309020205020404" pitchFamily="49" charset="0"/>
+              </a:rPr>
+              <a:t>='t2.micro',</a:t>
+            </a:r>
+          </a:p>
+          <a:p>
+            <a:pPr marL="114300" lvl="0" indent="0">
+              <a:buNone/>
+            </a:pPr>
+            <a:r>
+              <a:rPr lang="en-SG" sz="1200" dirty="0">
+                <a:latin typeface="Courier New" panose="02070309020205020404" pitchFamily="49" charset="0"/>
+                <a:cs typeface="Courier New" panose="02070309020205020404" pitchFamily="49" charset="0"/>
+              </a:rPr>
+              <a:t>     </a:t>
+            </a:r>
+            <a:r>
+              <a:rPr lang="en-SG" sz="1200" dirty="0" err="1">
+                <a:latin typeface="Courier New" panose="02070309020205020404" pitchFamily="49" charset="0"/>
+                <a:cs typeface="Courier New" panose="02070309020205020404" pitchFamily="49" charset="0"/>
+              </a:rPr>
+              <a:t>KeyName</a:t>
+            </a:r>
+            <a:r>
+              <a:rPr lang="en-SG" sz="1200" dirty="0">
+                <a:latin typeface="Courier New" panose="02070309020205020404" pitchFamily="49" charset="0"/>
+                <a:cs typeface="Courier New" panose="02070309020205020404" pitchFamily="49" charset="0"/>
+              </a:rPr>
+              <a:t>='ec2-keypair'</a:t>
+            </a:r>
+          </a:p>
+          <a:p>
+            <a:pPr marL="114300" lvl="0" indent="0">
+              <a:buNone/>
+            </a:pPr>
+            <a:r>
+              <a:rPr lang="en-SG" sz="1200" dirty="0">
+                <a:latin typeface="Courier New" panose="02070309020205020404" pitchFamily="49" charset="0"/>
+                <a:cs typeface="Courier New" panose="02070309020205020404" pitchFamily="49" charset="0"/>
+              </a:rPr>
+              <a:t> )</a:t>
+            </a:r>
+            <a:endParaRPr lang="en" sz="1200" dirty="0">
+              <a:latin typeface="Courier New" panose="02070309020205020404" pitchFamily="49" charset="0"/>
+              <a:cs typeface="Courier New" panose="02070309020205020404" pitchFamily="49" charset="0"/>
             </a:endParaRPr>
           </a:p>
         </p:txBody>
       </p:sp>
-      <p:sp>
-        <p:nvSpPr>
-          <p:cNvPr id="275" name="Google Shape;275;p39"/>
-          <p:cNvSpPr txBox="1"/>
-          <p:nvPr/>
-        </p:nvSpPr>
-        <p:spPr>
-          <a:xfrm>
-            <a:off x="5064500" y="1631875"/>
-            <a:ext cx="1430400" cy="438300"/>
-          </a:xfrm>
-          <a:prstGeom prst="rect">
-            <a:avLst/>
-          </a:prstGeom>
-          <a:noFill/>
-          <a:ln>
-            <a:noFill/>
-          </a:ln>
-        </p:spPr>
-        <p:txBody>
-          <a:bodyPr spcFirstLastPara="1" wrap="square" lIns="91425" tIns="91425" rIns="91425" bIns="91425" anchor="t" anchorCtr="0">
-            <a:noAutofit/>
-          </a:bodyPr>
-          <a:lstStyle/>
-          <a:p>
-            <a:pPr marL="0" marR="0" lvl="0" indent="0" algn="l" defTabSz="914400" rtl="0" eaLnBrk="1" fontAlgn="auto" latinLnBrk="0" hangingPunct="1">
-              <a:lnSpc>
-                <a:spcPct val="100000"/>
-              </a:lnSpc>
-              <a:spcBef>
-                <a:spcPts val="0"/>
-              </a:spcBef>
-              <a:spcAft>
-                <a:spcPts val="0"/>
-              </a:spcAft>
-              <a:buClr>
-                <a:srgbClr val="000000"/>
-              </a:buClr>
-              <a:buSzTx/>
-              <a:buFont typeface="Arial"/>
-              <a:buNone/>
-              <a:tabLst/>
-              <a:defRPr/>
-            </a:pPr>
-            <a:r>
-              <a:rPr kumimoji="0" lang="en" sz="1400" b="0" i="0" u="none" strike="noStrike" kern="0" cap="none" spc="0" normalizeH="0" baseline="0" noProof="0">
-                <a:ln>
-                  <a:noFill/>
-                </a:ln>
-                <a:solidFill>
-                  <a:srgbClr val="000000"/>
-                </a:solidFill>
-                <a:effectLst/>
-                <a:uLnTx/>
-                <a:uFillTx/>
-                <a:latin typeface="Arial"/>
-                <a:cs typeface="Arial"/>
-                <a:sym typeface="Arial"/>
-              </a:rPr>
-              <a:t>Ubuntu server</a:t>
-            </a:r>
-            <a:endParaRPr kumimoji="0" sz="1400" b="0" i="0" u="none" strike="noStrike" kern="0" cap="none" spc="0" normalizeH="0" baseline="0" noProof="0">
-              <a:ln>
-                <a:noFill/>
-              </a:ln>
-              <a:solidFill>
-                <a:srgbClr val="000000"/>
-              </a:solidFill>
-              <a:effectLst/>
-              <a:uLnTx/>
-              <a:uFillTx/>
-              <a:latin typeface="Arial"/>
-              <a:cs typeface="Arial"/>
-              <a:sym typeface="Arial"/>
-            </a:endParaRPr>
-          </a:p>
-        </p:txBody>
-      </p:sp>
-      <p:cxnSp>
-        <p:nvCxnSpPr>
-          <p:cNvPr id="276" name="Google Shape;276;p39"/>
-          <p:cNvCxnSpPr>
-            <a:stCxn id="275" idx="2"/>
-            <a:endCxn id="274" idx="0"/>
-          </p:cNvCxnSpPr>
-          <p:nvPr/>
-        </p:nvCxnSpPr>
-        <p:spPr>
-          <a:xfrm flipH="1">
-            <a:off x="5682500" y="2070175"/>
-            <a:ext cx="97200" cy="547800"/>
-          </a:xfrm>
-          <a:prstGeom prst="straightConnector1">
-            <a:avLst/>
-          </a:prstGeom>
-          <a:noFill/>
-          <a:ln w="19050" cap="flat" cmpd="sng">
-            <a:solidFill>
-              <a:schemeClr val="dk2"/>
-            </a:solidFill>
-            <a:prstDash val="solid"/>
-            <a:round/>
-            <a:headEnd type="none" w="med" len="med"/>
-            <a:tailEnd type="triangle" w="med" len="med"/>
-          </a:ln>
-        </p:spPr>
-      </p:cxnSp>
-      <p:sp>
-        <p:nvSpPr>
-          <p:cNvPr id="277" name="Google Shape;277;p39"/>
-          <p:cNvSpPr/>
-          <p:nvPr/>
-        </p:nvSpPr>
-        <p:spPr>
-          <a:xfrm>
-            <a:off x="2690825" y="2861575"/>
-            <a:ext cx="943200" cy="243600"/>
-          </a:xfrm>
-          <a:prstGeom prst="rect">
-            <a:avLst/>
-          </a:prstGeom>
-          <a:noFill/>
-          <a:ln w="28575" cap="flat" cmpd="sng">
-            <a:solidFill>
-              <a:srgbClr val="FF0000"/>
-            </a:solidFill>
-            <a:prstDash val="solid"/>
-            <a:round/>
-            <a:headEnd type="none" w="sm" len="sm"/>
-            <a:tailEnd type="none" w="sm" len="sm"/>
-          </a:ln>
-        </p:spPr>
-        <p:txBody>
-          <a:bodyPr spcFirstLastPara="1" wrap="square" lIns="91425" tIns="91425" rIns="91425" bIns="91425" anchor="ctr" anchorCtr="0">
-            <a:noAutofit/>
-          </a:bodyPr>
-          <a:lstStyle/>
-          <a:p>
-            <a:pPr marL="0" marR="0" lvl="0" indent="0" algn="l" defTabSz="914400" rtl="0" eaLnBrk="1" fontAlgn="auto" latinLnBrk="0" hangingPunct="1">
-              <a:lnSpc>
-                <a:spcPct val="100000"/>
-              </a:lnSpc>
-              <a:spcBef>
-                <a:spcPts val="0"/>
-              </a:spcBef>
-              <a:spcAft>
-                <a:spcPts val="0"/>
-              </a:spcAft>
-              <a:buClr>
-                <a:srgbClr val="000000"/>
-              </a:buClr>
-              <a:buSzTx/>
-              <a:buFont typeface="Arial"/>
-              <a:buNone/>
-              <a:tabLst/>
-              <a:defRPr/>
-            </a:pPr>
-            <a:endParaRPr kumimoji="0" sz="1400" b="0" i="0" u="none" strike="noStrike" kern="0" cap="none" spc="0" normalizeH="0" baseline="0" noProof="0">
-              <a:ln>
-                <a:noFill/>
-              </a:ln>
-              <a:solidFill>
-                <a:srgbClr val="000000"/>
-              </a:solidFill>
-              <a:effectLst/>
-              <a:uLnTx/>
-              <a:uFillTx/>
-              <a:latin typeface="Arial"/>
-              <a:cs typeface="Arial"/>
-              <a:sym typeface="Arial"/>
-            </a:endParaRPr>
-          </a:p>
-        </p:txBody>
-      </p:sp>
-      <p:sp>
-        <p:nvSpPr>
-          <p:cNvPr id="278" name="Google Shape;278;p39"/>
-          <p:cNvSpPr/>
-          <p:nvPr/>
-        </p:nvSpPr>
-        <p:spPr>
-          <a:xfrm>
-            <a:off x="5259500" y="2861575"/>
-            <a:ext cx="943200" cy="243600"/>
-          </a:xfrm>
-          <a:prstGeom prst="rect">
-            <a:avLst/>
-          </a:prstGeom>
-          <a:noFill/>
-          <a:ln w="28575" cap="flat" cmpd="sng">
-            <a:solidFill>
-              <a:srgbClr val="FF0000"/>
-            </a:solidFill>
-            <a:prstDash val="solid"/>
-            <a:round/>
-            <a:headEnd type="none" w="sm" len="sm"/>
-            <a:tailEnd type="none" w="sm" len="sm"/>
-          </a:ln>
-        </p:spPr>
-        <p:txBody>
-          <a:bodyPr spcFirstLastPara="1" wrap="square" lIns="91425" tIns="91425" rIns="91425" bIns="91425" anchor="ctr" anchorCtr="0">
-            <a:noAutofit/>
-          </a:bodyPr>
-          <a:lstStyle/>
-          <a:p>
-            <a:pPr marL="0" marR="0" lvl="0" indent="0" algn="l" defTabSz="914400" rtl="0" eaLnBrk="1" fontAlgn="auto" latinLnBrk="0" hangingPunct="1">
-              <a:lnSpc>
-                <a:spcPct val="100000"/>
-              </a:lnSpc>
-              <a:spcBef>
-                <a:spcPts val="0"/>
-              </a:spcBef>
-              <a:spcAft>
-                <a:spcPts val="0"/>
-              </a:spcAft>
-              <a:buClr>
-                <a:srgbClr val="000000"/>
-              </a:buClr>
-              <a:buSzTx/>
-              <a:buFont typeface="Arial"/>
-              <a:buNone/>
-              <a:tabLst/>
-              <a:defRPr/>
-            </a:pPr>
-            <a:endParaRPr kumimoji="0" sz="1400" b="0" i="0" u="none" strike="noStrike" kern="0" cap="none" spc="0" normalizeH="0" baseline="0" noProof="0">
-              <a:ln>
-                <a:noFill/>
-              </a:ln>
-              <a:solidFill>
-                <a:srgbClr val="000000"/>
-              </a:solidFill>
-              <a:effectLst/>
-              <a:uLnTx/>
-              <a:uFillTx/>
-              <a:latin typeface="Arial"/>
-              <a:cs typeface="Arial"/>
-              <a:sym typeface="Arial"/>
-            </a:endParaRPr>
-          </a:p>
-        </p:txBody>
-      </p:sp>
-      <p:sp>
-        <p:nvSpPr>
-          <p:cNvPr id="279" name="Google Shape;279;p39"/>
-          <p:cNvSpPr/>
-          <p:nvPr/>
-        </p:nvSpPr>
-        <p:spPr>
-          <a:xfrm>
-            <a:off x="4516675" y="3105175"/>
-            <a:ext cx="906900" cy="243600"/>
-          </a:xfrm>
-          <a:prstGeom prst="rect">
-            <a:avLst/>
-          </a:prstGeom>
-          <a:noFill/>
-          <a:ln w="28575" cap="flat" cmpd="sng">
-            <a:solidFill>
-              <a:srgbClr val="FF0000"/>
-            </a:solidFill>
-            <a:prstDash val="solid"/>
-            <a:round/>
-            <a:headEnd type="none" w="sm" len="sm"/>
-            <a:tailEnd type="none" w="sm" len="sm"/>
-          </a:ln>
-        </p:spPr>
-        <p:txBody>
-          <a:bodyPr spcFirstLastPara="1" wrap="square" lIns="91425" tIns="91425" rIns="91425" bIns="91425" anchor="ctr" anchorCtr="0">
-            <a:noAutofit/>
-          </a:bodyPr>
-          <a:lstStyle/>
-          <a:p>
-            <a:pPr marL="0" marR="0" lvl="0" indent="0" algn="l" defTabSz="914400" rtl="0" eaLnBrk="1" fontAlgn="auto" latinLnBrk="0" hangingPunct="1">
-              <a:lnSpc>
-                <a:spcPct val="100000"/>
-              </a:lnSpc>
-              <a:spcBef>
-                <a:spcPts val="0"/>
-              </a:spcBef>
-              <a:spcAft>
-                <a:spcPts val="0"/>
-              </a:spcAft>
-              <a:buClr>
-                <a:srgbClr val="000000"/>
-              </a:buClr>
-              <a:buSzTx/>
-              <a:buFont typeface="Arial"/>
-              <a:buNone/>
-              <a:tabLst/>
-              <a:defRPr/>
-            </a:pPr>
-            <a:endParaRPr kumimoji="0" sz="1400" b="0" i="0" u="none" strike="noStrike" kern="0" cap="none" spc="0" normalizeH="0" baseline="0" noProof="0">
-              <a:ln>
-                <a:noFill/>
-              </a:ln>
-              <a:solidFill>
-                <a:srgbClr val="000000"/>
-              </a:solidFill>
-              <a:effectLst/>
-              <a:uLnTx/>
-              <a:uFillTx/>
-              <a:latin typeface="Arial"/>
-              <a:cs typeface="Arial"/>
-              <a:sym typeface="Arial"/>
-            </a:endParaRPr>
-          </a:p>
-        </p:txBody>
-      </p:sp>
-      <p:sp>
-        <p:nvSpPr>
-          <p:cNvPr id="280" name="Google Shape;280;p39"/>
-          <p:cNvSpPr txBox="1"/>
-          <p:nvPr/>
-        </p:nvSpPr>
-        <p:spPr>
-          <a:xfrm>
-            <a:off x="5472550" y="4072975"/>
-            <a:ext cx="1332900" cy="438300"/>
-          </a:xfrm>
-          <a:prstGeom prst="rect">
-            <a:avLst/>
-          </a:prstGeom>
-          <a:noFill/>
-          <a:ln>
-            <a:noFill/>
-          </a:ln>
-        </p:spPr>
-        <p:txBody>
-          <a:bodyPr spcFirstLastPara="1" wrap="square" lIns="91425" tIns="91425" rIns="91425" bIns="91425" anchor="t" anchorCtr="0">
-            <a:noAutofit/>
-          </a:bodyPr>
-          <a:lstStyle/>
-          <a:p>
-            <a:pPr marL="0" marR="0" lvl="0" indent="0" algn="l" defTabSz="914400" rtl="0" eaLnBrk="1" fontAlgn="auto" latinLnBrk="0" hangingPunct="1">
-              <a:lnSpc>
-                <a:spcPct val="100000"/>
-              </a:lnSpc>
-              <a:spcBef>
-                <a:spcPts val="0"/>
-              </a:spcBef>
-              <a:spcAft>
-                <a:spcPts val="0"/>
-              </a:spcAft>
-              <a:buClr>
-                <a:srgbClr val="000000"/>
-              </a:buClr>
-              <a:buSzTx/>
-              <a:buFont typeface="Arial"/>
-              <a:buNone/>
-              <a:tabLst/>
-              <a:defRPr/>
-            </a:pPr>
-            <a:r>
-              <a:rPr kumimoji="0" lang="en" sz="1400" b="0" i="0" u="none" strike="noStrike" kern="0" cap="none" spc="0" normalizeH="0" baseline="0" noProof="0">
-                <a:ln>
-                  <a:noFill/>
-                </a:ln>
-                <a:solidFill>
-                  <a:srgbClr val="000000"/>
-                </a:solidFill>
-                <a:effectLst/>
-                <a:uLnTx/>
-                <a:uFillTx/>
-                <a:latin typeface="Arial"/>
-                <a:cs typeface="Arial"/>
-                <a:sym typeface="Arial"/>
-              </a:rPr>
-              <a:t>SSH Key pair</a:t>
-            </a:r>
-            <a:endParaRPr kumimoji="0" sz="1400" b="0" i="0" u="none" strike="noStrike" kern="0" cap="none" spc="0" normalizeH="0" baseline="0" noProof="0">
-              <a:ln>
-                <a:noFill/>
-              </a:ln>
-              <a:solidFill>
-                <a:srgbClr val="000000"/>
-              </a:solidFill>
-              <a:effectLst/>
-              <a:uLnTx/>
-              <a:uFillTx/>
-              <a:latin typeface="Arial"/>
-              <a:cs typeface="Arial"/>
-              <a:sym typeface="Arial"/>
-            </a:endParaRPr>
-          </a:p>
-        </p:txBody>
-      </p:sp>
-      <p:cxnSp>
-        <p:nvCxnSpPr>
-          <p:cNvPr id="281" name="Google Shape;281;p39"/>
-          <p:cNvCxnSpPr>
-            <a:stCxn id="279" idx="2"/>
-            <a:endCxn id="280" idx="0"/>
-          </p:cNvCxnSpPr>
-          <p:nvPr/>
-        </p:nvCxnSpPr>
-        <p:spPr>
-          <a:xfrm>
-            <a:off x="4970125" y="3348775"/>
-            <a:ext cx="1168800" cy="724200"/>
-          </a:xfrm>
-          <a:prstGeom prst="straightConnector1">
-            <a:avLst/>
-          </a:prstGeom>
-          <a:noFill/>
-          <a:ln w="19050" cap="flat" cmpd="sng">
-            <a:solidFill>
-              <a:schemeClr val="dk2"/>
-            </a:solidFill>
-            <a:prstDash val="solid"/>
-            <a:round/>
-            <a:headEnd type="none" w="med" len="med"/>
-            <a:tailEnd type="triangle" w="med" len="med"/>
-          </a:ln>
-        </p:spPr>
-      </p:cxnSp>
     </p:spTree>
   </p:cSld>
   <p:clrMapOvr>

--- a/MySQL-AWS.pptx
+++ b/MySQL-AWS.pptx
@@ -7,7 +7,7 @@
     <p:sldMasterId id="2147483672" r:id="rId3"/>
   </p:sldMasterIdLst>
   <p:notesMasterIdLst>
-    <p:notesMasterId r:id="rId27"/>
+    <p:notesMasterId r:id="rId38"/>
   </p:notesMasterIdLst>
   <p:sldIdLst>
     <p:sldId id="256" r:id="rId4"/>
@@ -21,18 +21,29 @@
     <p:sldId id="281" r:id="rId12"/>
     <p:sldId id="282" r:id="rId13"/>
     <p:sldId id="284" r:id="rId14"/>
-    <p:sldId id="285" r:id="rId15"/>
-    <p:sldId id="286" r:id="rId16"/>
-    <p:sldId id="267" r:id="rId17"/>
-    <p:sldId id="268" r:id="rId18"/>
-    <p:sldId id="269" r:id="rId19"/>
-    <p:sldId id="270" r:id="rId20"/>
-    <p:sldId id="265" r:id="rId21"/>
-    <p:sldId id="266" r:id="rId22"/>
-    <p:sldId id="271" r:id="rId23"/>
-    <p:sldId id="272" r:id="rId24"/>
-    <p:sldId id="273" r:id="rId25"/>
-    <p:sldId id="274" r:id="rId26"/>
+    <p:sldId id="273" r:id="rId15"/>
+    <p:sldId id="285" r:id="rId16"/>
+    <p:sldId id="286" r:id="rId17"/>
+    <p:sldId id="267" r:id="rId18"/>
+    <p:sldId id="268" r:id="rId19"/>
+    <p:sldId id="269" r:id="rId20"/>
+    <p:sldId id="270" r:id="rId21"/>
+    <p:sldId id="288" r:id="rId22"/>
+    <p:sldId id="266" r:id="rId23"/>
+    <p:sldId id="295" r:id="rId24"/>
+    <p:sldId id="297" r:id="rId25"/>
+    <p:sldId id="296" r:id="rId26"/>
+    <p:sldId id="287" r:id="rId27"/>
+    <p:sldId id="289" r:id="rId28"/>
+    <p:sldId id="290" r:id="rId29"/>
+    <p:sldId id="291" r:id="rId30"/>
+    <p:sldId id="292" r:id="rId31"/>
+    <p:sldId id="293" r:id="rId32"/>
+    <p:sldId id="294" r:id="rId33"/>
+    <p:sldId id="271" r:id="rId34"/>
+    <p:sldId id="272" r:id="rId35"/>
+    <p:sldId id="274" r:id="rId36"/>
+    <p:sldId id="298" r:id="rId37"/>
   </p:sldIdLst>
   <p:sldSz cx="9144000" cy="5143500" type="screen16x9"/>
   <p:notesSz cx="6858000" cy="9144000"/>
@@ -817,7 +828,7 @@
               </a:spcAft>
               <a:buNone/>
             </a:pPr>
-            <a:endParaRPr/>
+            <a:endParaRPr dirty="0"/>
           </a:p>
         </p:txBody>
       </p:sp>
@@ -830,6 +841,328 @@
 </file>
 
 <file path=ppt/notesSlides/notesSlide10.xml><?xml version="1.0" encoding="utf-8"?>
+<p:notes xmlns:a="http://schemas.openxmlformats.org/drawingml/2006/main" xmlns:r="http://schemas.openxmlformats.org/officeDocument/2006/relationships" xmlns:p="http://schemas.openxmlformats.org/presentationml/2006/main" showMasterSp="0" showMasterPhAnim="0">
+  <p:cSld>
+    <p:spTree>
+      <p:nvGrpSpPr>
+        <p:cNvPr id="1" name="Shape 136"/>
+        <p:cNvGrpSpPr/>
+        <p:nvPr/>
+      </p:nvGrpSpPr>
+      <p:grpSpPr>
+        <a:xfrm>
+          <a:off x="0" y="0"/>
+          <a:ext cx="0" cy="0"/>
+          <a:chOff x="0" y="0"/>
+          <a:chExt cx="0" cy="0"/>
+        </a:xfrm>
+      </p:grpSpPr>
+      <p:sp>
+        <p:nvSpPr>
+          <p:cNvPr id="137" name="Google Shape;137;g639432cfe3_0_80:notes"/>
+          <p:cNvSpPr>
+            <a:spLocks noGrp="1" noRot="1" noChangeAspect="1"/>
+          </p:cNvSpPr>
+          <p:nvPr>
+            <p:ph type="sldImg" idx="2"/>
+          </p:nvPr>
+        </p:nvSpPr>
+        <p:spPr>
+          <a:xfrm>
+            <a:off x="381000" y="685800"/>
+            <a:ext cx="6096000" cy="3429000"/>
+          </a:xfrm>
+          <a:custGeom>
+            <a:avLst/>
+            <a:gdLst/>
+            <a:ahLst/>
+            <a:cxnLst/>
+            <a:rect l="l" t="t" r="r" b="b"/>
+            <a:pathLst>
+              <a:path w="120000" h="120000" extrusionOk="0">
+                <a:moveTo>
+                  <a:pt x="0" y="0"/>
+                </a:moveTo>
+                <a:lnTo>
+                  <a:pt x="120000" y="0"/>
+                </a:lnTo>
+                <a:lnTo>
+                  <a:pt x="120000" y="120000"/>
+                </a:lnTo>
+                <a:lnTo>
+                  <a:pt x="0" y="120000"/>
+                </a:lnTo>
+                <a:close/>
+              </a:path>
+            </a:pathLst>
+          </a:custGeom>
+        </p:spPr>
+      </p:sp>
+      <p:sp>
+        <p:nvSpPr>
+          <p:cNvPr id="138" name="Google Shape;138;g639432cfe3_0_80:notes"/>
+          <p:cNvSpPr txBox="1">
+            <a:spLocks noGrp="1"/>
+          </p:cNvSpPr>
+          <p:nvPr>
+            <p:ph type="body" idx="1"/>
+          </p:nvPr>
+        </p:nvSpPr>
+        <p:spPr>
+          <a:xfrm>
+            <a:off x="685800" y="4343400"/>
+            <a:ext cx="5486400" cy="4114800"/>
+          </a:xfrm>
+          <a:prstGeom prst="rect">
+            <a:avLst/>
+          </a:prstGeom>
+        </p:spPr>
+        <p:txBody>
+          <a:bodyPr spcFirstLastPara="1" wrap="square" lIns="91425" tIns="91425" rIns="91425" bIns="91425" anchor="t" anchorCtr="0">
+            <a:noAutofit/>
+          </a:bodyPr>
+          <a:lstStyle/>
+          <a:p>
+            <a:pPr marL="0" lvl="0" indent="0" algn="l" rtl="0">
+              <a:spcBef>
+                <a:spcPts val="0"/>
+              </a:spcBef>
+              <a:spcAft>
+                <a:spcPts val="0"/>
+              </a:spcAft>
+              <a:buNone/>
+            </a:pPr>
+            <a:endParaRPr/>
+          </a:p>
+        </p:txBody>
+      </p:sp>
+    </p:spTree>
+    <p:extLst>
+      <p:ext uri="{BB962C8B-B14F-4D97-AF65-F5344CB8AC3E}">
+        <p14:creationId xmlns:p14="http://schemas.microsoft.com/office/powerpoint/2010/main" val="668491371"/>
+      </p:ext>
+    </p:extLst>
+  </p:cSld>
+  <p:clrMapOvr>
+    <a:masterClrMapping/>
+  </p:clrMapOvr>
+</p:notes>
+</file>
+
+<file path=ppt/notesSlides/notesSlide11.xml><?xml version="1.0" encoding="utf-8"?>
+<p:notes xmlns:a="http://schemas.openxmlformats.org/drawingml/2006/main" xmlns:r="http://schemas.openxmlformats.org/officeDocument/2006/relationships" xmlns:p="http://schemas.openxmlformats.org/presentationml/2006/main" showMasterSp="0" showMasterPhAnim="0">
+  <p:cSld>
+    <p:spTree>
+      <p:nvGrpSpPr>
+        <p:cNvPr id="1" name="Shape 136"/>
+        <p:cNvGrpSpPr/>
+        <p:nvPr/>
+      </p:nvGrpSpPr>
+      <p:grpSpPr>
+        <a:xfrm>
+          <a:off x="0" y="0"/>
+          <a:ext cx="0" cy="0"/>
+          <a:chOff x="0" y="0"/>
+          <a:chExt cx="0" cy="0"/>
+        </a:xfrm>
+      </p:grpSpPr>
+      <p:sp>
+        <p:nvSpPr>
+          <p:cNvPr id="137" name="Google Shape;137;g639432cfe3_0_80:notes"/>
+          <p:cNvSpPr>
+            <a:spLocks noGrp="1" noRot="1" noChangeAspect="1"/>
+          </p:cNvSpPr>
+          <p:nvPr>
+            <p:ph type="sldImg" idx="2"/>
+          </p:nvPr>
+        </p:nvSpPr>
+        <p:spPr>
+          <a:xfrm>
+            <a:off x="381000" y="685800"/>
+            <a:ext cx="6096000" cy="3429000"/>
+          </a:xfrm>
+          <a:custGeom>
+            <a:avLst/>
+            <a:gdLst/>
+            <a:ahLst/>
+            <a:cxnLst/>
+            <a:rect l="l" t="t" r="r" b="b"/>
+            <a:pathLst>
+              <a:path w="120000" h="120000" extrusionOk="0">
+                <a:moveTo>
+                  <a:pt x="0" y="0"/>
+                </a:moveTo>
+                <a:lnTo>
+                  <a:pt x="120000" y="0"/>
+                </a:lnTo>
+                <a:lnTo>
+                  <a:pt x="120000" y="120000"/>
+                </a:lnTo>
+                <a:lnTo>
+                  <a:pt x="0" y="120000"/>
+                </a:lnTo>
+                <a:close/>
+              </a:path>
+            </a:pathLst>
+          </a:custGeom>
+        </p:spPr>
+      </p:sp>
+      <p:sp>
+        <p:nvSpPr>
+          <p:cNvPr id="138" name="Google Shape;138;g639432cfe3_0_80:notes"/>
+          <p:cNvSpPr txBox="1">
+            <a:spLocks noGrp="1"/>
+          </p:cNvSpPr>
+          <p:nvPr>
+            <p:ph type="body" idx="1"/>
+          </p:nvPr>
+        </p:nvSpPr>
+        <p:spPr>
+          <a:xfrm>
+            <a:off x="685800" y="4343400"/>
+            <a:ext cx="5486400" cy="4114800"/>
+          </a:xfrm>
+          <a:prstGeom prst="rect">
+            <a:avLst/>
+          </a:prstGeom>
+        </p:spPr>
+        <p:txBody>
+          <a:bodyPr spcFirstLastPara="1" wrap="square" lIns="91425" tIns="91425" rIns="91425" bIns="91425" anchor="t" anchorCtr="0">
+            <a:noAutofit/>
+          </a:bodyPr>
+          <a:lstStyle/>
+          <a:p>
+            <a:pPr marL="0" lvl="0" indent="0" algn="l" rtl="0">
+              <a:spcBef>
+                <a:spcPts val="0"/>
+              </a:spcBef>
+              <a:spcAft>
+                <a:spcPts val="0"/>
+              </a:spcAft>
+              <a:buNone/>
+            </a:pPr>
+            <a:endParaRPr/>
+          </a:p>
+        </p:txBody>
+      </p:sp>
+    </p:spTree>
+    <p:extLst>
+      <p:ext uri="{BB962C8B-B14F-4D97-AF65-F5344CB8AC3E}">
+        <p14:creationId xmlns:p14="http://schemas.microsoft.com/office/powerpoint/2010/main" val="48819552"/>
+      </p:ext>
+    </p:extLst>
+  </p:cSld>
+  <p:clrMapOvr>
+    <a:masterClrMapping/>
+  </p:clrMapOvr>
+</p:notes>
+</file>
+
+<file path=ppt/notesSlides/notesSlide12.xml><?xml version="1.0" encoding="utf-8"?>
+<p:notes xmlns:a="http://schemas.openxmlformats.org/drawingml/2006/main" xmlns:r="http://schemas.openxmlformats.org/officeDocument/2006/relationships" xmlns:p="http://schemas.openxmlformats.org/presentationml/2006/main" showMasterSp="0" showMasterPhAnim="0">
+  <p:cSld>
+    <p:spTree>
+      <p:nvGrpSpPr>
+        <p:cNvPr id="1" name="Shape 212"/>
+        <p:cNvGrpSpPr/>
+        <p:nvPr/>
+      </p:nvGrpSpPr>
+      <p:grpSpPr>
+        <a:xfrm>
+          <a:off x="0" y="0"/>
+          <a:ext cx="0" cy="0"/>
+          <a:chOff x="0" y="0"/>
+          <a:chExt cx="0" cy="0"/>
+        </a:xfrm>
+      </p:grpSpPr>
+      <p:sp>
+        <p:nvSpPr>
+          <p:cNvPr id="213" name="Google Shape;213;g6f6ce63a76_0_143:notes"/>
+          <p:cNvSpPr>
+            <a:spLocks noGrp="1" noRot="1" noChangeAspect="1"/>
+          </p:cNvSpPr>
+          <p:nvPr>
+            <p:ph type="sldImg" idx="2"/>
+          </p:nvPr>
+        </p:nvSpPr>
+        <p:spPr>
+          <a:xfrm>
+            <a:off x="381300" y="685800"/>
+            <a:ext cx="6096000" cy="3429000"/>
+          </a:xfrm>
+          <a:custGeom>
+            <a:avLst/>
+            <a:gdLst/>
+            <a:ahLst/>
+            <a:cxnLst/>
+            <a:rect l="l" t="t" r="r" b="b"/>
+            <a:pathLst>
+              <a:path w="120000" h="120000" extrusionOk="0">
+                <a:moveTo>
+                  <a:pt x="0" y="0"/>
+                </a:moveTo>
+                <a:lnTo>
+                  <a:pt x="120000" y="0"/>
+                </a:lnTo>
+                <a:lnTo>
+                  <a:pt x="120000" y="120000"/>
+                </a:lnTo>
+                <a:lnTo>
+                  <a:pt x="0" y="120000"/>
+                </a:lnTo>
+                <a:close/>
+              </a:path>
+            </a:pathLst>
+          </a:custGeom>
+        </p:spPr>
+      </p:sp>
+      <p:sp>
+        <p:nvSpPr>
+          <p:cNvPr id="214" name="Google Shape;214;g6f6ce63a76_0_143:notes"/>
+          <p:cNvSpPr txBox="1">
+            <a:spLocks noGrp="1"/>
+          </p:cNvSpPr>
+          <p:nvPr>
+            <p:ph type="body" idx="1"/>
+          </p:nvPr>
+        </p:nvSpPr>
+        <p:spPr>
+          <a:xfrm>
+            <a:off x="685800" y="4343400"/>
+            <a:ext cx="5486400" cy="4114800"/>
+          </a:xfrm>
+          <a:prstGeom prst="rect">
+            <a:avLst/>
+          </a:prstGeom>
+        </p:spPr>
+        <p:txBody>
+          <a:bodyPr spcFirstLastPara="1" wrap="square" lIns="91425" tIns="91425" rIns="91425" bIns="91425" anchor="t" anchorCtr="0">
+            <a:noAutofit/>
+          </a:bodyPr>
+          <a:lstStyle/>
+          <a:p>
+            <a:pPr marL="0" lvl="0" indent="0" algn="l" rtl="0">
+              <a:spcBef>
+                <a:spcPts val="0"/>
+              </a:spcBef>
+              <a:spcAft>
+                <a:spcPts val="0"/>
+              </a:spcAft>
+              <a:buNone/>
+            </a:pPr>
+            <a:endParaRPr/>
+          </a:p>
+        </p:txBody>
+      </p:sp>
+    </p:spTree>
+  </p:cSld>
+  <p:clrMapOvr>
+    <a:masterClrMapping/>
+  </p:clrMapOvr>
+</p:notes>
+</file>
+
+<file path=ppt/notesSlides/notesSlide13.xml><?xml version="1.0" encoding="utf-8"?>
 <p:notes xmlns:a="http://schemas.openxmlformats.org/drawingml/2006/main" xmlns:r="http://schemas.openxmlformats.org/officeDocument/2006/relationships" xmlns:p="http://schemas.openxmlformats.org/presentationml/2006/main" showMasterSp="0" showMasterPhAnim="0">
   <p:cSld>
     <p:spTree>
@@ -933,111 +1266,7 @@
 </p:notes>
 </file>
 
-<file path=ppt/notesSlides/notesSlide11.xml><?xml version="1.0" encoding="utf-8"?>
-<p:notes xmlns:a="http://schemas.openxmlformats.org/drawingml/2006/main" xmlns:r="http://schemas.openxmlformats.org/officeDocument/2006/relationships" xmlns:p="http://schemas.openxmlformats.org/presentationml/2006/main" showMasterSp="0" showMasterPhAnim="0">
-  <p:cSld>
-    <p:spTree>
-      <p:nvGrpSpPr>
-        <p:cNvPr id="1" name="Shape 257"/>
-        <p:cNvGrpSpPr/>
-        <p:nvPr/>
-      </p:nvGrpSpPr>
-      <p:grpSpPr>
-        <a:xfrm>
-          <a:off x="0" y="0"/>
-          <a:ext cx="0" cy="0"/>
-          <a:chOff x="0" y="0"/>
-          <a:chExt cx="0" cy="0"/>
-        </a:xfrm>
-      </p:grpSpPr>
-      <p:sp>
-        <p:nvSpPr>
-          <p:cNvPr id="258" name="Google Shape;258;g6f6ce63a76_0_179:notes"/>
-          <p:cNvSpPr>
-            <a:spLocks noGrp="1" noRot="1" noChangeAspect="1"/>
-          </p:cNvSpPr>
-          <p:nvPr>
-            <p:ph type="sldImg" idx="2"/>
-          </p:nvPr>
-        </p:nvSpPr>
-        <p:spPr>
-          <a:xfrm>
-            <a:off x="381300" y="685800"/>
-            <a:ext cx="6096000" cy="3429000"/>
-          </a:xfrm>
-          <a:custGeom>
-            <a:avLst/>
-            <a:gdLst/>
-            <a:ahLst/>
-            <a:cxnLst/>
-            <a:rect l="l" t="t" r="r" b="b"/>
-            <a:pathLst>
-              <a:path w="120000" h="120000" extrusionOk="0">
-                <a:moveTo>
-                  <a:pt x="0" y="0"/>
-                </a:moveTo>
-                <a:lnTo>
-                  <a:pt x="120000" y="0"/>
-                </a:lnTo>
-                <a:lnTo>
-                  <a:pt x="120000" y="120000"/>
-                </a:lnTo>
-                <a:lnTo>
-                  <a:pt x="0" y="120000"/>
-                </a:lnTo>
-                <a:close/>
-              </a:path>
-            </a:pathLst>
-          </a:custGeom>
-        </p:spPr>
-      </p:sp>
-      <p:sp>
-        <p:nvSpPr>
-          <p:cNvPr id="259" name="Google Shape;259;g6f6ce63a76_0_179:notes"/>
-          <p:cNvSpPr txBox="1">
-            <a:spLocks noGrp="1"/>
-          </p:cNvSpPr>
-          <p:nvPr>
-            <p:ph type="body" idx="1"/>
-          </p:nvPr>
-        </p:nvSpPr>
-        <p:spPr>
-          <a:xfrm>
-            <a:off x="685800" y="4343400"/>
-            <a:ext cx="5486400" cy="4114800"/>
-          </a:xfrm>
-          <a:prstGeom prst="rect">
-            <a:avLst/>
-          </a:prstGeom>
-        </p:spPr>
-        <p:txBody>
-          <a:bodyPr spcFirstLastPara="1" wrap="square" lIns="91425" tIns="91425" rIns="91425" bIns="91425" anchor="t" anchorCtr="0">
-            <a:noAutofit/>
-          </a:bodyPr>
-          <a:lstStyle/>
-          <a:p>
-            <a:pPr marL="0" lvl="0" indent="0" algn="l" rtl="0">
-              <a:spcBef>
-                <a:spcPts val="0"/>
-              </a:spcBef>
-              <a:spcAft>
-                <a:spcPts val="0"/>
-              </a:spcAft>
-              <a:buNone/>
-            </a:pPr>
-            <a:endParaRPr/>
-          </a:p>
-        </p:txBody>
-      </p:sp>
-    </p:spTree>
-  </p:cSld>
-  <p:clrMapOvr>
-    <a:masterClrMapping/>
-  </p:clrMapOvr>
-</p:notes>
-</file>
-
-<file path=ppt/notesSlides/notesSlide12.xml><?xml version="1.0" encoding="utf-8"?>
+<file path=ppt/notesSlides/notesSlide14.xml><?xml version="1.0" encoding="utf-8"?>
 <p:notes xmlns:a="http://schemas.openxmlformats.org/drawingml/2006/main" xmlns:r="http://schemas.openxmlformats.org/officeDocument/2006/relationships" xmlns:p="http://schemas.openxmlformats.org/presentationml/2006/main" showMasterSp="0" showMasterPhAnim="0">
   <p:cSld>
     <p:spTree>
@@ -1134,6 +1363,115 @@
         </p:txBody>
       </p:sp>
     </p:spTree>
+  </p:cSld>
+  <p:clrMapOvr>
+    <a:masterClrMapping/>
+  </p:clrMapOvr>
+</p:notes>
+</file>
+
+<file path=ppt/notesSlides/notesSlide15.xml><?xml version="1.0" encoding="utf-8"?>
+<p:notes xmlns:a="http://schemas.openxmlformats.org/drawingml/2006/main" xmlns:r="http://schemas.openxmlformats.org/officeDocument/2006/relationships" xmlns:p="http://schemas.openxmlformats.org/presentationml/2006/main" showMasterSp="0" showMasterPhAnim="0">
+  <p:cSld>
+    <p:spTree>
+      <p:nvGrpSpPr>
+        <p:cNvPr id="1" name="Shape 267"/>
+        <p:cNvGrpSpPr/>
+        <p:nvPr/>
+      </p:nvGrpSpPr>
+      <p:grpSpPr>
+        <a:xfrm>
+          <a:off x="0" y="0"/>
+          <a:ext cx="0" cy="0"/>
+          <a:chOff x="0" y="0"/>
+          <a:chExt cx="0" cy="0"/>
+        </a:xfrm>
+      </p:grpSpPr>
+      <p:sp>
+        <p:nvSpPr>
+          <p:cNvPr id="268" name="Google Shape;268;g6f6ce63a76_0_197:notes"/>
+          <p:cNvSpPr>
+            <a:spLocks noGrp="1" noRot="1" noChangeAspect="1"/>
+          </p:cNvSpPr>
+          <p:nvPr>
+            <p:ph type="sldImg" idx="2"/>
+          </p:nvPr>
+        </p:nvSpPr>
+        <p:spPr>
+          <a:xfrm>
+            <a:off x="381000" y="685800"/>
+            <a:ext cx="6096000" cy="3429000"/>
+          </a:xfrm>
+          <a:custGeom>
+            <a:avLst/>
+            <a:gdLst/>
+            <a:ahLst/>
+            <a:cxnLst/>
+            <a:rect l="l" t="t" r="r" b="b"/>
+            <a:pathLst>
+              <a:path w="120000" h="120000" extrusionOk="0">
+                <a:moveTo>
+                  <a:pt x="0" y="0"/>
+                </a:moveTo>
+                <a:lnTo>
+                  <a:pt x="120000" y="0"/>
+                </a:lnTo>
+                <a:lnTo>
+                  <a:pt x="120000" y="120000"/>
+                </a:lnTo>
+                <a:lnTo>
+                  <a:pt x="0" y="120000"/>
+                </a:lnTo>
+                <a:close/>
+              </a:path>
+            </a:pathLst>
+          </a:custGeom>
+        </p:spPr>
+      </p:sp>
+      <p:sp>
+        <p:nvSpPr>
+          <p:cNvPr id="269" name="Google Shape;269;g6f6ce63a76_0_197:notes"/>
+          <p:cNvSpPr txBox="1">
+            <a:spLocks noGrp="1"/>
+          </p:cNvSpPr>
+          <p:nvPr>
+            <p:ph type="body" idx="1"/>
+          </p:nvPr>
+        </p:nvSpPr>
+        <p:spPr>
+          <a:xfrm>
+            <a:off x="685800" y="4343400"/>
+            <a:ext cx="5486400" cy="4114800"/>
+          </a:xfrm>
+          <a:prstGeom prst="rect">
+            <a:avLst/>
+          </a:prstGeom>
+        </p:spPr>
+        <p:txBody>
+          <a:bodyPr spcFirstLastPara="1" wrap="square" lIns="91425" tIns="91425" rIns="91425" bIns="91425" anchor="t" anchorCtr="0">
+            <a:noAutofit/>
+          </a:bodyPr>
+          <a:lstStyle/>
+          <a:p>
+            <a:pPr marL="0" lvl="0" indent="0" algn="l" rtl="0">
+              <a:spcBef>
+                <a:spcPts val="0"/>
+              </a:spcBef>
+              <a:spcAft>
+                <a:spcPts val="0"/>
+              </a:spcAft>
+              <a:buNone/>
+            </a:pPr>
+            <a:endParaRPr/>
+          </a:p>
+        </p:txBody>
+      </p:sp>
+    </p:spTree>
+    <p:extLst>
+      <p:ext uri="{BB962C8B-B14F-4D97-AF65-F5344CB8AC3E}">
+        <p14:creationId xmlns:p14="http://schemas.microsoft.com/office/powerpoint/2010/main" val="1507388466"/>
+      </p:ext>
+    </p:extLst>
   </p:cSld>
   <p:clrMapOvr>
     <a:masterClrMapping/>
@@ -1233,7 +1571,7 @@
               </a:spcAft>
               <a:buNone/>
             </a:pPr>
-            <a:endParaRPr/>
+            <a:endParaRPr dirty="0"/>
           </a:p>
         </p:txBody>
       </p:sp>
@@ -1246,6 +1584,110 @@
 </file>
 
 <file path=ppt/notesSlides/notesSlide3.xml><?xml version="1.0" encoding="utf-8"?>
+<p:notes xmlns:a="http://schemas.openxmlformats.org/drawingml/2006/main" xmlns:r="http://schemas.openxmlformats.org/officeDocument/2006/relationships" xmlns:p="http://schemas.openxmlformats.org/presentationml/2006/main" showMasterSp="0" showMasterPhAnim="0">
+  <p:cSld>
+    <p:spTree>
+      <p:nvGrpSpPr>
+        <p:cNvPr id="1" name="Shape 257"/>
+        <p:cNvGrpSpPr/>
+        <p:nvPr/>
+      </p:nvGrpSpPr>
+      <p:grpSpPr>
+        <a:xfrm>
+          <a:off x="0" y="0"/>
+          <a:ext cx="0" cy="0"/>
+          <a:chOff x="0" y="0"/>
+          <a:chExt cx="0" cy="0"/>
+        </a:xfrm>
+      </p:grpSpPr>
+      <p:sp>
+        <p:nvSpPr>
+          <p:cNvPr id="258" name="Google Shape;258;g6f6ce63a76_0_179:notes"/>
+          <p:cNvSpPr>
+            <a:spLocks noGrp="1" noRot="1" noChangeAspect="1"/>
+          </p:cNvSpPr>
+          <p:nvPr>
+            <p:ph type="sldImg" idx="2"/>
+          </p:nvPr>
+        </p:nvSpPr>
+        <p:spPr>
+          <a:xfrm>
+            <a:off x="381300" y="685800"/>
+            <a:ext cx="6096000" cy="3429000"/>
+          </a:xfrm>
+          <a:custGeom>
+            <a:avLst/>
+            <a:gdLst/>
+            <a:ahLst/>
+            <a:cxnLst/>
+            <a:rect l="l" t="t" r="r" b="b"/>
+            <a:pathLst>
+              <a:path w="120000" h="120000" extrusionOk="0">
+                <a:moveTo>
+                  <a:pt x="0" y="0"/>
+                </a:moveTo>
+                <a:lnTo>
+                  <a:pt x="120000" y="0"/>
+                </a:lnTo>
+                <a:lnTo>
+                  <a:pt x="120000" y="120000"/>
+                </a:lnTo>
+                <a:lnTo>
+                  <a:pt x="0" y="120000"/>
+                </a:lnTo>
+                <a:close/>
+              </a:path>
+            </a:pathLst>
+          </a:custGeom>
+        </p:spPr>
+      </p:sp>
+      <p:sp>
+        <p:nvSpPr>
+          <p:cNvPr id="259" name="Google Shape;259;g6f6ce63a76_0_179:notes"/>
+          <p:cNvSpPr txBox="1">
+            <a:spLocks noGrp="1"/>
+          </p:cNvSpPr>
+          <p:nvPr>
+            <p:ph type="body" idx="1"/>
+          </p:nvPr>
+        </p:nvSpPr>
+        <p:spPr>
+          <a:xfrm>
+            <a:off x="685800" y="4343400"/>
+            <a:ext cx="5486400" cy="4114800"/>
+          </a:xfrm>
+          <a:prstGeom prst="rect">
+            <a:avLst/>
+          </a:prstGeom>
+        </p:spPr>
+        <p:txBody>
+          <a:bodyPr spcFirstLastPara="1" wrap="square" lIns="91425" tIns="91425" rIns="91425" bIns="91425" anchor="t" anchorCtr="0">
+            <a:noAutofit/>
+          </a:bodyPr>
+          <a:lstStyle/>
+          <a:p>
+            <a:pPr marL="0" lvl="0" indent="0" algn="l" rtl="0">
+              <a:spcBef>
+                <a:spcPts val="0"/>
+              </a:spcBef>
+              <a:spcAft>
+                <a:spcPts val="0"/>
+              </a:spcAft>
+              <a:buNone/>
+            </a:pPr>
+            <a:endParaRPr/>
+          </a:p>
+        </p:txBody>
+      </p:sp>
+    </p:spTree>
+  </p:cSld>
+  <p:clrMapOvr>
+    <a:masterClrMapping/>
+  </p:clrMapOvr>
+</p:notes>
+</file>
+
+<file path=ppt/notesSlides/notesSlide4.xml><?xml version="1.0" encoding="utf-8"?>
 <p:notes xmlns:a="http://schemas.openxmlformats.org/drawingml/2006/main" xmlns:r="http://schemas.openxmlformats.org/officeDocument/2006/relationships" xmlns:p="http://schemas.openxmlformats.org/presentationml/2006/main" showMasterSp="0" showMasterPhAnim="0">
   <p:cSld>
     <p:spTree>
@@ -1349,7 +1791,7 @@
 </p:notes>
 </file>
 
-<file path=ppt/notesSlides/notesSlide4.xml><?xml version="1.0" encoding="utf-8"?>
+<file path=ppt/notesSlides/notesSlide5.xml><?xml version="1.0" encoding="utf-8"?>
 <p:notes xmlns:a="http://schemas.openxmlformats.org/drawingml/2006/main" xmlns:r="http://schemas.openxmlformats.org/officeDocument/2006/relationships" xmlns:p="http://schemas.openxmlformats.org/presentationml/2006/main" showMasterSp="0" showMasterPhAnim="0">
   <p:cSld>
     <p:spTree>
@@ -1453,7 +1895,7 @@
 </p:notes>
 </file>
 
-<file path=ppt/notesSlides/notesSlide5.xml><?xml version="1.0" encoding="utf-8"?>
+<file path=ppt/notesSlides/notesSlide6.xml><?xml version="1.0" encoding="utf-8"?>
 <p:notes xmlns:a="http://schemas.openxmlformats.org/drawingml/2006/main" xmlns:r="http://schemas.openxmlformats.org/officeDocument/2006/relationships" xmlns:p="http://schemas.openxmlformats.org/presentationml/2006/main" showMasterSp="0" showMasterPhAnim="0">
   <p:cSld>
     <p:spTree>
@@ -1557,7 +1999,7 @@
 </p:notes>
 </file>
 
-<file path=ppt/notesSlides/notesSlide6.xml><?xml version="1.0" encoding="utf-8"?>
+<file path=ppt/notesSlides/notesSlide7.xml><?xml version="1.0" encoding="utf-8"?>
 <p:notes xmlns:a="http://schemas.openxmlformats.org/drawingml/2006/main" xmlns:r="http://schemas.openxmlformats.org/officeDocument/2006/relationships" xmlns:p="http://schemas.openxmlformats.org/presentationml/2006/main" showMasterSp="0" showMasterPhAnim="0">
   <p:cSld>
     <p:spTree>
@@ -1661,7 +2103,7 @@
 </p:notes>
 </file>
 
-<file path=ppt/notesSlides/notesSlide7.xml><?xml version="1.0" encoding="utf-8"?>
+<file path=ppt/notesSlides/notesSlide8.xml><?xml version="1.0" encoding="utf-8"?>
 <p:notes xmlns:a="http://schemas.openxmlformats.org/drawingml/2006/main" xmlns:r="http://schemas.openxmlformats.org/officeDocument/2006/relationships" xmlns:p="http://schemas.openxmlformats.org/presentationml/2006/main" showMasterSp="0" showMasterPhAnim="0">
   <p:cSld>
     <p:spTree>
@@ -1765,7 +2207,7 @@
 </p:notes>
 </file>
 
-<file path=ppt/notesSlides/notesSlide8.xml><?xml version="1.0" encoding="utf-8"?>
+<file path=ppt/notesSlides/notesSlide9.xml><?xml version="1.0" encoding="utf-8"?>
 <p:notes xmlns:a="http://schemas.openxmlformats.org/drawingml/2006/main" xmlns:r="http://schemas.openxmlformats.org/officeDocument/2006/relationships" xmlns:p="http://schemas.openxmlformats.org/presentationml/2006/main" showMasterSp="0" showMasterPhAnim="0">
   <p:cSld>
     <p:spTree>
@@ -1826,110 +2268,6 @@
       <p:sp>
         <p:nvSpPr>
           <p:cNvPr id="138" name="Google Shape;138;g639432cfe3_0_80:notes"/>
-          <p:cNvSpPr txBox="1">
-            <a:spLocks noGrp="1"/>
-          </p:cNvSpPr>
-          <p:nvPr>
-            <p:ph type="body" idx="1"/>
-          </p:nvPr>
-        </p:nvSpPr>
-        <p:spPr>
-          <a:xfrm>
-            <a:off x="685800" y="4343400"/>
-            <a:ext cx="5486400" cy="4114800"/>
-          </a:xfrm>
-          <a:prstGeom prst="rect">
-            <a:avLst/>
-          </a:prstGeom>
-        </p:spPr>
-        <p:txBody>
-          <a:bodyPr spcFirstLastPara="1" wrap="square" lIns="91425" tIns="91425" rIns="91425" bIns="91425" anchor="t" anchorCtr="0">
-            <a:noAutofit/>
-          </a:bodyPr>
-          <a:lstStyle/>
-          <a:p>
-            <a:pPr marL="0" lvl="0" indent="0" algn="l" rtl="0">
-              <a:spcBef>
-                <a:spcPts val="0"/>
-              </a:spcBef>
-              <a:spcAft>
-                <a:spcPts val="0"/>
-              </a:spcAft>
-              <a:buNone/>
-            </a:pPr>
-            <a:endParaRPr/>
-          </a:p>
-        </p:txBody>
-      </p:sp>
-    </p:spTree>
-  </p:cSld>
-  <p:clrMapOvr>
-    <a:masterClrMapping/>
-  </p:clrMapOvr>
-</p:notes>
-</file>
-
-<file path=ppt/notesSlides/notesSlide9.xml><?xml version="1.0" encoding="utf-8"?>
-<p:notes xmlns:a="http://schemas.openxmlformats.org/drawingml/2006/main" xmlns:r="http://schemas.openxmlformats.org/officeDocument/2006/relationships" xmlns:p="http://schemas.openxmlformats.org/presentationml/2006/main" showMasterSp="0" showMasterPhAnim="0">
-  <p:cSld>
-    <p:spTree>
-      <p:nvGrpSpPr>
-        <p:cNvPr id="1" name="Shape 212"/>
-        <p:cNvGrpSpPr/>
-        <p:nvPr/>
-      </p:nvGrpSpPr>
-      <p:grpSpPr>
-        <a:xfrm>
-          <a:off x="0" y="0"/>
-          <a:ext cx="0" cy="0"/>
-          <a:chOff x="0" y="0"/>
-          <a:chExt cx="0" cy="0"/>
-        </a:xfrm>
-      </p:grpSpPr>
-      <p:sp>
-        <p:nvSpPr>
-          <p:cNvPr id="213" name="Google Shape;213;g6f6ce63a76_0_143:notes"/>
-          <p:cNvSpPr>
-            <a:spLocks noGrp="1" noRot="1" noChangeAspect="1"/>
-          </p:cNvSpPr>
-          <p:nvPr>
-            <p:ph type="sldImg" idx="2"/>
-          </p:nvPr>
-        </p:nvSpPr>
-        <p:spPr>
-          <a:xfrm>
-            <a:off x="381300" y="685800"/>
-            <a:ext cx="6096000" cy="3429000"/>
-          </a:xfrm>
-          <a:custGeom>
-            <a:avLst/>
-            <a:gdLst/>
-            <a:ahLst/>
-            <a:cxnLst/>
-            <a:rect l="l" t="t" r="r" b="b"/>
-            <a:pathLst>
-              <a:path w="120000" h="120000" extrusionOk="0">
-                <a:moveTo>
-                  <a:pt x="0" y="0"/>
-                </a:moveTo>
-                <a:lnTo>
-                  <a:pt x="120000" y="0"/>
-                </a:lnTo>
-                <a:lnTo>
-                  <a:pt x="120000" y="120000"/>
-                </a:lnTo>
-                <a:lnTo>
-                  <a:pt x="0" y="120000"/>
-                </a:lnTo>
-                <a:close/>
-              </a:path>
-            </a:pathLst>
-          </a:custGeom>
-        </p:spPr>
-      </p:sp>
-      <p:sp>
-        <p:nvSpPr>
-          <p:cNvPr id="214" name="Google Shape;214;g6f6ce63a76_0_143:notes"/>
           <p:cNvSpPr txBox="1">
             <a:spLocks noGrp="1"/>
           </p:cNvSpPr>
@@ -16506,7 +16844,7 @@
               <a:rPr lang="en"/>
               <a:t>Databases and Big Data</a:t>
             </a:r>
-            <a:endParaRPr/>
+            <a:endParaRPr dirty="0"/>
           </a:p>
         </p:txBody>
       </p:sp>
@@ -16548,7 +16886,7 @@
               <a:rPr lang="en"/>
               <a:t>Lab 1</a:t>
             </a:r>
-            <a:endParaRPr/>
+            <a:endParaRPr dirty="0"/>
           </a:p>
         </p:txBody>
       </p:sp>
@@ -16751,6 +17089,345 @@
   <p:cSld>
     <p:spTree>
       <p:nvGrpSpPr>
+        <p:cNvPr id="1" name="Shape 260"/>
+        <p:cNvGrpSpPr/>
+        <p:nvPr/>
+      </p:nvGrpSpPr>
+      <p:grpSpPr>
+        <a:xfrm>
+          <a:off x="0" y="0"/>
+          <a:ext cx="0" cy="0"/>
+          <a:chOff x="0" y="0"/>
+          <a:chExt cx="0" cy="0"/>
+        </a:xfrm>
+      </p:grpSpPr>
+      <p:sp>
+        <p:nvSpPr>
+          <p:cNvPr id="261" name="Google Shape;261;p38"/>
+          <p:cNvSpPr txBox="1">
+            <a:spLocks noGrp="1"/>
+          </p:cNvSpPr>
+          <p:nvPr>
+            <p:ph type="title"/>
+          </p:nvPr>
+        </p:nvSpPr>
+        <p:spPr>
+          <a:xfrm>
+            <a:off x="311700" y="445025"/>
+            <a:ext cx="8520600" cy="572700"/>
+          </a:xfrm>
+          <a:prstGeom prst="rect">
+            <a:avLst/>
+          </a:prstGeom>
+        </p:spPr>
+        <p:txBody>
+          <a:bodyPr spcFirstLastPara="1" wrap="square" lIns="91425" tIns="91425" rIns="91425" bIns="91425" anchor="t" anchorCtr="0">
+            <a:noAutofit/>
+          </a:bodyPr>
+          <a:lstStyle/>
+          <a:p>
+            <a:pPr marL="0" lvl="0" indent="0" algn="l" rtl="0">
+              <a:spcBef>
+                <a:spcPts val="0"/>
+              </a:spcBef>
+              <a:spcAft>
+                <a:spcPts val="0"/>
+              </a:spcAft>
+              <a:buNone/>
+            </a:pPr>
+            <a:r>
+              <a:rPr lang="en"/>
+              <a:t>Security Group</a:t>
+            </a:r>
+            <a:endParaRPr/>
+          </a:p>
+        </p:txBody>
+      </p:sp>
+      <p:sp>
+        <p:nvSpPr>
+          <p:cNvPr id="262" name="Google Shape;262;p38"/>
+          <p:cNvSpPr txBox="1">
+            <a:spLocks noGrp="1"/>
+          </p:cNvSpPr>
+          <p:nvPr>
+            <p:ph type="body" idx="1"/>
+          </p:nvPr>
+        </p:nvSpPr>
+        <p:spPr>
+          <a:xfrm>
+            <a:off x="311700" y="1152475"/>
+            <a:ext cx="8520600" cy="3416400"/>
+          </a:xfrm>
+          <a:prstGeom prst="rect">
+            <a:avLst/>
+          </a:prstGeom>
+        </p:spPr>
+        <p:txBody>
+          <a:bodyPr spcFirstLastPara="1" wrap="square" lIns="91425" tIns="91425" rIns="91425" bIns="91425" anchor="t" anchorCtr="0">
+            <a:noAutofit/>
+          </a:bodyPr>
+          <a:lstStyle/>
+          <a:p>
+            <a:pPr marL="457200" lvl="0" indent="-342900" algn="l" rtl="0">
+              <a:spcBef>
+                <a:spcPts val="0"/>
+              </a:spcBef>
+              <a:spcAft>
+                <a:spcPts val="0"/>
+              </a:spcAft>
+              <a:buSzPts val="1800"/>
+              <a:buChar char="●"/>
+            </a:pPr>
+            <a:r>
+              <a:rPr lang="en"/>
+              <a:t>Make sure that you allow SSH access</a:t>
+            </a:r>
+            <a:endParaRPr/>
+          </a:p>
+        </p:txBody>
+      </p:sp>
+      <p:pic>
+        <p:nvPicPr>
+          <p:cNvPr id="263" name="Google Shape;263;p38"/>
+          <p:cNvPicPr preferRelativeResize="0"/>
+          <p:nvPr/>
+        </p:nvPicPr>
+        <p:blipFill>
+          <a:blip r:embed="rId3">
+            <a:alphaModFix/>
+          </a:blip>
+          <a:stretch>
+            <a:fillRect/>
+          </a:stretch>
+        </p:blipFill>
+        <p:spPr>
+          <a:xfrm>
+            <a:off x="669725" y="1626299"/>
+            <a:ext cx="8029924" cy="3354626"/>
+          </a:xfrm>
+          <a:prstGeom prst="rect">
+            <a:avLst/>
+          </a:prstGeom>
+          <a:noFill/>
+          <a:ln>
+            <a:noFill/>
+          </a:ln>
+        </p:spPr>
+      </p:pic>
+      <p:sp>
+        <p:nvSpPr>
+          <p:cNvPr id="264" name="Google Shape;264;p38"/>
+          <p:cNvSpPr/>
+          <p:nvPr/>
+        </p:nvSpPr>
+        <p:spPr>
+          <a:xfrm>
+            <a:off x="608850" y="4638850"/>
+            <a:ext cx="1077300" cy="194700"/>
+          </a:xfrm>
+          <a:prstGeom prst="rect">
+            <a:avLst/>
+          </a:prstGeom>
+          <a:noFill/>
+          <a:ln w="19050" cap="flat" cmpd="sng">
+            <a:solidFill>
+              <a:srgbClr val="FF0000"/>
+            </a:solidFill>
+            <a:prstDash val="solid"/>
+            <a:round/>
+            <a:headEnd type="none" w="sm" len="sm"/>
+            <a:tailEnd type="none" w="sm" len="sm"/>
+          </a:ln>
+        </p:spPr>
+        <p:txBody>
+          <a:bodyPr spcFirstLastPara="1" wrap="square" lIns="91425" tIns="91425" rIns="91425" bIns="91425" anchor="ctr" anchorCtr="0">
+            <a:noAutofit/>
+          </a:bodyPr>
+          <a:lstStyle/>
+          <a:p>
+            <a:pPr marL="0" marR="0" lvl="0" indent="0" algn="l" defTabSz="914400" rtl="0" eaLnBrk="1" fontAlgn="auto" latinLnBrk="0" hangingPunct="1">
+              <a:lnSpc>
+                <a:spcPct val="100000"/>
+              </a:lnSpc>
+              <a:spcBef>
+                <a:spcPts val="0"/>
+              </a:spcBef>
+              <a:spcAft>
+                <a:spcPts val="0"/>
+              </a:spcAft>
+              <a:buClr>
+                <a:srgbClr val="000000"/>
+              </a:buClr>
+              <a:buSzTx/>
+              <a:buFont typeface="Arial"/>
+              <a:buNone/>
+              <a:tabLst/>
+              <a:defRPr/>
+            </a:pPr>
+            <a:endParaRPr kumimoji="0" sz="1400" b="0" i="0" u="none" strike="noStrike" kern="0" cap="none" spc="0" normalizeH="0" baseline="0" noProof="0">
+              <a:ln>
+                <a:noFill/>
+              </a:ln>
+              <a:solidFill>
+                <a:srgbClr val="000000"/>
+              </a:solidFill>
+              <a:effectLst/>
+              <a:uLnTx/>
+              <a:uFillTx/>
+              <a:latin typeface="Arial"/>
+              <a:cs typeface="Arial"/>
+              <a:sym typeface="Arial"/>
+            </a:endParaRPr>
+          </a:p>
+        </p:txBody>
+      </p:sp>
+      <p:sp>
+        <p:nvSpPr>
+          <p:cNvPr id="265" name="Google Shape;265;p38"/>
+          <p:cNvSpPr/>
+          <p:nvPr/>
+        </p:nvSpPr>
+        <p:spPr>
+          <a:xfrm>
+            <a:off x="1862750" y="4730175"/>
+            <a:ext cx="5569500" cy="208200"/>
+          </a:xfrm>
+          <a:prstGeom prst="rect">
+            <a:avLst/>
+          </a:prstGeom>
+          <a:noFill/>
+          <a:ln w="19050" cap="flat" cmpd="sng">
+            <a:solidFill>
+              <a:srgbClr val="FF0000"/>
+            </a:solidFill>
+            <a:prstDash val="solid"/>
+            <a:round/>
+            <a:headEnd type="none" w="sm" len="sm"/>
+            <a:tailEnd type="none" w="sm" len="sm"/>
+          </a:ln>
+        </p:spPr>
+        <p:txBody>
+          <a:bodyPr spcFirstLastPara="1" wrap="square" lIns="91425" tIns="91425" rIns="91425" bIns="91425" anchor="ctr" anchorCtr="0">
+            <a:noAutofit/>
+          </a:bodyPr>
+          <a:lstStyle/>
+          <a:p>
+            <a:pPr marL="0" marR="0" lvl="0" indent="0" algn="l" defTabSz="914400" rtl="0" eaLnBrk="1" fontAlgn="auto" latinLnBrk="0" hangingPunct="1">
+              <a:lnSpc>
+                <a:spcPct val="100000"/>
+              </a:lnSpc>
+              <a:spcBef>
+                <a:spcPts val="0"/>
+              </a:spcBef>
+              <a:spcAft>
+                <a:spcPts val="0"/>
+              </a:spcAft>
+              <a:buClr>
+                <a:srgbClr val="000000"/>
+              </a:buClr>
+              <a:buSzTx/>
+              <a:buFont typeface="Arial"/>
+              <a:buNone/>
+              <a:tabLst/>
+              <a:defRPr/>
+            </a:pPr>
+            <a:endParaRPr kumimoji="0" sz="1400" b="0" i="0" u="none" strike="noStrike" kern="0" cap="none" spc="0" normalizeH="0" baseline="0" noProof="0">
+              <a:ln>
+                <a:noFill/>
+              </a:ln>
+              <a:solidFill>
+                <a:srgbClr val="000000"/>
+              </a:solidFill>
+              <a:effectLst/>
+              <a:uLnTx/>
+              <a:uFillTx/>
+              <a:latin typeface="Arial"/>
+              <a:cs typeface="Arial"/>
+              <a:sym typeface="Arial"/>
+            </a:endParaRPr>
+          </a:p>
+        </p:txBody>
+      </p:sp>
+      <p:sp>
+        <p:nvSpPr>
+          <p:cNvPr id="266" name="Google Shape;266;p38"/>
+          <p:cNvSpPr/>
+          <p:nvPr/>
+        </p:nvSpPr>
+        <p:spPr>
+          <a:xfrm>
+            <a:off x="1862750" y="4521975"/>
+            <a:ext cx="5569500" cy="208200"/>
+          </a:xfrm>
+          <a:prstGeom prst="rect">
+            <a:avLst/>
+          </a:prstGeom>
+          <a:noFill/>
+          <a:ln w="19050" cap="flat" cmpd="sng">
+            <a:solidFill>
+              <a:srgbClr val="0000FF"/>
+            </a:solidFill>
+            <a:prstDash val="solid"/>
+            <a:round/>
+            <a:headEnd type="none" w="sm" len="sm"/>
+            <a:tailEnd type="none" w="sm" len="sm"/>
+          </a:ln>
+        </p:spPr>
+        <p:txBody>
+          <a:bodyPr spcFirstLastPara="1" wrap="square" lIns="91425" tIns="91425" rIns="91425" bIns="91425" anchor="ctr" anchorCtr="0">
+            <a:noAutofit/>
+          </a:bodyPr>
+          <a:lstStyle/>
+          <a:p>
+            <a:pPr marL="0" marR="0" lvl="0" indent="0" algn="l" defTabSz="914400" rtl="0" eaLnBrk="1" fontAlgn="auto" latinLnBrk="0" hangingPunct="1">
+              <a:lnSpc>
+                <a:spcPct val="100000"/>
+              </a:lnSpc>
+              <a:spcBef>
+                <a:spcPts val="0"/>
+              </a:spcBef>
+              <a:spcAft>
+                <a:spcPts val="0"/>
+              </a:spcAft>
+              <a:buClr>
+                <a:srgbClr val="000000"/>
+              </a:buClr>
+              <a:buSzTx/>
+              <a:buFont typeface="Arial"/>
+              <a:buNone/>
+              <a:tabLst/>
+              <a:defRPr/>
+            </a:pPr>
+            <a:endParaRPr kumimoji="0" sz="1400" b="0" i="0" u="none" strike="noStrike" kern="0" cap="none" spc="0" normalizeH="0" baseline="0" noProof="0">
+              <a:ln>
+                <a:noFill/>
+              </a:ln>
+              <a:solidFill>
+                <a:srgbClr val="000000"/>
+              </a:solidFill>
+              <a:effectLst/>
+              <a:uLnTx/>
+              <a:uFillTx/>
+              <a:latin typeface="Arial"/>
+              <a:cs typeface="Arial"/>
+              <a:sym typeface="Arial"/>
+            </a:endParaRPr>
+          </a:p>
+        </p:txBody>
+      </p:sp>
+    </p:spTree>
+  </p:cSld>
+  <p:clrMapOvr>
+    <a:masterClrMapping/>
+  </p:clrMapOvr>
+</p:sld>
+</file>
+
+<file path=ppt/slides/slide13.xml><?xml version="1.0" encoding="utf-8"?>
+<p:sld xmlns:a="http://schemas.openxmlformats.org/drawingml/2006/main" xmlns:r="http://schemas.openxmlformats.org/officeDocument/2006/relationships" xmlns:p="http://schemas.openxmlformats.org/presentationml/2006/main">
+  <p:cSld>
+    <p:spTree>
+      <p:nvGrpSpPr>
         <p:cNvPr id="1" name=""/>
         <p:cNvGrpSpPr/>
         <p:nvPr/>
@@ -16871,7 +17548,7 @@
 </p:sld>
 </file>
 
-<file path=ppt/slides/slide13.xml><?xml version="1.0" encoding="utf-8"?>
+<file path=ppt/slides/slide14.xml><?xml version="1.0" encoding="utf-8"?>
 <p:sld xmlns:a="http://schemas.openxmlformats.org/drawingml/2006/main" xmlns:r="http://schemas.openxmlformats.org/officeDocument/2006/relationships" xmlns:p="http://schemas.openxmlformats.org/presentationml/2006/main">
   <p:cSld>
     <p:spTree>
@@ -17090,7 +17767,7 @@
 </p:sld>
 </file>
 
-<file path=ppt/slides/slide14.xml><?xml version="1.0" encoding="utf-8"?>
+<file path=ppt/slides/slide15.xml><?xml version="1.0" encoding="utf-8"?>
 <p:sld xmlns:a="http://schemas.openxmlformats.org/drawingml/2006/main" xmlns:r="http://schemas.openxmlformats.org/officeDocument/2006/relationships" xmlns:p="http://schemas.openxmlformats.org/presentationml/2006/main" show="0">
   <p:cSld>
     <p:spTree>
@@ -17978,7 +18655,7 @@
 </p:sld>
 </file>
 
-<file path=ppt/slides/slide15.xml><?xml version="1.0" encoding="utf-8"?>
+<file path=ppt/slides/slide16.xml><?xml version="1.0" encoding="utf-8"?>
 <p:sld xmlns:a="http://schemas.openxmlformats.org/drawingml/2006/main" xmlns:r="http://schemas.openxmlformats.org/officeDocument/2006/relationships" xmlns:p="http://schemas.openxmlformats.org/presentationml/2006/main" show="0">
   <p:cSld>
     <p:spTree>
@@ -18183,7 +18860,7 @@
 </p:sld>
 </file>
 
-<file path=ppt/slides/slide16.xml><?xml version="1.0" encoding="utf-8"?>
+<file path=ppt/slides/slide17.xml><?xml version="1.0" encoding="utf-8"?>
 <p:sld xmlns:a="http://schemas.openxmlformats.org/drawingml/2006/main" xmlns:r="http://schemas.openxmlformats.org/officeDocument/2006/relationships" xmlns:p="http://schemas.openxmlformats.org/presentationml/2006/main" show="0">
   <p:cSld>
     <p:spTree>
@@ -18458,7 +19135,7 @@
 </p:sld>
 </file>
 
-<file path=ppt/slides/slide17.xml><?xml version="1.0" encoding="utf-8"?>
+<file path=ppt/slides/slide18.xml><?xml version="1.0" encoding="utf-8"?>
 <p:sld xmlns:a="http://schemas.openxmlformats.org/drawingml/2006/main" xmlns:r="http://schemas.openxmlformats.org/officeDocument/2006/relationships" xmlns:p="http://schemas.openxmlformats.org/presentationml/2006/main" show="0">
   <p:cSld>
     <p:spTree>
@@ -18749,7 +19426,7 @@
 </p:sld>
 </file>
 
-<file path=ppt/slides/slide18.xml><?xml version="1.0" encoding="utf-8"?>
+<file path=ppt/slides/slide19.xml><?xml version="1.0" encoding="utf-8"?>
 <p:sld xmlns:a="http://schemas.openxmlformats.org/drawingml/2006/main" xmlns:r="http://schemas.openxmlformats.org/officeDocument/2006/relationships" xmlns:p="http://schemas.openxmlformats.org/presentationml/2006/main">
   <p:cSld>
     <p:spTree>
@@ -18850,98 +19527,142 @@
             <a:endParaRPr dirty="0"/>
           </a:p>
           <a:p>
-            <a:pPr lvl="1"/>
+            <a:pPr marL="914400" lvl="1" indent="-317500" algn="l" rtl="0">
+              <a:spcBef>
+                <a:spcPts val="0"/>
+              </a:spcBef>
+              <a:spcAft>
+                <a:spcPts val="0"/>
+              </a:spcAft>
+              <a:buSzPts val="1400"/>
+              <a:buChar char="○"/>
+            </a:pPr>
             <a:r>
-              <a:rPr lang="en-US" dirty="0" err="1">
-                <a:latin typeface="Courier New" panose="02070309020205020404" pitchFamily="49" charset="0"/>
-                <a:cs typeface="Courier New" panose="02070309020205020404" pitchFamily="49" charset="0"/>
-              </a:rPr>
-              <a:t>sudo</a:t>
+              <a:rPr lang="en" dirty="0"/>
+              <a:t>Leave root password blank</a:t>
             </a:r>
+            <a:endParaRPr dirty="0"/>
+          </a:p>
+          <a:p>
+            <a:pPr marL="457200" lvl="0" indent="-342900" algn="l" rtl="0">
+              <a:spcBef>
+                <a:spcPts val="0"/>
+              </a:spcBef>
+              <a:spcAft>
+                <a:spcPts val="0"/>
+              </a:spcAft>
+              <a:buSzPts val="1800"/>
+              <a:buChar char="●"/>
+            </a:pPr>
             <a:r>
-              <a:rPr lang="en-US" dirty="0">
-                <a:latin typeface="Courier New" panose="02070309020205020404" pitchFamily="49" charset="0"/>
-                <a:cs typeface="Courier New" panose="02070309020205020404" pitchFamily="49" charset="0"/>
-              </a:rPr>
-              <a:t> apt-get update</a:t>
+              <a:rPr lang="en" dirty="0"/>
+              <a:t>mysql -u root </a:t>
             </a:r>
-          </a:p>
-          <a:p>
-            <a:pPr lvl="1"/>
+            <a:endParaRPr dirty="0"/>
+          </a:p>
+          <a:p>
+            <a:pPr marL="914400" lvl="1" indent="-317500" algn="l" rtl="0">
+              <a:spcBef>
+                <a:spcPts val="0"/>
+              </a:spcBef>
+              <a:spcAft>
+                <a:spcPts val="0"/>
+              </a:spcAft>
+              <a:buSzPts val="1400"/>
+              <a:buChar char="○"/>
+            </a:pPr>
             <a:r>
-              <a:rPr lang="en-US" dirty="0" err="1">
-                <a:latin typeface="Courier New" panose="02070309020205020404" pitchFamily="49" charset="0"/>
-                <a:cs typeface="Courier New" panose="02070309020205020404" pitchFamily="49" charset="0"/>
-              </a:rPr>
-              <a:t>sudo</a:t>
+              <a:rPr lang="en" dirty="0"/>
+              <a:t>If successful, great!</a:t>
             </a:r>
+            <a:endParaRPr dirty="0"/>
+          </a:p>
+          <a:p>
+            <a:pPr marL="914400" lvl="1" indent="-317500" algn="l" rtl="0">
+              <a:spcBef>
+                <a:spcPts val="0"/>
+              </a:spcBef>
+              <a:spcAft>
+                <a:spcPts val="0"/>
+              </a:spcAft>
+              <a:buSzPts val="1400"/>
+              <a:buChar char="○"/>
+            </a:pPr>
             <a:r>
-              <a:rPr lang="en-US" dirty="0">
-                <a:latin typeface="Courier New" panose="02070309020205020404" pitchFamily="49" charset="0"/>
-                <a:cs typeface="Courier New" panose="02070309020205020404" pitchFamily="49" charset="0"/>
-              </a:rPr>
-              <a:t> apt-get install -y </a:t>
+              <a:rPr lang="en" dirty="0"/>
+              <a:t>If not:</a:t>
             </a:r>
+            <a:endParaRPr dirty="0"/>
+          </a:p>
+          <a:p>
+            <a:pPr marL="1371600" lvl="2" indent="-317500" algn="l" rtl="0">
+              <a:spcBef>
+                <a:spcPts val="0"/>
+              </a:spcBef>
+              <a:spcAft>
+                <a:spcPts val="0"/>
+              </a:spcAft>
+              <a:buSzPts val="1400"/>
+              <a:buChar char="■"/>
+            </a:pPr>
             <a:r>
-              <a:rPr lang="en-US" dirty="0" err="1">
-                <a:latin typeface="Courier New" panose="02070309020205020404" pitchFamily="49" charset="0"/>
-                <a:cs typeface="Courier New" panose="02070309020205020404" pitchFamily="49" charset="0"/>
-              </a:rPr>
-              <a:t>mysql</a:t>
+              <a:rPr lang="en" dirty="0"/>
+              <a:t>Need to explicitly grant access to “root” user</a:t>
             </a:r>
+            <a:endParaRPr dirty="0"/>
+          </a:p>
+          <a:p>
+            <a:pPr marL="1371600" lvl="2" indent="-317500" algn="l" rtl="0">
+              <a:spcBef>
+                <a:spcPts val="0"/>
+              </a:spcBef>
+              <a:spcAft>
+                <a:spcPts val="0"/>
+              </a:spcAft>
+              <a:buSzPts val="1400"/>
+              <a:buChar char="■"/>
+            </a:pPr>
             <a:r>
-              <a:rPr lang="en-US" dirty="0">
-                <a:latin typeface="Courier New" panose="02070309020205020404" pitchFamily="49" charset="0"/>
-                <a:cs typeface="Courier New" panose="02070309020205020404" pitchFamily="49" charset="0"/>
-              </a:rPr>
-              <a:t>-server</a:t>
+              <a:rPr lang="en" dirty="0"/>
+              <a:t>Then restart the server</a:t>
             </a:r>
-          </a:p>
-          <a:p>
-            <a:pPr marL="596900" lvl="1" indent="0">
+            <a:endParaRPr dirty="0"/>
+          </a:p>
+          <a:p>
+            <a:pPr marL="0" lvl="0" indent="0" algn="l" rtl="0">
+              <a:spcBef>
+                <a:spcPts val="1600"/>
+              </a:spcBef>
+              <a:spcAft>
+                <a:spcPts val="0"/>
+              </a:spcAft>
               <a:buNone/>
             </a:pPr>
-            <a:endParaRPr lang="en-US" dirty="0">
-              <a:latin typeface="Courier New" panose="02070309020205020404" pitchFamily="49" charset="0"/>
-              <a:cs typeface="Courier New" panose="02070309020205020404" pitchFamily="49" charset="0"/>
-            </a:endParaRPr>
-          </a:p>
-          <a:p>
-            <a:r>
-              <a:rPr lang="en-US" dirty="0">
-                <a:latin typeface="+mn-lt"/>
-                <a:cs typeface="Courier New" panose="02070309020205020404" pitchFamily="49" charset="0"/>
-              </a:rPr>
-              <a:t>Login to server</a:t>
-            </a:r>
-          </a:p>
-          <a:p>
-            <a:pPr lvl="1"/>
-            <a:r>
-              <a:rPr lang="en-SG" dirty="0" err="1">
-                <a:latin typeface="Courier New" panose="02070309020205020404" pitchFamily="49" charset="0"/>
-                <a:cs typeface="Courier New" panose="02070309020205020404" pitchFamily="49" charset="0"/>
-              </a:rPr>
-              <a:t>sudo</a:t>
-            </a:r>
-            <a:r>
-              <a:rPr lang="en-SG" dirty="0">
-                <a:latin typeface="Courier New" panose="02070309020205020404" pitchFamily="49" charset="0"/>
-                <a:cs typeface="Courier New" panose="02070309020205020404" pitchFamily="49" charset="0"/>
-              </a:rPr>
-              <a:t> </a:t>
-            </a:r>
-            <a:r>
-              <a:rPr lang="en" dirty="0">
-                <a:latin typeface="Courier New" panose="02070309020205020404" pitchFamily="49" charset="0"/>
-                <a:cs typeface="Courier New" panose="02070309020205020404" pitchFamily="49" charset="0"/>
-              </a:rPr>
-              <a:t>mysql -u root</a:t>
-            </a:r>
-            <a:endParaRPr lang="en-US" dirty="0">
-              <a:latin typeface="+mn-lt"/>
-              <a:cs typeface="Courier New" panose="02070309020205020404" pitchFamily="49" charset="0"/>
-            </a:endParaRPr>
+            <a:endParaRPr dirty="0"/>
+          </a:p>
+          <a:p>
+            <a:pPr marL="0" lvl="0" indent="0" algn="l" rtl="0">
+              <a:spcBef>
+                <a:spcPts val="1600"/>
+              </a:spcBef>
+              <a:spcAft>
+                <a:spcPts val="0"/>
+              </a:spcAft>
+              <a:buNone/>
+            </a:pPr>
+            <a:endParaRPr dirty="0"/>
+          </a:p>
+          <a:p>
+            <a:pPr marL="0" lvl="0" indent="0" algn="l" rtl="0">
+              <a:spcBef>
+                <a:spcPts val="1600"/>
+              </a:spcBef>
+              <a:spcAft>
+                <a:spcPts val="0"/>
+              </a:spcAft>
+              <a:buNone/>
+            </a:pPr>
+            <a:endParaRPr dirty="0"/>
           </a:p>
           <a:p>
             <a:pPr marL="457200" lvl="0" indent="-342900" algn="l" rtl="0">
@@ -18962,194 +19683,920 @@
           </a:p>
         </p:txBody>
       </p:sp>
-    </p:spTree>
-  </p:cSld>
-  <p:clrMapOvr>
-    <a:masterClrMapping/>
-  </p:clrMapOvr>
-</p:sld>
-</file>
-
-<file path=ppt/slides/slide19.xml><?xml version="1.0" encoding="utf-8"?>
-<p:sld xmlns:a="http://schemas.openxmlformats.org/drawingml/2006/main" xmlns:r="http://schemas.openxmlformats.org/officeDocument/2006/relationships" xmlns:p="http://schemas.openxmlformats.org/presentationml/2006/main">
-  <p:cSld>
-    <p:spTree>
-      <p:nvGrpSpPr>
-        <p:cNvPr id="1" name="Shape 139"/>
-        <p:cNvGrpSpPr/>
-        <p:nvPr/>
-      </p:nvGrpSpPr>
-      <p:grpSpPr>
-        <a:xfrm>
-          <a:off x="0" y="0"/>
-          <a:ext cx="0" cy="0"/>
-          <a:chOff x="0" y="0"/>
-          <a:chExt cx="0" cy="0"/>
-        </a:xfrm>
-      </p:grpSpPr>
-      <p:sp>
-        <p:nvSpPr>
-          <p:cNvPr id="140" name="Google Shape;140;p23"/>
-          <p:cNvSpPr txBox="1">
-            <a:spLocks noGrp="1"/>
-          </p:cNvSpPr>
-          <p:nvPr>
-            <p:ph type="title"/>
-          </p:nvPr>
-        </p:nvSpPr>
-        <p:spPr>
-          <a:xfrm>
-            <a:off x="311700" y="445025"/>
-            <a:ext cx="8520600" cy="572700"/>
-          </a:xfrm>
-          <a:prstGeom prst="rect">
-            <a:avLst/>
-          </a:prstGeom>
-        </p:spPr>
-        <p:txBody>
-          <a:bodyPr spcFirstLastPara="1" wrap="square" lIns="91425" tIns="91425" rIns="91425" bIns="91425" anchor="t" anchorCtr="0">
-            <a:noAutofit/>
-          </a:bodyPr>
-          <a:lstStyle/>
-          <a:p>
-            <a:pPr marL="0" lvl="0" indent="0" algn="l" rtl="0">
-              <a:spcBef>
-                <a:spcPts val="0"/>
-              </a:spcBef>
-              <a:spcAft>
-                <a:spcPts val="0"/>
-              </a:spcAft>
-              <a:buNone/>
-            </a:pPr>
-            <a:r>
-              <a:rPr lang="en"/>
-              <a:t>MySQL Hands-on</a:t>
-            </a:r>
-            <a:endParaRPr/>
-          </a:p>
-        </p:txBody>
-      </p:sp>
-      <p:sp>
-        <p:nvSpPr>
-          <p:cNvPr id="141" name="Google Shape;141;p23"/>
-          <p:cNvSpPr txBox="1">
-            <a:spLocks noGrp="1"/>
-          </p:cNvSpPr>
-          <p:nvPr>
-            <p:ph type="body" idx="1"/>
-          </p:nvPr>
-        </p:nvSpPr>
-        <p:spPr>
-          <a:xfrm>
-            <a:off x="311700" y="1152475"/>
-            <a:ext cx="8520600" cy="2660700"/>
-          </a:xfrm>
-          <a:prstGeom prst="rect">
-            <a:avLst/>
-          </a:prstGeom>
-        </p:spPr>
-        <p:txBody>
-          <a:bodyPr spcFirstLastPara="1" wrap="square" lIns="91425" tIns="91425" rIns="91425" bIns="91425" anchor="t" anchorCtr="0">
-            <a:noAutofit/>
-          </a:bodyPr>
-          <a:lstStyle/>
-          <a:p>
-            <a:pPr marL="457200" lvl="0" indent="-342900" algn="l" rtl="0">
-              <a:spcBef>
-                <a:spcPts val="0"/>
-              </a:spcBef>
-              <a:spcAft>
-                <a:spcPts val="0"/>
-              </a:spcAft>
-              <a:buSzPts val="1800"/>
-              <a:buChar char="●"/>
-            </a:pPr>
-            <a:r>
-              <a:rPr lang="en" dirty="0"/>
-              <a:t>Show databases</a:t>
-            </a:r>
-            <a:endParaRPr dirty="0"/>
-          </a:p>
-          <a:p>
-            <a:pPr marL="457200" lvl="0" indent="-342900" algn="l" rtl="0">
-              <a:spcBef>
-                <a:spcPts val="0"/>
-              </a:spcBef>
-              <a:spcAft>
-                <a:spcPts val="0"/>
-              </a:spcAft>
-              <a:buSzPts val="1800"/>
-              <a:buChar char="●"/>
-            </a:pPr>
-            <a:r>
-              <a:rPr lang="en" dirty="0"/>
-              <a:t>Switch to a database</a:t>
-            </a:r>
-          </a:p>
-          <a:p>
-            <a:pPr marL="457200" lvl="0" indent="-342900" algn="l" rtl="0">
-              <a:spcBef>
-                <a:spcPts val="0"/>
-              </a:spcBef>
-              <a:spcAft>
-                <a:spcPts val="0"/>
-              </a:spcAft>
-              <a:buSzPts val="1800"/>
-              <a:buChar char="●"/>
-            </a:pPr>
-            <a:r>
-              <a:rPr lang="en" dirty="0"/>
-              <a:t>Create database for flask app</a:t>
-            </a:r>
-          </a:p>
-          <a:p>
-            <a:pPr marL="457200" lvl="0" indent="-342900" algn="l" rtl="0">
-              <a:spcBef>
-                <a:spcPts val="0"/>
-              </a:spcBef>
-              <a:spcAft>
-                <a:spcPts val="0"/>
-              </a:spcAft>
-              <a:buSzPts val="1800"/>
-              <a:buChar char="●"/>
-            </a:pPr>
-            <a:r>
-              <a:rPr lang="en" dirty="0"/>
-              <a:t>Configure mysql so that flask app can </a:t>
-            </a:r>
-            <a:r>
-              <a:rPr lang="en-SG" dirty="0"/>
-              <a:t>access it from your pc.</a:t>
-            </a:r>
-          </a:p>
-          <a:p>
-            <a:pPr marL="457200" lvl="0" indent="-342900" algn="l" rtl="0">
-              <a:spcBef>
-                <a:spcPts val="0"/>
-              </a:spcBef>
-              <a:spcAft>
-                <a:spcPts val="0"/>
-              </a:spcAft>
-              <a:buSzPts val="1800"/>
-              <a:buChar char="●"/>
-            </a:pPr>
-            <a:endParaRPr lang="en-SG" dirty="0"/>
-          </a:p>
-          <a:p>
-            <a:pPr marL="114300" lvl="0" indent="0" algn="l" rtl="0">
-              <a:spcBef>
-                <a:spcPts val="0"/>
-              </a:spcBef>
-              <a:spcAft>
-                <a:spcPts val="0"/>
-              </a:spcAft>
-              <a:buSzPts val="1800"/>
-              <a:buNone/>
-            </a:pPr>
-            <a:endParaRPr dirty="0"/>
-          </a:p>
-        </p:txBody>
-      </p:sp>
+      <p:graphicFrame>
+        <p:nvGraphicFramePr>
+          <p:cNvPr id="135" name="Google Shape;135;p22"/>
+          <p:cNvGraphicFramePr/>
+          <p:nvPr/>
+        </p:nvGraphicFramePr>
+        <p:xfrm>
+          <a:off x="1772093" y="3369600"/>
+          <a:ext cx="7029682" cy="1077786"/>
+        </p:xfrm>
+        <a:graphic>
+          <a:graphicData uri="http://schemas.openxmlformats.org/drawingml/2006/table">
+            <a:tbl>
+              <a:tblPr>
+                <a:noFill/>
+                <a:tableStyleId>{77A12391-4322-43DF-9653-E00E029DA9F5}</a:tableStyleId>
+              </a:tblPr>
+              <a:tblGrid>
+                <a:gridCol w="7029682">
+                  <a:extLst>
+                    <a:ext uri="{9D8B030D-6E8A-4147-A177-3AD203B41FA5}">
+                      <a16:colId xmlns:a16="http://schemas.microsoft.com/office/drawing/2014/main" val="20000"/>
+                    </a:ext>
+                  </a:extLst>
+                </a:gridCol>
+              </a:tblGrid>
+              <a:tr h="0">
+                <a:tc>
+                  <a:txBody>
+                    <a:bodyPr/>
+                    <a:lstStyle/>
+                    <a:p>
+                      <a:pPr marL="0" lvl="0" indent="0" algn="l" rtl="0">
+                        <a:lnSpc>
+                          <a:spcPct val="115000"/>
+                        </a:lnSpc>
+                        <a:spcBef>
+                          <a:spcPts val="0"/>
+                        </a:spcBef>
+                        <a:spcAft>
+                          <a:spcPts val="0"/>
+                        </a:spcAft>
+                        <a:buNone/>
+                      </a:pPr>
+                      <a:r>
+                        <a:rPr lang="en" sz="1100" dirty="0">
+                          <a:solidFill>
+                            <a:srgbClr val="FFFFFF"/>
+                          </a:solidFill>
+                          <a:highlight>
+                            <a:srgbClr val="333333"/>
+                          </a:highlight>
+                          <a:latin typeface="Consolas"/>
+                          <a:ea typeface="Consolas"/>
+                          <a:cs typeface="Consolas"/>
+                          <a:sym typeface="Consolas"/>
+                        </a:rPr>
+                        <a:t>sudo mysql -e '</a:t>
+                      </a:r>
+                      <a:r>
+                        <a:rPr lang="en" sz="1100" dirty="0">
+                          <a:solidFill>
+                            <a:srgbClr val="FCC28C"/>
+                          </a:solidFill>
+                          <a:highlight>
+                            <a:srgbClr val="333333"/>
+                          </a:highlight>
+                          <a:latin typeface="Consolas"/>
+                          <a:ea typeface="Consolas"/>
+                          <a:cs typeface="Consolas"/>
+                          <a:sym typeface="Consolas"/>
+                        </a:rPr>
+                        <a:t>update</a:t>
+                      </a:r>
+                      <a:r>
+                        <a:rPr lang="en" sz="1100" dirty="0">
+                          <a:solidFill>
+                            <a:srgbClr val="FFFFFF"/>
+                          </a:solidFill>
+                          <a:highlight>
+                            <a:srgbClr val="333333"/>
+                          </a:highlight>
+                          <a:latin typeface="Consolas"/>
+                          <a:ea typeface="Consolas"/>
+                          <a:cs typeface="Consolas"/>
+                          <a:sym typeface="Consolas"/>
+                        </a:rPr>
+                        <a:t> mysql.user </a:t>
+                      </a:r>
+                      <a:r>
+                        <a:rPr lang="en" sz="1100" dirty="0">
+                          <a:solidFill>
+                            <a:srgbClr val="FCC28C"/>
+                          </a:solidFill>
+                          <a:highlight>
+                            <a:srgbClr val="333333"/>
+                          </a:highlight>
+                          <a:latin typeface="Consolas"/>
+                          <a:ea typeface="Consolas"/>
+                          <a:cs typeface="Consolas"/>
+                          <a:sym typeface="Consolas"/>
+                        </a:rPr>
+                        <a:t>set</a:t>
+                      </a:r>
+                      <a:r>
+                        <a:rPr lang="en" sz="1100" dirty="0">
+                          <a:solidFill>
+                            <a:srgbClr val="FFFFFF"/>
+                          </a:solidFill>
+                          <a:highlight>
+                            <a:srgbClr val="333333"/>
+                          </a:highlight>
+                          <a:latin typeface="Consolas"/>
+                          <a:ea typeface="Consolas"/>
+                          <a:cs typeface="Consolas"/>
+                          <a:sym typeface="Consolas"/>
+                        </a:rPr>
+                        <a:t> </a:t>
+                      </a:r>
+                      <a:r>
+                        <a:rPr lang="en" sz="1100" dirty="0">
+                          <a:solidFill>
+                            <a:srgbClr val="FCC28C"/>
+                          </a:solidFill>
+                          <a:highlight>
+                            <a:srgbClr val="333333"/>
+                          </a:highlight>
+                          <a:latin typeface="Consolas"/>
+                          <a:ea typeface="Consolas"/>
+                          <a:cs typeface="Consolas"/>
+                          <a:sym typeface="Consolas"/>
+                        </a:rPr>
+                        <a:t>plugin</a:t>
+                      </a:r>
+                      <a:r>
+                        <a:rPr lang="en" sz="1100" dirty="0">
+                          <a:solidFill>
+                            <a:srgbClr val="FFFFFF"/>
+                          </a:solidFill>
+                          <a:highlight>
+                            <a:srgbClr val="333333"/>
+                          </a:highlight>
+                          <a:latin typeface="Consolas"/>
+                          <a:ea typeface="Consolas"/>
+                          <a:cs typeface="Consolas"/>
+                          <a:sym typeface="Consolas"/>
+                        </a:rPr>
+                        <a:t> = </a:t>
+                      </a:r>
+                      <a:r>
+                        <a:rPr lang="en" sz="1100" dirty="0">
+                          <a:solidFill>
+                            <a:srgbClr val="A2FCA2"/>
+                          </a:solidFill>
+                          <a:highlight>
+                            <a:srgbClr val="333333"/>
+                          </a:highlight>
+                          <a:latin typeface="Consolas"/>
+                          <a:ea typeface="Consolas"/>
+                          <a:cs typeface="Consolas"/>
+                          <a:sym typeface="Consolas"/>
+                        </a:rPr>
+                        <a:t>"mysql_native_password"</a:t>
+                      </a:r>
+                      <a:r>
+                        <a:rPr lang="en" sz="1100" dirty="0">
+                          <a:solidFill>
+                            <a:srgbClr val="FFFFFF"/>
+                          </a:solidFill>
+                          <a:highlight>
+                            <a:srgbClr val="333333"/>
+                          </a:highlight>
+                          <a:latin typeface="Consolas"/>
+                          <a:ea typeface="Consolas"/>
+                          <a:cs typeface="Consolas"/>
+                          <a:sym typeface="Consolas"/>
+                        </a:rPr>
+                        <a:t> </a:t>
+                      </a:r>
+                      <a:r>
+                        <a:rPr lang="en" sz="1100" dirty="0">
+                          <a:solidFill>
+                            <a:srgbClr val="FCC28C"/>
+                          </a:solidFill>
+                          <a:highlight>
+                            <a:srgbClr val="333333"/>
+                          </a:highlight>
+                          <a:latin typeface="Consolas"/>
+                          <a:ea typeface="Consolas"/>
+                          <a:cs typeface="Consolas"/>
+                          <a:sym typeface="Consolas"/>
+                        </a:rPr>
+                        <a:t>where</a:t>
+                      </a:r>
+                      <a:r>
+                        <a:rPr lang="en" sz="1100" dirty="0">
+                          <a:solidFill>
+                            <a:srgbClr val="FFFFFF"/>
+                          </a:solidFill>
+                          <a:highlight>
+                            <a:srgbClr val="333333"/>
+                          </a:highlight>
+                          <a:latin typeface="Consolas"/>
+                          <a:ea typeface="Consolas"/>
+                          <a:cs typeface="Consolas"/>
+                          <a:sym typeface="Consolas"/>
+                        </a:rPr>
+                        <a:t> </a:t>
+                      </a:r>
+                      <a:r>
+                        <a:rPr lang="en" sz="1100" dirty="0">
+                          <a:solidFill>
+                            <a:srgbClr val="FCC28C"/>
+                          </a:solidFill>
+                          <a:highlight>
+                            <a:srgbClr val="333333"/>
+                          </a:highlight>
+                          <a:latin typeface="Consolas"/>
+                          <a:ea typeface="Consolas"/>
+                          <a:cs typeface="Consolas"/>
+                          <a:sym typeface="Consolas"/>
+                        </a:rPr>
+                        <a:t>user</a:t>
+                      </a:r>
+                      <a:r>
+                        <a:rPr lang="en" sz="1100" dirty="0">
+                          <a:solidFill>
+                            <a:srgbClr val="FFFFFF"/>
+                          </a:solidFill>
+                          <a:highlight>
+                            <a:srgbClr val="333333"/>
+                          </a:highlight>
+                          <a:latin typeface="Consolas"/>
+                          <a:ea typeface="Consolas"/>
+                          <a:cs typeface="Consolas"/>
+                          <a:sym typeface="Consolas"/>
+                        </a:rPr>
+                        <a:t>=</a:t>
+                      </a:r>
+                      <a:r>
+                        <a:rPr lang="en" sz="1100" dirty="0">
+                          <a:solidFill>
+                            <a:srgbClr val="A2FCA2"/>
+                          </a:solidFill>
+                          <a:highlight>
+                            <a:srgbClr val="333333"/>
+                          </a:highlight>
+                          <a:latin typeface="Consolas"/>
+                          <a:ea typeface="Consolas"/>
+                          <a:cs typeface="Consolas"/>
+                          <a:sym typeface="Consolas"/>
+                        </a:rPr>
+                        <a:t>"root"'</a:t>
+                      </a:r>
+                      <a:br>
+                        <a:rPr lang="en" sz="1100" dirty="0">
+                          <a:solidFill>
+                            <a:srgbClr val="A2FCA2"/>
+                          </a:solidFill>
+                          <a:highlight>
+                            <a:srgbClr val="333333"/>
+                          </a:highlight>
+                          <a:latin typeface="Consolas"/>
+                          <a:ea typeface="Consolas"/>
+                          <a:cs typeface="Consolas"/>
+                          <a:sym typeface="Consolas"/>
+                        </a:rPr>
+                      </a:br>
+                      <a:r>
+                        <a:rPr lang="en" sz="1100" dirty="0">
+                          <a:solidFill>
+                            <a:srgbClr val="A2FCA2"/>
+                          </a:solidFill>
+                          <a:highlight>
+                            <a:srgbClr val="333333"/>
+                          </a:highlight>
+                          <a:latin typeface="Consolas"/>
+                          <a:ea typeface="Consolas"/>
+                          <a:cs typeface="Consolas"/>
+                          <a:sym typeface="Consolas"/>
+                        </a:rPr>
+                        <a:t>sudo mysql -e '</a:t>
+                      </a:r>
+                      <a:r>
+                        <a:rPr lang="en" sz="1100" dirty="0">
+                          <a:solidFill>
+                            <a:srgbClr val="FCC28C"/>
+                          </a:solidFill>
+                          <a:highlight>
+                            <a:srgbClr val="333333"/>
+                          </a:highlight>
+                          <a:latin typeface="Consolas"/>
+                          <a:ea typeface="Consolas"/>
+                          <a:cs typeface="Consolas"/>
+                          <a:sym typeface="Consolas"/>
+                        </a:rPr>
+                        <a:t>create</a:t>
+                      </a:r>
+                      <a:r>
+                        <a:rPr lang="en" sz="1100" dirty="0">
+                          <a:solidFill>
+                            <a:srgbClr val="FFFFFF"/>
+                          </a:solidFill>
+                          <a:highlight>
+                            <a:srgbClr val="333333"/>
+                          </a:highlight>
+                          <a:latin typeface="Consolas"/>
+                          <a:ea typeface="Consolas"/>
+                          <a:cs typeface="Consolas"/>
+                          <a:sym typeface="Consolas"/>
+                        </a:rPr>
+                        <a:t> </a:t>
+                      </a:r>
+                      <a:r>
+                        <a:rPr lang="en" sz="1100" dirty="0">
+                          <a:solidFill>
+                            <a:srgbClr val="FCC28C"/>
+                          </a:solidFill>
+                          <a:highlight>
+                            <a:srgbClr val="333333"/>
+                          </a:highlight>
+                          <a:latin typeface="Consolas"/>
+                          <a:ea typeface="Consolas"/>
+                          <a:cs typeface="Consolas"/>
+                          <a:sym typeface="Consolas"/>
+                        </a:rPr>
+                        <a:t>user</a:t>
+                      </a:r>
+                      <a:r>
+                        <a:rPr lang="en" sz="1100" dirty="0">
+                          <a:solidFill>
+                            <a:srgbClr val="FFFFFF"/>
+                          </a:solidFill>
+                          <a:highlight>
+                            <a:srgbClr val="333333"/>
+                          </a:highlight>
+                          <a:latin typeface="Consolas"/>
+                          <a:ea typeface="Consolas"/>
+                          <a:cs typeface="Consolas"/>
+                          <a:sym typeface="Consolas"/>
+                        </a:rPr>
+                        <a:t> </a:t>
+                      </a:r>
+                      <a:r>
+                        <a:rPr lang="en" sz="1100" dirty="0">
+                          <a:solidFill>
+                            <a:srgbClr val="A2FCA2"/>
+                          </a:solidFill>
+                          <a:highlight>
+                            <a:srgbClr val="333333"/>
+                          </a:highlight>
+                          <a:latin typeface="Consolas"/>
+                          <a:ea typeface="Consolas"/>
+                          <a:cs typeface="Consolas"/>
+                          <a:sym typeface="Consolas"/>
+                        </a:rPr>
+                        <a:t>"root"</a:t>
+                      </a:r>
+                      <a:r>
+                        <a:rPr lang="en" sz="1100" dirty="0">
+                          <a:solidFill>
+                            <a:srgbClr val="FFFFFF"/>
+                          </a:solidFill>
+                          <a:highlight>
+                            <a:srgbClr val="333333"/>
+                          </a:highlight>
+                          <a:latin typeface="Consolas"/>
+                          <a:ea typeface="Consolas"/>
+                          <a:cs typeface="Consolas"/>
+                          <a:sym typeface="Consolas"/>
+                        </a:rPr>
+                        <a:t>@</a:t>
+                      </a:r>
+                      <a:r>
+                        <a:rPr lang="en" sz="1100" dirty="0">
+                          <a:solidFill>
+                            <a:srgbClr val="A2FCA2"/>
+                          </a:solidFill>
+                          <a:highlight>
+                            <a:srgbClr val="333333"/>
+                          </a:highlight>
+                          <a:latin typeface="Consolas"/>
+                          <a:ea typeface="Consolas"/>
+                          <a:cs typeface="Consolas"/>
+                          <a:sym typeface="Consolas"/>
+                        </a:rPr>
+                        <a:t>"%"</a:t>
+                      </a:r>
+                      <a:r>
+                        <a:rPr lang="en" sz="1100" dirty="0">
+                          <a:solidFill>
+                            <a:srgbClr val="FFFFFF"/>
+                          </a:solidFill>
+                          <a:highlight>
+                            <a:srgbClr val="333333"/>
+                          </a:highlight>
+                          <a:latin typeface="Consolas"/>
+                          <a:ea typeface="Consolas"/>
+                          <a:cs typeface="Consolas"/>
+                          <a:sym typeface="Consolas"/>
+                        </a:rPr>
+                        <a:t> </a:t>
+                      </a:r>
+                      <a:r>
+                        <a:rPr lang="en" sz="1100" dirty="0">
+                          <a:solidFill>
+                            <a:srgbClr val="FCC28C"/>
+                          </a:solidFill>
+                          <a:highlight>
+                            <a:srgbClr val="333333"/>
+                          </a:highlight>
+                          <a:latin typeface="Consolas"/>
+                          <a:ea typeface="Consolas"/>
+                          <a:cs typeface="Consolas"/>
+                          <a:sym typeface="Consolas"/>
+                        </a:rPr>
+                        <a:t>identified</a:t>
+                      </a:r>
+                      <a:r>
+                        <a:rPr lang="en" sz="1100" dirty="0">
+                          <a:solidFill>
+                            <a:srgbClr val="FFFFFF"/>
+                          </a:solidFill>
+                          <a:highlight>
+                            <a:srgbClr val="333333"/>
+                          </a:highlight>
+                          <a:latin typeface="Consolas"/>
+                          <a:ea typeface="Consolas"/>
+                          <a:cs typeface="Consolas"/>
+                          <a:sym typeface="Consolas"/>
+                        </a:rPr>
+                        <a:t> </a:t>
+                      </a:r>
+                      <a:r>
+                        <a:rPr lang="en" sz="1100" dirty="0">
+                          <a:solidFill>
+                            <a:srgbClr val="FCC28C"/>
+                          </a:solidFill>
+                          <a:highlight>
+                            <a:srgbClr val="333333"/>
+                          </a:highlight>
+                          <a:latin typeface="Consolas"/>
+                          <a:ea typeface="Consolas"/>
+                          <a:cs typeface="Consolas"/>
+                          <a:sym typeface="Consolas"/>
+                        </a:rPr>
+                        <a:t>by</a:t>
+                      </a:r>
+                      <a:r>
+                        <a:rPr lang="en" sz="1100" dirty="0">
+                          <a:solidFill>
+                            <a:srgbClr val="FFFFFF"/>
+                          </a:solidFill>
+                          <a:highlight>
+                            <a:srgbClr val="333333"/>
+                          </a:highlight>
+                          <a:latin typeface="Consolas"/>
+                          <a:ea typeface="Consolas"/>
+                          <a:cs typeface="Consolas"/>
+                          <a:sym typeface="Consolas"/>
+                        </a:rPr>
+                        <a:t> </a:t>
+                      </a:r>
+                      <a:r>
+                        <a:rPr lang="en" sz="1100" dirty="0">
+                          <a:solidFill>
+                            <a:srgbClr val="A2FCA2"/>
+                          </a:solidFill>
+                          <a:highlight>
+                            <a:srgbClr val="333333"/>
+                          </a:highlight>
+                          <a:latin typeface="Consolas"/>
+                          <a:ea typeface="Consolas"/>
+                          <a:cs typeface="Consolas"/>
+                          <a:sym typeface="Consolas"/>
+                        </a:rPr>
+                        <a:t>""'</a:t>
+                      </a:r>
+                      <a:br>
+                        <a:rPr lang="en" sz="1100" dirty="0">
+                          <a:solidFill>
+                            <a:srgbClr val="A2FCA2"/>
+                          </a:solidFill>
+                          <a:highlight>
+                            <a:srgbClr val="333333"/>
+                          </a:highlight>
+                          <a:latin typeface="Consolas"/>
+                          <a:ea typeface="Consolas"/>
+                          <a:cs typeface="Consolas"/>
+                          <a:sym typeface="Consolas"/>
+                        </a:rPr>
+                      </a:br>
+                      <a:r>
+                        <a:rPr lang="en" sz="1100" dirty="0">
+                          <a:solidFill>
+                            <a:srgbClr val="A2FCA2"/>
+                          </a:solidFill>
+                          <a:highlight>
+                            <a:srgbClr val="333333"/>
+                          </a:highlight>
+                          <a:latin typeface="Consolas"/>
+                          <a:ea typeface="Consolas"/>
+                          <a:cs typeface="Consolas"/>
+                          <a:sym typeface="Consolas"/>
+                        </a:rPr>
+                        <a:t>sudo mysql -e '</a:t>
+                      </a:r>
+                      <a:r>
+                        <a:rPr lang="en" sz="1100" dirty="0">
+                          <a:solidFill>
+                            <a:srgbClr val="FCC28C"/>
+                          </a:solidFill>
+                          <a:highlight>
+                            <a:srgbClr val="333333"/>
+                          </a:highlight>
+                          <a:latin typeface="Consolas"/>
+                          <a:ea typeface="Consolas"/>
+                          <a:cs typeface="Consolas"/>
+                          <a:sym typeface="Consolas"/>
+                        </a:rPr>
+                        <a:t>grant</a:t>
+                      </a:r>
+                      <a:r>
+                        <a:rPr lang="en" sz="1100" dirty="0">
+                          <a:solidFill>
+                            <a:srgbClr val="FFFFFF"/>
+                          </a:solidFill>
+                          <a:highlight>
+                            <a:srgbClr val="333333"/>
+                          </a:highlight>
+                          <a:latin typeface="Consolas"/>
+                          <a:ea typeface="Consolas"/>
+                          <a:cs typeface="Consolas"/>
+                          <a:sym typeface="Consolas"/>
+                        </a:rPr>
+                        <a:t> all </a:t>
+                      </a:r>
+                      <a:r>
+                        <a:rPr lang="en" sz="1100" dirty="0">
+                          <a:solidFill>
+                            <a:srgbClr val="FCC28C"/>
+                          </a:solidFill>
+                          <a:highlight>
+                            <a:srgbClr val="333333"/>
+                          </a:highlight>
+                          <a:latin typeface="Consolas"/>
+                          <a:ea typeface="Consolas"/>
+                          <a:cs typeface="Consolas"/>
+                          <a:sym typeface="Consolas"/>
+                        </a:rPr>
+                        <a:t>privileges</a:t>
+                      </a:r>
+                      <a:r>
+                        <a:rPr lang="en" sz="1100" dirty="0">
+                          <a:solidFill>
+                            <a:srgbClr val="FFFFFF"/>
+                          </a:solidFill>
+                          <a:highlight>
+                            <a:srgbClr val="333333"/>
+                          </a:highlight>
+                          <a:latin typeface="Consolas"/>
+                          <a:ea typeface="Consolas"/>
+                          <a:cs typeface="Consolas"/>
+                          <a:sym typeface="Consolas"/>
+                        </a:rPr>
+                        <a:t> </a:t>
+                      </a:r>
+                      <a:r>
+                        <a:rPr lang="en" sz="1100" dirty="0">
+                          <a:solidFill>
+                            <a:srgbClr val="FCC28C"/>
+                          </a:solidFill>
+                          <a:highlight>
+                            <a:srgbClr val="333333"/>
+                          </a:highlight>
+                          <a:latin typeface="Consolas"/>
+                          <a:ea typeface="Consolas"/>
+                          <a:cs typeface="Consolas"/>
+                          <a:sym typeface="Consolas"/>
+                        </a:rPr>
+                        <a:t>on</a:t>
+                      </a:r>
+                      <a:r>
+                        <a:rPr lang="en" sz="1100" dirty="0">
+                          <a:solidFill>
+                            <a:srgbClr val="FFFFFF"/>
+                          </a:solidFill>
+                          <a:highlight>
+                            <a:srgbClr val="333333"/>
+                          </a:highlight>
+                          <a:latin typeface="Consolas"/>
+                          <a:ea typeface="Consolas"/>
+                          <a:cs typeface="Consolas"/>
+                          <a:sym typeface="Consolas"/>
+                        </a:rPr>
+                        <a:t> *.* </a:t>
+                      </a:r>
+                      <a:r>
+                        <a:rPr lang="en" sz="1100" dirty="0">
+                          <a:solidFill>
+                            <a:srgbClr val="FCC28C"/>
+                          </a:solidFill>
+                          <a:highlight>
+                            <a:srgbClr val="333333"/>
+                          </a:highlight>
+                          <a:latin typeface="Consolas"/>
+                          <a:ea typeface="Consolas"/>
+                          <a:cs typeface="Consolas"/>
+                          <a:sym typeface="Consolas"/>
+                        </a:rPr>
+                        <a:t>to</a:t>
+                      </a:r>
+                      <a:r>
+                        <a:rPr lang="en" sz="1100" dirty="0">
+                          <a:solidFill>
+                            <a:srgbClr val="FFFFFF"/>
+                          </a:solidFill>
+                          <a:highlight>
+                            <a:srgbClr val="333333"/>
+                          </a:highlight>
+                          <a:latin typeface="Consolas"/>
+                          <a:ea typeface="Consolas"/>
+                          <a:cs typeface="Consolas"/>
+                          <a:sym typeface="Consolas"/>
+                        </a:rPr>
+                        <a:t> </a:t>
+                      </a:r>
+                      <a:r>
+                        <a:rPr lang="en" sz="1100" dirty="0">
+                          <a:solidFill>
+                            <a:srgbClr val="A2FCA2"/>
+                          </a:solidFill>
+                          <a:highlight>
+                            <a:srgbClr val="333333"/>
+                          </a:highlight>
+                          <a:latin typeface="Consolas"/>
+                          <a:ea typeface="Consolas"/>
+                          <a:cs typeface="Consolas"/>
+                          <a:sym typeface="Consolas"/>
+                        </a:rPr>
+                        <a:t>"root"</a:t>
+                      </a:r>
+                      <a:r>
+                        <a:rPr lang="en" sz="1100" dirty="0">
+                          <a:solidFill>
+                            <a:srgbClr val="FFFFFF"/>
+                          </a:solidFill>
+                          <a:highlight>
+                            <a:srgbClr val="333333"/>
+                          </a:highlight>
+                          <a:latin typeface="Consolas"/>
+                          <a:ea typeface="Consolas"/>
+                          <a:cs typeface="Consolas"/>
+                          <a:sym typeface="Consolas"/>
+                        </a:rPr>
+                        <a:t>@</a:t>
+                      </a:r>
+                      <a:r>
+                        <a:rPr lang="en" sz="1100" dirty="0">
+                          <a:solidFill>
+                            <a:srgbClr val="A2FCA2"/>
+                          </a:solidFill>
+                          <a:highlight>
+                            <a:srgbClr val="333333"/>
+                          </a:highlight>
+                          <a:latin typeface="Consolas"/>
+                          <a:ea typeface="Consolas"/>
+                          <a:cs typeface="Consolas"/>
+                          <a:sym typeface="Consolas"/>
+                        </a:rPr>
+                        <a:t>"%"</a:t>
+                      </a:r>
+                      <a:r>
+                        <a:rPr lang="en" sz="1100" dirty="0">
+                          <a:solidFill>
+                            <a:srgbClr val="FFFFFF"/>
+                          </a:solidFill>
+                          <a:highlight>
+                            <a:srgbClr val="333333"/>
+                          </a:highlight>
+                          <a:latin typeface="Consolas"/>
+                          <a:ea typeface="Consolas"/>
+                          <a:cs typeface="Consolas"/>
+                          <a:sym typeface="Consolas"/>
+                        </a:rPr>
+                        <a:t> </a:t>
+                      </a:r>
+                      <a:r>
+                        <a:rPr lang="en" sz="1100" dirty="0">
+                          <a:solidFill>
+                            <a:srgbClr val="FCC28C"/>
+                          </a:solidFill>
+                          <a:highlight>
+                            <a:srgbClr val="333333"/>
+                          </a:highlight>
+                          <a:latin typeface="Consolas"/>
+                          <a:ea typeface="Consolas"/>
+                          <a:cs typeface="Consolas"/>
+                          <a:sym typeface="Consolas"/>
+                        </a:rPr>
+                        <a:t>with</a:t>
+                      </a:r>
+                      <a:r>
+                        <a:rPr lang="en" sz="1100" dirty="0">
+                          <a:solidFill>
+                            <a:srgbClr val="FFFFFF"/>
+                          </a:solidFill>
+                          <a:highlight>
+                            <a:srgbClr val="333333"/>
+                          </a:highlight>
+                          <a:latin typeface="Consolas"/>
+                          <a:ea typeface="Consolas"/>
+                          <a:cs typeface="Consolas"/>
+                          <a:sym typeface="Consolas"/>
+                        </a:rPr>
+                        <a:t> </a:t>
+                      </a:r>
+                      <a:r>
+                        <a:rPr lang="en" sz="1100" dirty="0">
+                          <a:solidFill>
+                            <a:srgbClr val="FCC28C"/>
+                          </a:solidFill>
+                          <a:highlight>
+                            <a:srgbClr val="333333"/>
+                          </a:highlight>
+                          <a:latin typeface="Consolas"/>
+                          <a:ea typeface="Consolas"/>
+                          <a:cs typeface="Consolas"/>
+                          <a:sym typeface="Consolas"/>
+                        </a:rPr>
+                        <a:t>grant</a:t>
+                      </a:r>
+                      <a:r>
+                        <a:rPr lang="en" sz="1100" dirty="0">
+                          <a:solidFill>
+                            <a:srgbClr val="FFFFFF"/>
+                          </a:solidFill>
+                          <a:highlight>
+                            <a:srgbClr val="333333"/>
+                          </a:highlight>
+                          <a:latin typeface="Consolas"/>
+                          <a:ea typeface="Consolas"/>
+                          <a:cs typeface="Consolas"/>
+                          <a:sym typeface="Consolas"/>
+                        </a:rPr>
+                        <a:t> </a:t>
+                      </a:r>
+                      <a:r>
+                        <a:rPr lang="en" sz="1100" dirty="0">
+                          <a:solidFill>
+                            <a:srgbClr val="FCC28C"/>
+                          </a:solidFill>
+                          <a:highlight>
+                            <a:srgbClr val="333333"/>
+                          </a:highlight>
+                          <a:latin typeface="Consolas"/>
+                          <a:ea typeface="Consolas"/>
+                          <a:cs typeface="Consolas"/>
+                          <a:sym typeface="Consolas"/>
+                        </a:rPr>
+                        <a:t>option</a:t>
+                      </a:r>
+                      <a:r>
+                        <a:rPr lang="en" sz="1100" dirty="0">
+                          <a:solidFill>
+                            <a:srgbClr val="A2FCA2"/>
+                          </a:solidFill>
+                          <a:highlight>
+                            <a:srgbClr val="333333"/>
+                          </a:highlight>
+                          <a:latin typeface="Consolas"/>
+                          <a:ea typeface="Consolas"/>
+                          <a:cs typeface="Consolas"/>
+                          <a:sym typeface="Consolas"/>
+                        </a:rPr>
+                        <a:t>'</a:t>
+                      </a:r>
+                      <a:br>
+                        <a:rPr lang="en" sz="1100" dirty="0">
+                          <a:solidFill>
+                            <a:srgbClr val="A2FCA2"/>
+                          </a:solidFill>
+                          <a:highlight>
+                            <a:srgbClr val="333333"/>
+                          </a:highlight>
+                          <a:latin typeface="Consolas"/>
+                          <a:ea typeface="Consolas"/>
+                          <a:cs typeface="Consolas"/>
+                          <a:sym typeface="Consolas"/>
+                        </a:rPr>
+                      </a:br>
+                      <a:r>
+                        <a:rPr lang="en" sz="1100" dirty="0">
+                          <a:solidFill>
+                            <a:srgbClr val="A2FCA2"/>
+                          </a:solidFill>
+                          <a:highlight>
+                            <a:srgbClr val="333333"/>
+                          </a:highlight>
+                          <a:latin typeface="Consolas"/>
+                          <a:ea typeface="Consolas"/>
+                          <a:cs typeface="Consolas"/>
+                          <a:sym typeface="Consolas"/>
+                        </a:rPr>
+                        <a:t>sudo mysql -e '</a:t>
+                      </a:r>
+                      <a:r>
+                        <a:rPr lang="en" sz="1100" dirty="0">
+                          <a:solidFill>
+                            <a:srgbClr val="FCC28C"/>
+                          </a:solidFill>
+                          <a:highlight>
+                            <a:srgbClr val="333333"/>
+                          </a:highlight>
+                          <a:latin typeface="Consolas"/>
+                          <a:ea typeface="Consolas"/>
+                          <a:cs typeface="Consolas"/>
+                          <a:sym typeface="Consolas"/>
+                        </a:rPr>
+                        <a:t>flush</a:t>
+                      </a:r>
+                      <a:r>
+                        <a:rPr lang="en" sz="1100" dirty="0">
+                          <a:solidFill>
+                            <a:srgbClr val="FFFFFF"/>
+                          </a:solidFill>
+                          <a:highlight>
+                            <a:srgbClr val="333333"/>
+                          </a:highlight>
+                          <a:latin typeface="Consolas"/>
+                          <a:ea typeface="Consolas"/>
+                          <a:cs typeface="Consolas"/>
+                          <a:sym typeface="Consolas"/>
+                        </a:rPr>
+                        <a:t> </a:t>
+                      </a:r>
+                      <a:r>
+                        <a:rPr lang="en" sz="1100" dirty="0">
+                          <a:solidFill>
+                            <a:srgbClr val="FCC28C"/>
+                          </a:solidFill>
+                          <a:highlight>
+                            <a:srgbClr val="333333"/>
+                          </a:highlight>
+                          <a:latin typeface="Consolas"/>
+                          <a:ea typeface="Consolas"/>
+                          <a:cs typeface="Consolas"/>
+                          <a:sym typeface="Consolas"/>
+                        </a:rPr>
+                        <a:t>privileges</a:t>
+                      </a:r>
+                      <a:r>
+                        <a:rPr lang="en" sz="1100" dirty="0">
+                          <a:solidFill>
+                            <a:srgbClr val="A2FCA2"/>
+                          </a:solidFill>
+                          <a:highlight>
+                            <a:srgbClr val="333333"/>
+                          </a:highlight>
+                          <a:latin typeface="Consolas"/>
+                          <a:ea typeface="Consolas"/>
+                          <a:cs typeface="Consolas"/>
+                          <a:sym typeface="Consolas"/>
+                        </a:rPr>
+                        <a:t>'</a:t>
+                      </a:r>
+                      <a:br>
+                        <a:rPr lang="en" sz="1100" dirty="0">
+                          <a:solidFill>
+                            <a:srgbClr val="A2FCA2"/>
+                          </a:solidFill>
+                          <a:highlight>
+                            <a:srgbClr val="333333"/>
+                          </a:highlight>
+                          <a:latin typeface="Consolas"/>
+                          <a:ea typeface="Consolas"/>
+                          <a:cs typeface="Consolas"/>
+                          <a:sym typeface="Consolas"/>
+                        </a:rPr>
+                      </a:br>
+                      <a:r>
+                        <a:rPr lang="en" sz="1100" dirty="0">
+                          <a:solidFill>
+                            <a:srgbClr val="A2FCA2"/>
+                          </a:solidFill>
+                          <a:highlight>
+                            <a:srgbClr val="333333"/>
+                          </a:highlight>
+                          <a:latin typeface="Consolas"/>
+                          <a:ea typeface="Consolas"/>
+                          <a:cs typeface="Consolas"/>
+                          <a:sym typeface="Consolas"/>
+                        </a:rPr>
+                        <a:t>sudo service restart</a:t>
+                      </a:r>
+                      <a:endParaRPr sz="1100" dirty="0"/>
+                    </a:p>
+                  </a:txBody>
+                  <a:tcPr marL="63500" marR="63500" marT="63500" marB="63500">
+                    <a:solidFill>
+                      <a:srgbClr val="333333"/>
+                    </a:solidFill>
+                  </a:tcPr>
+                </a:tc>
+                <a:extLst>
+                  <a:ext uri="{0D108BD9-81ED-4DB2-BD59-A6C34878D82A}">
+                    <a16:rowId xmlns:a16="http://schemas.microsoft.com/office/drawing/2014/main" val="10000"/>
+                  </a:ext>
+                </a:extLst>
+              </a:tr>
+            </a:tbl>
+          </a:graphicData>
+        </a:graphic>
+      </p:graphicFrame>
     </p:spTree>
   </p:cSld>
   <p:clrMapOvr>
@@ -19213,7 +20660,7 @@
               <a:rPr lang="en"/>
               <a:t>Today</a:t>
             </a:r>
-            <a:endParaRPr/>
+            <a:endParaRPr dirty="0"/>
           </a:p>
         </p:txBody>
       </p:sp>
@@ -19277,18 +20724,6 @@
           <a:p>
             <a:r>
               <a:rPr lang="en-SG" dirty="0"/>
-              <a:t>Python tools</a:t>
-            </a:r>
-          </a:p>
-          <a:p>
-            <a:r>
-              <a:rPr lang="en-SG" dirty="0"/>
-              <a:t>Basic Web App.</a:t>
-            </a:r>
-          </a:p>
-          <a:p>
-            <a:r>
-              <a:rPr lang="en-SG" dirty="0"/>
               <a:t>Boto3 (AWS Command Line Interface Wrapper for python)</a:t>
             </a:r>
           </a:p>
@@ -19303,6 +20738,2294 @@
 </file>
 
 <file path=ppt/slides/slide20.xml><?xml version="1.0" encoding="utf-8"?>
+<p:sld xmlns:a="http://schemas.openxmlformats.org/drawingml/2006/main" xmlns:r="http://schemas.openxmlformats.org/officeDocument/2006/relationships" xmlns:p="http://schemas.openxmlformats.org/presentationml/2006/main">
+  <p:cSld>
+    <p:spTree>
+      <p:nvGrpSpPr>
+        <p:cNvPr id="1" name="Shape 139"/>
+        <p:cNvGrpSpPr/>
+        <p:nvPr/>
+      </p:nvGrpSpPr>
+      <p:grpSpPr>
+        <a:xfrm>
+          <a:off x="0" y="0"/>
+          <a:ext cx="0" cy="0"/>
+          <a:chOff x="0" y="0"/>
+          <a:chExt cx="0" cy="0"/>
+        </a:xfrm>
+      </p:grpSpPr>
+      <p:sp>
+        <p:nvSpPr>
+          <p:cNvPr id="140" name="Google Shape;140;p23"/>
+          <p:cNvSpPr txBox="1">
+            <a:spLocks noGrp="1"/>
+          </p:cNvSpPr>
+          <p:nvPr>
+            <p:ph type="title"/>
+          </p:nvPr>
+        </p:nvSpPr>
+        <p:spPr>
+          <a:xfrm>
+            <a:off x="311700" y="445025"/>
+            <a:ext cx="8520600" cy="572700"/>
+          </a:xfrm>
+          <a:prstGeom prst="rect">
+            <a:avLst/>
+          </a:prstGeom>
+        </p:spPr>
+        <p:txBody>
+          <a:bodyPr spcFirstLastPara="1" wrap="square" lIns="91425" tIns="91425" rIns="91425" bIns="91425" anchor="t" anchorCtr="0">
+            <a:noAutofit/>
+          </a:bodyPr>
+          <a:lstStyle/>
+          <a:p>
+            <a:pPr marL="0" lvl="0" indent="0" algn="l" rtl="0">
+              <a:spcBef>
+                <a:spcPts val="0"/>
+              </a:spcBef>
+              <a:spcAft>
+                <a:spcPts val="0"/>
+              </a:spcAft>
+              <a:buNone/>
+            </a:pPr>
+            <a:r>
+              <a:rPr lang="en"/>
+              <a:t>MySQL Hands-on</a:t>
+            </a:r>
+            <a:endParaRPr/>
+          </a:p>
+        </p:txBody>
+      </p:sp>
+      <p:sp>
+        <p:nvSpPr>
+          <p:cNvPr id="141" name="Google Shape;141;p23"/>
+          <p:cNvSpPr txBox="1">
+            <a:spLocks noGrp="1"/>
+          </p:cNvSpPr>
+          <p:nvPr>
+            <p:ph type="body" idx="1"/>
+          </p:nvPr>
+        </p:nvSpPr>
+        <p:spPr>
+          <a:xfrm>
+            <a:off x="311700" y="1152475"/>
+            <a:ext cx="8520600" cy="2660700"/>
+          </a:xfrm>
+          <a:prstGeom prst="rect">
+            <a:avLst/>
+          </a:prstGeom>
+        </p:spPr>
+        <p:txBody>
+          <a:bodyPr spcFirstLastPara="1" wrap="square" lIns="91425" tIns="91425" rIns="91425" bIns="91425" anchor="t" anchorCtr="0">
+            <a:noAutofit/>
+          </a:bodyPr>
+          <a:lstStyle/>
+          <a:p>
+            <a:pPr marL="457200" lvl="0" indent="-342900" algn="l" rtl="0">
+              <a:spcBef>
+                <a:spcPts val="0"/>
+              </a:spcBef>
+              <a:spcAft>
+                <a:spcPts val="0"/>
+              </a:spcAft>
+              <a:buSzPts val="1800"/>
+              <a:buChar char="●"/>
+            </a:pPr>
+            <a:r>
+              <a:rPr lang="en" dirty="0"/>
+              <a:t>Show databases</a:t>
+            </a:r>
+            <a:endParaRPr dirty="0"/>
+          </a:p>
+          <a:p>
+            <a:pPr marL="457200" lvl="0" indent="-342900" algn="l" rtl="0">
+              <a:spcBef>
+                <a:spcPts val="0"/>
+              </a:spcBef>
+              <a:spcAft>
+                <a:spcPts val="0"/>
+              </a:spcAft>
+              <a:buSzPts val="1800"/>
+              <a:buChar char="●"/>
+            </a:pPr>
+            <a:r>
+              <a:rPr lang="en" dirty="0"/>
+              <a:t>Switch to a database</a:t>
+            </a:r>
+          </a:p>
+          <a:p>
+            <a:r>
+              <a:rPr lang="en" dirty="0"/>
+              <a:t>Configure mysql so </a:t>
+            </a:r>
+            <a:r>
+              <a:rPr lang="en-SG" dirty="0"/>
+              <a:t>it can be accessed remotely.</a:t>
+            </a:r>
+          </a:p>
+          <a:p>
+            <a:pPr marL="114300" lvl="0" indent="0" algn="l" rtl="0">
+              <a:spcBef>
+                <a:spcPts val="0"/>
+              </a:spcBef>
+              <a:spcAft>
+                <a:spcPts val="0"/>
+              </a:spcAft>
+              <a:buSzPts val="1800"/>
+              <a:buNone/>
+            </a:pPr>
+            <a:endParaRPr dirty="0"/>
+          </a:p>
+        </p:txBody>
+      </p:sp>
+    </p:spTree>
+  </p:cSld>
+  <p:clrMapOvr>
+    <a:masterClrMapping/>
+  </p:clrMapOvr>
+</p:sld>
+</file>
+
+<file path=ppt/slides/slide21.xml><?xml version="1.0" encoding="utf-8"?>
+<p:sld xmlns:a="http://schemas.openxmlformats.org/drawingml/2006/main" xmlns:r="http://schemas.openxmlformats.org/officeDocument/2006/relationships" xmlns:p="http://schemas.openxmlformats.org/presentationml/2006/main">
+  <p:cSld>
+    <p:spTree>
+      <p:nvGrpSpPr>
+        <p:cNvPr id="1" name="Shape 139"/>
+        <p:cNvGrpSpPr/>
+        <p:nvPr/>
+      </p:nvGrpSpPr>
+      <p:grpSpPr>
+        <a:xfrm>
+          <a:off x="0" y="0"/>
+          <a:ext cx="0" cy="0"/>
+          <a:chOff x="0" y="0"/>
+          <a:chExt cx="0" cy="0"/>
+        </a:xfrm>
+      </p:grpSpPr>
+      <p:sp>
+        <p:nvSpPr>
+          <p:cNvPr id="140" name="Google Shape;140;p23"/>
+          <p:cNvSpPr txBox="1">
+            <a:spLocks noGrp="1"/>
+          </p:cNvSpPr>
+          <p:nvPr>
+            <p:ph type="title"/>
+          </p:nvPr>
+        </p:nvSpPr>
+        <p:spPr>
+          <a:xfrm>
+            <a:off x="311700" y="445025"/>
+            <a:ext cx="8520600" cy="572700"/>
+          </a:xfrm>
+          <a:prstGeom prst="rect">
+            <a:avLst/>
+          </a:prstGeom>
+        </p:spPr>
+        <p:txBody>
+          <a:bodyPr spcFirstLastPara="1" wrap="square" lIns="91425" tIns="91425" rIns="91425" bIns="91425" anchor="t" anchorCtr="0">
+            <a:noAutofit/>
+          </a:bodyPr>
+          <a:lstStyle/>
+          <a:p>
+            <a:pPr marL="0" lvl="0" indent="0" algn="l" rtl="0">
+              <a:spcBef>
+                <a:spcPts val="0"/>
+              </a:spcBef>
+              <a:spcAft>
+                <a:spcPts val="0"/>
+              </a:spcAft>
+              <a:buNone/>
+            </a:pPr>
+            <a:r>
+              <a:rPr lang="en" dirty="0"/>
+              <a:t>MySQL </a:t>
+            </a:r>
+            <a:r>
+              <a:rPr lang="en-SG" dirty="0"/>
+              <a:t>remote access config</a:t>
+            </a:r>
+            <a:endParaRPr dirty="0"/>
+          </a:p>
+        </p:txBody>
+      </p:sp>
+      <p:sp>
+        <p:nvSpPr>
+          <p:cNvPr id="141" name="Google Shape;141;p23"/>
+          <p:cNvSpPr txBox="1">
+            <a:spLocks noGrp="1"/>
+          </p:cNvSpPr>
+          <p:nvPr>
+            <p:ph type="body" idx="1"/>
+          </p:nvPr>
+        </p:nvSpPr>
+        <p:spPr>
+          <a:xfrm>
+            <a:off x="311700" y="1152475"/>
+            <a:ext cx="8520600" cy="2660700"/>
+          </a:xfrm>
+          <a:prstGeom prst="rect">
+            <a:avLst/>
+          </a:prstGeom>
+        </p:spPr>
+        <p:txBody>
+          <a:bodyPr spcFirstLastPara="1" wrap="square" lIns="91425" tIns="91425" rIns="91425" bIns="91425" anchor="t" anchorCtr="0">
+            <a:noAutofit/>
+          </a:bodyPr>
+          <a:lstStyle/>
+          <a:p>
+            <a:pPr marL="114300" lvl="0" indent="0" algn="l" rtl="0">
+              <a:spcBef>
+                <a:spcPts val="0"/>
+              </a:spcBef>
+              <a:spcAft>
+                <a:spcPts val="0"/>
+              </a:spcAft>
+              <a:buSzPts val="1800"/>
+              <a:buNone/>
+            </a:pPr>
+            <a:r>
+              <a:rPr lang="en-SG" dirty="0" err="1"/>
+              <a:t>my.cnf</a:t>
+            </a:r>
+            <a:endParaRPr lang="en-SG" dirty="0"/>
+          </a:p>
+          <a:p>
+            <a:pPr marL="114300" lvl="0" indent="0" algn="l" rtl="0">
+              <a:spcBef>
+                <a:spcPts val="0"/>
+              </a:spcBef>
+              <a:spcAft>
+                <a:spcPts val="0"/>
+              </a:spcAft>
+              <a:buSzPts val="1800"/>
+              <a:buNone/>
+            </a:pPr>
+            <a:endParaRPr dirty="0"/>
+          </a:p>
+        </p:txBody>
+      </p:sp>
+      <p:sp>
+        <p:nvSpPr>
+          <p:cNvPr id="2" name="Rectangle 1">
+            <a:extLst>
+              <a:ext uri="{FF2B5EF4-FFF2-40B4-BE49-F238E27FC236}">
+                <a16:creationId xmlns:a16="http://schemas.microsoft.com/office/drawing/2014/main" id="{187D211E-EFC2-4CD3-A238-8D846AB7D35F}"/>
+              </a:ext>
+            </a:extLst>
+          </p:cNvPr>
+          <p:cNvSpPr/>
+          <p:nvPr/>
+        </p:nvSpPr>
+        <p:spPr>
+          <a:xfrm>
+            <a:off x="1775405" y="1401635"/>
+            <a:ext cx="5192724" cy="3416320"/>
+          </a:xfrm>
+          <a:prstGeom prst="rect">
+            <a:avLst/>
+          </a:prstGeom>
+          <a:solidFill>
+            <a:schemeClr val="bg2"/>
+          </a:solidFill>
+        </p:spPr>
+        <p:txBody>
+          <a:bodyPr wrap="square">
+            <a:spAutoFit/>
+          </a:bodyPr>
+          <a:lstStyle/>
+          <a:p>
+            <a:r>
+              <a:rPr lang="en-SG" sz="800" dirty="0">
+                <a:solidFill>
+                  <a:schemeClr val="bg1"/>
+                </a:solidFill>
+                <a:latin typeface="Courier New" panose="02070309020205020404" pitchFamily="49" charset="0"/>
+                <a:cs typeface="Courier New" panose="02070309020205020404" pitchFamily="49" charset="0"/>
+              </a:rPr>
+              <a:t># The MySQL database server configuration file.</a:t>
+            </a:r>
+          </a:p>
+          <a:p>
+            <a:r>
+              <a:rPr lang="en-SG" sz="800" dirty="0">
+                <a:solidFill>
+                  <a:schemeClr val="bg1"/>
+                </a:solidFill>
+                <a:latin typeface="Courier New" panose="02070309020205020404" pitchFamily="49" charset="0"/>
+                <a:cs typeface="Courier New" panose="02070309020205020404" pitchFamily="49" charset="0"/>
+              </a:rPr>
+              <a:t>#</a:t>
+            </a:r>
+          </a:p>
+          <a:p>
+            <a:r>
+              <a:rPr lang="en-SG" sz="800" dirty="0">
+                <a:solidFill>
+                  <a:schemeClr val="bg1"/>
+                </a:solidFill>
+                <a:latin typeface="Courier New" panose="02070309020205020404" pitchFamily="49" charset="0"/>
+                <a:cs typeface="Courier New" panose="02070309020205020404" pitchFamily="49" charset="0"/>
+              </a:rPr>
+              <a:t># You can copy this to one of:</a:t>
+            </a:r>
+          </a:p>
+          <a:p>
+            <a:r>
+              <a:rPr lang="en-SG" sz="800" dirty="0">
+                <a:solidFill>
+                  <a:schemeClr val="bg1"/>
+                </a:solidFill>
+                <a:latin typeface="Courier New" panose="02070309020205020404" pitchFamily="49" charset="0"/>
+                <a:cs typeface="Courier New" panose="02070309020205020404" pitchFamily="49" charset="0"/>
+              </a:rPr>
+              <a:t># - "/etc/</a:t>
+            </a:r>
+            <a:r>
+              <a:rPr lang="en-SG" sz="800" dirty="0" err="1">
+                <a:solidFill>
+                  <a:schemeClr val="bg1"/>
+                </a:solidFill>
+                <a:latin typeface="Courier New" panose="02070309020205020404" pitchFamily="49" charset="0"/>
+                <a:cs typeface="Courier New" panose="02070309020205020404" pitchFamily="49" charset="0"/>
+              </a:rPr>
+              <a:t>mysql</a:t>
+            </a:r>
+            <a:r>
+              <a:rPr lang="en-SG" sz="800" dirty="0">
+                <a:solidFill>
+                  <a:schemeClr val="bg1"/>
+                </a:solidFill>
+                <a:latin typeface="Courier New" panose="02070309020205020404" pitchFamily="49" charset="0"/>
+                <a:cs typeface="Courier New" panose="02070309020205020404" pitchFamily="49" charset="0"/>
+              </a:rPr>
+              <a:t>/</a:t>
+            </a:r>
+            <a:r>
+              <a:rPr lang="en-SG" sz="800" dirty="0" err="1">
+                <a:solidFill>
+                  <a:schemeClr val="bg1"/>
+                </a:solidFill>
+                <a:latin typeface="Courier New" panose="02070309020205020404" pitchFamily="49" charset="0"/>
+                <a:cs typeface="Courier New" panose="02070309020205020404" pitchFamily="49" charset="0"/>
+              </a:rPr>
+              <a:t>my.cnf</a:t>
+            </a:r>
+            <a:r>
+              <a:rPr lang="en-SG" sz="800" dirty="0">
+                <a:solidFill>
+                  <a:schemeClr val="bg1"/>
+                </a:solidFill>
+                <a:latin typeface="Courier New" panose="02070309020205020404" pitchFamily="49" charset="0"/>
+                <a:cs typeface="Courier New" panose="02070309020205020404" pitchFamily="49" charset="0"/>
+              </a:rPr>
+              <a:t>" to set global options,</a:t>
+            </a:r>
+          </a:p>
+          <a:p>
+            <a:r>
+              <a:rPr lang="en-SG" sz="800" dirty="0">
+                <a:solidFill>
+                  <a:schemeClr val="bg1"/>
+                </a:solidFill>
+                <a:latin typeface="Courier New" panose="02070309020205020404" pitchFamily="49" charset="0"/>
+                <a:cs typeface="Courier New" panose="02070309020205020404" pitchFamily="49" charset="0"/>
+              </a:rPr>
+              <a:t># - "~/.</a:t>
+            </a:r>
+            <a:r>
+              <a:rPr lang="en-SG" sz="800" dirty="0" err="1">
+                <a:solidFill>
+                  <a:schemeClr val="bg1"/>
+                </a:solidFill>
+                <a:latin typeface="Courier New" panose="02070309020205020404" pitchFamily="49" charset="0"/>
+                <a:cs typeface="Courier New" panose="02070309020205020404" pitchFamily="49" charset="0"/>
+              </a:rPr>
+              <a:t>my.cnf</a:t>
+            </a:r>
+            <a:r>
+              <a:rPr lang="en-SG" sz="800" dirty="0">
+                <a:solidFill>
+                  <a:schemeClr val="bg1"/>
+                </a:solidFill>
+                <a:latin typeface="Courier New" panose="02070309020205020404" pitchFamily="49" charset="0"/>
+                <a:cs typeface="Courier New" panose="02070309020205020404" pitchFamily="49" charset="0"/>
+              </a:rPr>
+              <a:t>" to set user-specific options.</a:t>
+            </a:r>
+          </a:p>
+          <a:p>
+            <a:r>
+              <a:rPr lang="en-SG" sz="800" dirty="0">
+                <a:solidFill>
+                  <a:schemeClr val="bg1"/>
+                </a:solidFill>
+                <a:latin typeface="Courier New" panose="02070309020205020404" pitchFamily="49" charset="0"/>
+                <a:cs typeface="Courier New" panose="02070309020205020404" pitchFamily="49" charset="0"/>
+              </a:rPr>
+              <a:t># </a:t>
+            </a:r>
+          </a:p>
+          <a:p>
+            <a:r>
+              <a:rPr lang="en-SG" sz="800" dirty="0">
+                <a:solidFill>
+                  <a:schemeClr val="bg1"/>
+                </a:solidFill>
+                <a:latin typeface="Courier New" panose="02070309020205020404" pitchFamily="49" charset="0"/>
+                <a:cs typeface="Courier New" panose="02070309020205020404" pitchFamily="49" charset="0"/>
+              </a:rPr>
+              <a:t># One can use all long options that the program supports.</a:t>
+            </a:r>
+          </a:p>
+          <a:p>
+            <a:r>
+              <a:rPr lang="en-SG" sz="800" dirty="0">
+                <a:solidFill>
+                  <a:schemeClr val="bg1"/>
+                </a:solidFill>
+                <a:latin typeface="Courier New" panose="02070309020205020404" pitchFamily="49" charset="0"/>
+                <a:cs typeface="Courier New" panose="02070309020205020404" pitchFamily="49" charset="0"/>
+              </a:rPr>
+              <a:t># Run program with --help to get a list of available options and with</a:t>
+            </a:r>
+          </a:p>
+          <a:p>
+            <a:r>
+              <a:rPr lang="en-SG" sz="800" dirty="0">
+                <a:solidFill>
+                  <a:schemeClr val="bg1"/>
+                </a:solidFill>
+                <a:latin typeface="Courier New" panose="02070309020205020404" pitchFamily="49" charset="0"/>
+                <a:cs typeface="Courier New" panose="02070309020205020404" pitchFamily="49" charset="0"/>
+              </a:rPr>
+              <a:t># --print-defaults to see which it would actually understand and use.</a:t>
+            </a:r>
+          </a:p>
+          <a:p>
+            <a:r>
+              <a:rPr lang="en-SG" sz="800" dirty="0">
+                <a:solidFill>
+                  <a:schemeClr val="bg1"/>
+                </a:solidFill>
+                <a:latin typeface="Courier New" panose="02070309020205020404" pitchFamily="49" charset="0"/>
+                <a:cs typeface="Courier New" panose="02070309020205020404" pitchFamily="49" charset="0"/>
+              </a:rPr>
+              <a:t>#</a:t>
+            </a:r>
+          </a:p>
+          <a:p>
+            <a:r>
+              <a:rPr lang="en-SG" sz="800" dirty="0">
+                <a:solidFill>
+                  <a:schemeClr val="bg1"/>
+                </a:solidFill>
+                <a:latin typeface="Courier New" panose="02070309020205020404" pitchFamily="49" charset="0"/>
+                <a:cs typeface="Courier New" panose="02070309020205020404" pitchFamily="49" charset="0"/>
+              </a:rPr>
+              <a:t># For explanations see</a:t>
+            </a:r>
+          </a:p>
+          <a:p>
+            <a:r>
+              <a:rPr lang="en-SG" sz="800" dirty="0">
+                <a:solidFill>
+                  <a:schemeClr val="bg1"/>
+                </a:solidFill>
+                <a:latin typeface="Courier New" panose="02070309020205020404" pitchFamily="49" charset="0"/>
+                <a:cs typeface="Courier New" panose="02070309020205020404" pitchFamily="49" charset="0"/>
+              </a:rPr>
+              <a:t># http://dev.mysql.com/doc/mysql/en/server-system-variables.html</a:t>
+            </a:r>
+          </a:p>
+          <a:p>
+            <a:endParaRPr lang="en-SG" sz="800" dirty="0">
+              <a:solidFill>
+                <a:schemeClr val="bg1"/>
+              </a:solidFill>
+              <a:latin typeface="Courier New" panose="02070309020205020404" pitchFamily="49" charset="0"/>
+              <a:cs typeface="Courier New" panose="02070309020205020404" pitchFamily="49" charset="0"/>
+            </a:endParaRPr>
+          </a:p>
+          <a:p>
+            <a:r>
+              <a:rPr lang="en-SG" sz="800" dirty="0">
+                <a:solidFill>
+                  <a:schemeClr val="bg1"/>
+                </a:solidFill>
+                <a:latin typeface="Courier New" panose="02070309020205020404" pitchFamily="49" charset="0"/>
+                <a:cs typeface="Courier New" panose="02070309020205020404" pitchFamily="49" charset="0"/>
+              </a:rPr>
+              <a:t>#</a:t>
+            </a:r>
+          </a:p>
+          <a:p>
+            <a:r>
+              <a:rPr lang="en-SG" sz="800" dirty="0">
+                <a:solidFill>
+                  <a:schemeClr val="bg1"/>
+                </a:solidFill>
+                <a:latin typeface="Courier New" panose="02070309020205020404" pitchFamily="49" charset="0"/>
+                <a:cs typeface="Courier New" panose="02070309020205020404" pitchFamily="49" charset="0"/>
+              </a:rPr>
+              <a:t># * IMPORTANT: Additional settings that can override those from this file!</a:t>
+            </a:r>
+          </a:p>
+          <a:p>
+            <a:r>
+              <a:rPr lang="en-SG" sz="800" dirty="0">
+                <a:solidFill>
+                  <a:schemeClr val="bg1"/>
+                </a:solidFill>
+                <a:latin typeface="Courier New" panose="02070309020205020404" pitchFamily="49" charset="0"/>
+                <a:cs typeface="Courier New" panose="02070309020205020404" pitchFamily="49" charset="0"/>
+              </a:rPr>
+              <a:t>#   The files must end with '.</a:t>
+            </a:r>
+            <a:r>
+              <a:rPr lang="en-SG" sz="800" dirty="0" err="1">
+                <a:solidFill>
+                  <a:schemeClr val="bg1"/>
+                </a:solidFill>
+                <a:latin typeface="Courier New" panose="02070309020205020404" pitchFamily="49" charset="0"/>
+                <a:cs typeface="Courier New" panose="02070309020205020404" pitchFamily="49" charset="0"/>
+              </a:rPr>
+              <a:t>cnf</a:t>
+            </a:r>
+            <a:r>
+              <a:rPr lang="en-SG" sz="800" dirty="0">
+                <a:solidFill>
+                  <a:schemeClr val="bg1"/>
+                </a:solidFill>
+                <a:latin typeface="Courier New" panose="02070309020205020404" pitchFamily="49" charset="0"/>
+                <a:cs typeface="Courier New" panose="02070309020205020404" pitchFamily="49" charset="0"/>
+              </a:rPr>
+              <a:t>', otherwise they'll be ignored.</a:t>
+            </a:r>
+          </a:p>
+          <a:p>
+            <a:r>
+              <a:rPr lang="en-SG" sz="800" dirty="0">
+                <a:solidFill>
+                  <a:schemeClr val="bg1"/>
+                </a:solidFill>
+                <a:latin typeface="Courier New" panose="02070309020205020404" pitchFamily="49" charset="0"/>
+                <a:cs typeface="Courier New" panose="02070309020205020404" pitchFamily="49" charset="0"/>
+              </a:rPr>
+              <a:t>#</a:t>
+            </a:r>
+          </a:p>
+          <a:p>
+            <a:endParaRPr lang="en-SG" sz="800" dirty="0">
+              <a:solidFill>
+                <a:schemeClr val="bg1"/>
+              </a:solidFill>
+              <a:latin typeface="Courier New" panose="02070309020205020404" pitchFamily="49" charset="0"/>
+              <a:cs typeface="Courier New" panose="02070309020205020404" pitchFamily="49" charset="0"/>
+            </a:endParaRPr>
+          </a:p>
+          <a:p>
+            <a:r>
+              <a:rPr lang="en-SG" sz="800" dirty="0">
+                <a:solidFill>
+                  <a:schemeClr val="bg1"/>
+                </a:solidFill>
+                <a:latin typeface="Courier New" panose="02070309020205020404" pitchFamily="49" charset="0"/>
+                <a:cs typeface="Courier New" panose="02070309020205020404" pitchFamily="49" charset="0"/>
+              </a:rPr>
+              <a:t># </a:t>
+            </a:r>
+            <a:r>
+              <a:rPr lang="en-SG" sz="800" dirty="0" err="1">
+                <a:solidFill>
+                  <a:schemeClr val="bg1"/>
+                </a:solidFill>
+                <a:latin typeface="Courier New" panose="02070309020205020404" pitchFamily="49" charset="0"/>
+                <a:cs typeface="Courier New" panose="02070309020205020404" pitchFamily="49" charset="0"/>
+              </a:rPr>
+              <a:t>mysql</a:t>
+            </a:r>
+            <a:r>
+              <a:rPr lang="en-SG" sz="800" dirty="0">
+                <a:solidFill>
+                  <a:schemeClr val="bg1"/>
+                </a:solidFill>
+                <a:latin typeface="Courier New" panose="02070309020205020404" pitchFamily="49" charset="0"/>
+                <a:cs typeface="Courier New" panose="02070309020205020404" pitchFamily="49" charset="0"/>
+              </a:rPr>
+              <a:t> config for import access</a:t>
+            </a:r>
+          </a:p>
+          <a:p>
+            <a:endParaRPr lang="en-SG" sz="800" dirty="0">
+              <a:solidFill>
+                <a:schemeClr val="bg1"/>
+              </a:solidFill>
+              <a:latin typeface="Courier New" panose="02070309020205020404" pitchFamily="49" charset="0"/>
+              <a:cs typeface="Courier New" panose="02070309020205020404" pitchFamily="49" charset="0"/>
+            </a:endParaRPr>
+          </a:p>
+          <a:p>
+            <a:r>
+              <a:rPr lang="en-SG" sz="800" dirty="0">
+                <a:solidFill>
+                  <a:schemeClr val="bg1"/>
+                </a:solidFill>
+                <a:latin typeface="Courier New" panose="02070309020205020404" pitchFamily="49" charset="0"/>
+                <a:cs typeface="Courier New" panose="02070309020205020404" pitchFamily="49" charset="0"/>
+              </a:rPr>
+              <a:t>!</a:t>
+            </a:r>
+            <a:r>
+              <a:rPr lang="en-SG" sz="800" dirty="0" err="1">
+                <a:solidFill>
+                  <a:schemeClr val="bg1"/>
+                </a:solidFill>
+                <a:latin typeface="Courier New" panose="02070309020205020404" pitchFamily="49" charset="0"/>
+                <a:cs typeface="Courier New" panose="02070309020205020404" pitchFamily="49" charset="0"/>
+              </a:rPr>
+              <a:t>includedir</a:t>
+            </a:r>
+            <a:r>
+              <a:rPr lang="en-SG" sz="800" dirty="0">
+                <a:solidFill>
+                  <a:schemeClr val="bg1"/>
+                </a:solidFill>
+                <a:latin typeface="Courier New" panose="02070309020205020404" pitchFamily="49" charset="0"/>
+                <a:cs typeface="Courier New" panose="02070309020205020404" pitchFamily="49" charset="0"/>
+              </a:rPr>
+              <a:t> /etc/</a:t>
+            </a:r>
+            <a:r>
+              <a:rPr lang="en-SG" sz="800" dirty="0" err="1">
+                <a:solidFill>
+                  <a:schemeClr val="bg1"/>
+                </a:solidFill>
+                <a:latin typeface="Courier New" panose="02070309020205020404" pitchFamily="49" charset="0"/>
+                <a:cs typeface="Courier New" panose="02070309020205020404" pitchFamily="49" charset="0"/>
+              </a:rPr>
+              <a:t>mysql</a:t>
+            </a:r>
+            <a:r>
+              <a:rPr lang="en-SG" sz="800" dirty="0">
+                <a:solidFill>
+                  <a:schemeClr val="bg1"/>
+                </a:solidFill>
+                <a:latin typeface="Courier New" panose="02070309020205020404" pitchFamily="49" charset="0"/>
+                <a:cs typeface="Courier New" panose="02070309020205020404" pitchFamily="49" charset="0"/>
+              </a:rPr>
+              <a:t>/</a:t>
+            </a:r>
+            <a:r>
+              <a:rPr lang="en-SG" sz="800" dirty="0" err="1">
+                <a:solidFill>
+                  <a:schemeClr val="bg1"/>
+                </a:solidFill>
+                <a:latin typeface="Courier New" panose="02070309020205020404" pitchFamily="49" charset="0"/>
+                <a:cs typeface="Courier New" panose="02070309020205020404" pitchFamily="49" charset="0"/>
+              </a:rPr>
+              <a:t>conf.d</a:t>
+            </a:r>
+            <a:r>
+              <a:rPr lang="en-SG" sz="800" dirty="0">
+                <a:solidFill>
+                  <a:schemeClr val="bg1"/>
+                </a:solidFill>
+                <a:latin typeface="Courier New" panose="02070309020205020404" pitchFamily="49" charset="0"/>
+                <a:cs typeface="Courier New" panose="02070309020205020404" pitchFamily="49" charset="0"/>
+              </a:rPr>
+              <a:t>/</a:t>
+            </a:r>
+          </a:p>
+          <a:p>
+            <a:r>
+              <a:rPr lang="en-SG" sz="800" dirty="0">
+                <a:solidFill>
+                  <a:schemeClr val="bg1"/>
+                </a:solidFill>
+                <a:latin typeface="Courier New" panose="02070309020205020404" pitchFamily="49" charset="0"/>
+                <a:cs typeface="Courier New" panose="02070309020205020404" pitchFamily="49" charset="0"/>
+              </a:rPr>
+              <a:t>!</a:t>
+            </a:r>
+            <a:r>
+              <a:rPr lang="en-SG" sz="800" dirty="0" err="1">
+                <a:solidFill>
+                  <a:schemeClr val="bg1"/>
+                </a:solidFill>
+                <a:latin typeface="Courier New" panose="02070309020205020404" pitchFamily="49" charset="0"/>
+                <a:cs typeface="Courier New" panose="02070309020205020404" pitchFamily="49" charset="0"/>
+              </a:rPr>
+              <a:t>includedir</a:t>
+            </a:r>
+            <a:r>
+              <a:rPr lang="en-SG" sz="800" dirty="0">
+                <a:solidFill>
+                  <a:schemeClr val="bg1"/>
+                </a:solidFill>
+                <a:latin typeface="Courier New" panose="02070309020205020404" pitchFamily="49" charset="0"/>
+                <a:cs typeface="Courier New" panose="02070309020205020404" pitchFamily="49" charset="0"/>
+              </a:rPr>
+              <a:t> /etc/</a:t>
+            </a:r>
+            <a:r>
+              <a:rPr lang="en-SG" sz="800" dirty="0" err="1">
+                <a:solidFill>
+                  <a:schemeClr val="bg1"/>
+                </a:solidFill>
+                <a:latin typeface="Courier New" panose="02070309020205020404" pitchFamily="49" charset="0"/>
+                <a:cs typeface="Courier New" panose="02070309020205020404" pitchFamily="49" charset="0"/>
+              </a:rPr>
+              <a:t>mysql</a:t>
+            </a:r>
+            <a:r>
+              <a:rPr lang="en-SG" sz="800" dirty="0">
+                <a:solidFill>
+                  <a:schemeClr val="bg1"/>
+                </a:solidFill>
+                <a:latin typeface="Courier New" panose="02070309020205020404" pitchFamily="49" charset="0"/>
+                <a:cs typeface="Courier New" panose="02070309020205020404" pitchFamily="49" charset="0"/>
+              </a:rPr>
+              <a:t>/</a:t>
+            </a:r>
+            <a:r>
+              <a:rPr lang="en-SG" sz="800" dirty="0" err="1">
+                <a:solidFill>
+                  <a:schemeClr val="bg1"/>
+                </a:solidFill>
+                <a:latin typeface="Courier New" panose="02070309020205020404" pitchFamily="49" charset="0"/>
+                <a:cs typeface="Courier New" panose="02070309020205020404" pitchFamily="49" charset="0"/>
+              </a:rPr>
+              <a:t>mysql.conf.d</a:t>
+            </a:r>
+            <a:r>
+              <a:rPr lang="en-SG" sz="800" dirty="0">
+                <a:solidFill>
+                  <a:schemeClr val="bg1"/>
+                </a:solidFill>
+                <a:latin typeface="Courier New" panose="02070309020205020404" pitchFamily="49" charset="0"/>
+                <a:cs typeface="Courier New" panose="02070309020205020404" pitchFamily="49" charset="0"/>
+              </a:rPr>
+              <a:t>/</a:t>
+            </a:r>
+          </a:p>
+          <a:p>
+            <a:endParaRPr lang="en-SG" sz="800" dirty="0">
+              <a:solidFill>
+                <a:schemeClr val="bg1"/>
+              </a:solidFill>
+              <a:latin typeface="Courier New" panose="02070309020205020404" pitchFamily="49" charset="0"/>
+              <a:cs typeface="Courier New" panose="02070309020205020404" pitchFamily="49" charset="0"/>
+            </a:endParaRPr>
+          </a:p>
+          <a:p>
+            <a:r>
+              <a:rPr lang="en-SG" sz="800" dirty="0">
+                <a:solidFill>
+                  <a:schemeClr val="bg1"/>
+                </a:solidFill>
+                <a:latin typeface="Courier New" panose="02070309020205020404" pitchFamily="49" charset="0"/>
+                <a:cs typeface="Courier New" panose="02070309020205020404" pitchFamily="49" charset="0"/>
+              </a:rPr>
+              <a:t>[</a:t>
+            </a:r>
+            <a:r>
+              <a:rPr lang="en-SG" sz="800" dirty="0" err="1">
+                <a:solidFill>
+                  <a:schemeClr val="bg1"/>
+                </a:solidFill>
+                <a:latin typeface="Courier New" panose="02070309020205020404" pitchFamily="49" charset="0"/>
+                <a:cs typeface="Courier New" panose="02070309020205020404" pitchFamily="49" charset="0"/>
+              </a:rPr>
+              <a:t>mysqld</a:t>
+            </a:r>
+            <a:r>
+              <a:rPr lang="en-SG" sz="800" dirty="0">
+                <a:solidFill>
+                  <a:schemeClr val="bg1"/>
+                </a:solidFill>
+                <a:latin typeface="Courier New" panose="02070309020205020404" pitchFamily="49" charset="0"/>
+                <a:cs typeface="Courier New" panose="02070309020205020404" pitchFamily="49" charset="0"/>
+              </a:rPr>
+              <a:t>]</a:t>
+            </a:r>
+          </a:p>
+          <a:p>
+            <a:r>
+              <a:rPr lang="en-SG" sz="800" dirty="0">
+                <a:solidFill>
+                  <a:schemeClr val="bg1"/>
+                </a:solidFill>
+                <a:latin typeface="Courier New" panose="02070309020205020404" pitchFamily="49" charset="0"/>
+                <a:cs typeface="Courier New" panose="02070309020205020404" pitchFamily="49" charset="0"/>
+              </a:rPr>
+              <a:t>#secure-file-</a:t>
+            </a:r>
+            <a:r>
+              <a:rPr lang="en-SG" sz="800" dirty="0" err="1">
+                <a:solidFill>
+                  <a:schemeClr val="bg1"/>
+                </a:solidFill>
+                <a:latin typeface="Courier New" panose="02070309020205020404" pitchFamily="49" charset="0"/>
+                <a:cs typeface="Courier New" panose="02070309020205020404" pitchFamily="49" charset="0"/>
+              </a:rPr>
+              <a:t>priv</a:t>
+            </a:r>
+            <a:r>
+              <a:rPr lang="en-SG" sz="800" dirty="0">
+                <a:solidFill>
+                  <a:schemeClr val="bg1"/>
+                </a:solidFill>
+                <a:latin typeface="Courier New" panose="02070309020205020404" pitchFamily="49" charset="0"/>
+                <a:cs typeface="Courier New" panose="02070309020205020404" pitchFamily="49" charset="0"/>
+              </a:rPr>
+              <a:t>=""</a:t>
+            </a:r>
+          </a:p>
+          <a:p>
+            <a:r>
+              <a:rPr lang="en-SG" sz="800" dirty="0">
+                <a:solidFill>
+                  <a:schemeClr val="bg1"/>
+                </a:solidFill>
+                <a:latin typeface="Courier New" panose="02070309020205020404" pitchFamily="49" charset="0"/>
+                <a:cs typeface="Courier New" panose="02070309020205020404" pitchFamily="49" charset="0"/>
+              </a:rPr>
+              <a:t>#</a:t>
+            </a:r>
+            <a:r>
+              <a:rPr lang="en-SG" sz="800" dirty="0" err="1">
+                <a:solidFill>
+                  <a:schemeClr val="bg1"/>
+                </a:solidFill>
+                <a:latin typeface="Courier New" panose="02070309020205020404" pitchFamily="49" charset="0"/>
+                <a:cs typeface="Courier New" panose="02070309020205020404" pitchFamily="49" charset="0"/>
+              </a:rPr>
+              <a:t>local_infile</a:t>
+            </a:r>
+            <a:r>
+              <a:rPr lang="en-SG" sz="800" dirty="0">
+                <a:solidFill>
+                  <a:schemeClr val="bg1"/>
+                </a:solidFill>
+                <a:latin typeface="Courier New" panose="02070309020205020404" pitchFamily="49" charset="0"/>
+                <a:cs typeface="Courier New" panose="02070309020205020404" pitchFamily="49" charset="0"/>
+              </a:rPr>
+              <a:t>=1</a:t>
+            </a:r>
+          </a:p>
+          <a:p>
+            <a:r>
+              <a:rPr lang="en-SG" sz="800" dirty="0">
+                <a:solidFill>
+                  <a:schemeClr val="bg1"/>
+                </a:solidFill>
+                <a:latin typeface="Courier New" panose="02070309020205020404" pitchFamily="49" charset="0"/>
+                <a:cs typeface="Courier New" panose="02070309020205020404" pitchFamily="49" charset="0"/>
+              </a:rPr>
+              <a:t>bind-address = 0.0.0.0</a:t>
+            </a:r>
+          </a:p>
+        </p:txBody>
+      </p:sp>
+    </p:spTree>
+    <p:extLst>
+      <p:ext uri="{BB962C8B-B14F-4D97-AF65-F5344CB8AC3E}">
+        <p14:creationId xmlns:p14="http://schemas.microsoft.com/office/powerpoint/2010/main" val="2358794501"/>
+      </p:ext>
+    </p:extLst>
+  </p:cSld>
+  <p:clrMapOvr>
+    <a:masterClrMapping/>
+  </p:clrMapOvr>
+</p:sld>
+</file>
+
+<file path=ppt/slides/slide22.xml><?xml version="1.0" encoding="utf-8"?>
+<p:sld xmlns:a="http://schemas.openxmlformats.org/drawingml/2006/main" xmlns:r="http://schemas.openxmlformats.org/officeDocument/2006/relationships" xmlns:p="http://schemas.openxmlformats.org/presentationml/2006/main" show="0">
+  <p:cSld>
+    <p:spTree>
+      <p:nvGrpSpPr>
+        <p:cNvPr id="1" name=""/>
+        <p:cNvGrpSpPr/>
+        <p:nvPr/>
+      </p:nvGrpSpPr>
+      <p:grpSpPr>
+        <a:xfrm>
+          <a:off x="0" y="0"/>
+          <a:ext cx="0" cy="0"/>
+          <a:chOff x="0" y="0"/>
+          <a:chExt cx="0" cy="0"/>
+        </a:xfrm>
+      </p:grpSpPr>
+      <p:sp>
+        <p:nvSpPr>
+          <p:cNvPr id="2" name="Title 1">
+            <a:extLst>
+              <a:ext uri="{FF2B5EF4-FFF2-40B4-BE49-F238E27FC236}">
+                <a16:creationId xmlns:a16="http://schemas.microsoft.com/office/drawing/2014/main" id="{E9A2F7E1-2493-44B4-828E-426F57109F38}"/>
+              </a:ext>
+            </a:extLst>
+          </p:cNvPr>
+          <p:cNvSpPr>
+            <a:spLocks noGrp="1"/>
+          </p:cNvSpPr>
+          <p:nvPr>
+            <p:ph type="title"/>
+          </p:nvPr>
+        </p:nvSpPr>
+        <p:spPr/>
+        <p:txBody>
+          <a:bodyPr/>
+          <a:lstStyle/>
+          <a:p>
+            <a:r>
+              <a:rPr lang="en-SG" dirty="0"/>
+              <a:t>Why not to use default config for </a:t>
+            </a:r>
+            <a:r>
+              <a:rPr lang="en-SG" dirty="0" err="1"/>
+              <a:t>mysql</a:t>
+            </a:r>
+            <a:endParaRPr lang="en-SG" dirty="0"/>
+          </a:p>
+        </p:txBody>
+      </p:sp>
+      <p:sp>
+        <p:nvSpPr>
+          <p:cNvPr id="3" name="Text Placeholder 2">
+            <a:extLst>
+              <a:ext uri="{FF2B5EF4-FFF2-40B4-BE49-F238E27FC236}">
+                <a16:creationId xmlns:a16="http://schemas.microsoft.com/office/drawing/2014/main" id="{EED7AB75-A631-4873-B84F-ADFEBA33A2FD}"/>
+              </a:ext>
+            </a:extLst>
+          </p:cNvPr>
+          <p:cNvSpPr>
+            <a:spLocks noGrp="1"/>
+          </p:cNvSpPr>
+          <p:nvPr>
+            <p:ph type="body" idx="1"/>
+          </p:nvPr>
+        </p:nvSpPr>
+        <p:spPr>
+          <a:xfrm>
+            <a:off x="311700" y="1076831"/>
+            <a:ext cx="8520600" cy="3416400"/>
+          </a:xfrm>
+        </p:spPr>
+        <p:txBody>
+          <a:bodyPr/>
+          <a:lstStyle/>
+          <a:p>
+            <a:r>
+              <a:rPr lang="en-SG" dirty="0">
+                <a:hlinkClick r:id="rId2"/>
+              </a:rPr>
+              <a:t>https://www.zdnet.com/article/hackers-are-scanning-for-mysql-servers-to-deploy-gandcrab-ransomware/</a:t>
+            </a:r>
+            <a:endParaRPr lang="en-SG" dirty="0"/>
+          </a:p>
+          <a:p>
+            <a:r>
+              <a:rPr lang="en-SG" dirty="0"/>
+              <a:t>Change default port, secure root user, run </a:t>
+            </a:r>
+            <a:r>
+              <a:rPr lang="en-SG" dirty="0" err="1"/>
+              <a:t>mysql_secure_installation</a:t>
+            </a:r>
+            <a:endParaRPr lang="en-SG" dirty="0"/>
+          </a:p>
+          <a:p>
+            <a:r>
+              <a:rPr lang="en-SG" dirty="0"/>
+              <a:t>Implement granular access for users</a:t>
+            </a:r>
+          </a:p>
+          <a:p>
+            <a:endParaRPr lang="en-SG" dirty="0"/>
+          </a:p>
+          <a:p>
+            <a:pPr marL="114300" indent="0">
+              <a:buNone/>
+            </a:pPr>
+            <a:endParaRPr lang="en-SG" dirty="0"/>
+          </a:p>
+        </p:txBody>
+      </p:sp>
+      <p:pic>
+        <p:nvPicPr>
+          <p:cNvPr id="4" name="Picture 3">
+            <a:extLst>
+              <a:ext uri="{FF2B5EF4-FFF2-40B4-BE49-F238E27FC236}">
+                <a16:creationId xmlns:a16="http://schemas.microsoft.com/office/drawing/2014/main" id="{D117FE4D-245E-44B0-B6EB-44676D214D0A}"/>
+              </a:ext>
+            </a:extLst>
+          </p:cNvPr>
+          <p:cNvPicPr>
+            <a:picLocks noChangeAspect="1"/>
+          </p:cNvPicPr>
+          <p:nvPr/>
+        </p:nvPicPr>
+        <p:blipFill>
+          <a:blip r:embed="rId3"/>
+          <a:stretch>
+            <a:fillRect/>
+          </a:stretch>
+        </p:blipFill>
+        <p:spPr>
+          <a:xfrm>
+            <a:off x="1820874" y="2456198"/>
+            <a:ext cx="5193810" cy="2377611"/>
+          </a:xfrm>
+          <a:prstGeom prst="rect">
+            <a:avLst/>
+          </a:prstGeom>
+        </p:spPr>
+      </p:pic>
+    </p:spTree>
+    <p:extLst>
+      <p:ext uri="{BB962C8B-B14F-4D97-AF65-F5344CB8AC3E}">
+        <p14:creationId xmlns:p14="http://schemas.microsoft.com/office/powerpoint/2010/main" val="3958577596"/>
+      </p:ext>
+    </p:extLst>
+  </p:cSld>
+  <p:clrMapOvr>
+    <a:masterClrMapping/>
+  </p:clrMapOvr>
+</p:sld>
+</file>
+
+<file path=ppt/slides/slide23.xml><?xml version="1.0" encoding="utf-8"?>
+<p:sld xmlns:a="http://schemas.openxmlformats.org/drawingml/2006/main" xmlns:r="http://schemas.openxmlformats.org/officeDocument/2006/relationships" xmlns:p="http://schemas.openxmlformats.org/presentationml/2006/main">
+  <p:cSld>
+    <p:spTree>
+      <p:nvGrpSpPr>
+        <p:cNvPr id="1" name="Shape 139"/>
+        <p:cNvGrpSpPr/>
+        <p:nvPr/>
+      </p:nvGrpSpPr>
+      <p:grpSpPr>
+        <a:xfrm>
+          <a:off x="0" y="0"/>
+          <a:ext cx="0" cy="0"/>
+          <a:chOff x="0" y="0"/>
+          <a:chExt cx="0" cy="0"/>
+        </a:xfrm>
+      </p:grpSpPr>
+      <p:sp>
+        <p:nvSpPr>
+          <p:cNvPr id="140" name="Google Shape;140;p23"/>
+          <p:cNvSpPr txBox="1">
+            <a:spLocks noGrp="1"/>
+          </p:cNvSpPr>
+          <p:nvPr>
+            <p:ph type="title"/>
+          </p:nvPr>
+        </p:nvSpPr>
+        <p:spPr>
+          <a:xfrm>
+            <a:off x="311700" y="445025"/>
+            <a:ext cx="8520600" cy="572700"/>
+          </a:xfrm>
+          <a:prstGeom prst="rect">
+            <a:avLst/>
+          </a:prstGeom>
+        </p:spPr>
+        <p:txBody>
+          <a:bodyPr spcFirstLastPara="1" wrap="square" lIns="91425" tIns="91425" rIns="91425" bIns="91425" anchor="t" anchorCtr="0">
+            <a:noAutofit/>
+          </a:bodyPr>
+          <a:lstStyle/>
+          <a:p>
+            <a:pPr marL="0" lvl="0" indent="0" algn="l" rtl="0">
+              <a:spcBef>
+                <a:spcPts val="0"/>
+              </a:spcBef>
+              <a:spcAft>
+                <a:spcPts val="0"/>
+              </a:spcAft>
+              <a:buNone/>
+            </a:pPr>
+            <a:r>
+              <a:rPr lang="en" dirty="0"/>
+              <a:t>MySQL </a:t>
+            </a:r>
+            <a:r>
+              <a:rPr lang="en-SG" dirty="0"/>
+              <a:t>Exercise</a:t>
+            </a:r>
+            <a:endParaRPr dirty="0"/>
+          </a:p>
+        </p:txBody>
+      </p:sp>
+      <p:sp>
+        <p:nvSpPr>
+          <p:cNvPr id="141" name="Google Shape;141;p23"/>
+          <p:cNvSpPr txBox="1">
+            <a:spLocks noGrp="1"/>
+          </p:cNvSpPr>
+          <p:nvPr>
+            <p:ph type="body" idx="1"/>
+          </p:nvPr>
+        </p:nvSpPr>
+        <p:spPr>
+          <a:xfrm>
+            <a:off x="311700" y="1152475"/>
+            <a:ext cx="8520600" cy="2660700"/>
+          </a:xfrm>
+          <a:prstGeom prst="rect">
+            <a:avLst/>
+          </a:prstGeom>
+        </p:spPr>
+        <p:txBody>
+          <a:bodyPr spcFirstLastPara="1" wrap="square" lIns="91425" tIns="91425" rIns="91425" bIns="91425" anchor="t" anchorCtr="0">
+            <a:noAutofit/>
+          </a:bodyPr>
+          <a:lstStyle/>
+          <a:p>
+            <a:pPr marL="457200" lvl="0" indent="-342900" algn="l" rtl="0">
+              <a:spcBef>
+                <a:spcPts val="0"/>
+              </a:spcBef>
+              <a:spcAft>
+                <a:spcPts val="0"/>
+              </a:spcAft>
+              <a:buSzPts val="1800"/>
+              <a:buChar char="●"/>
+            </a:pPr>
+            <a:r>
+              <a:rPr lang="en-SG" dirty="0"/>
+              <a:t>Create a flask app with single </a:t>
+            </a:r>
+            <a:r>
+              <a:rPr lang="en-SG" dirty="0" err="1"/>
+              <a:t>api</a:t>
+            </a:r>
+            <a:r>
+              <a:rPr lang="en-SG" dirty="0"/>
+              <a:t> CRUD endpoint that connects to </a:t>
+            </a:r>
+            <a:r>
+              <a:rPr lang="en-SG" dirty="0" err="1"/>
+              <a:t>mysql</a:t>
+            </a:r>
+            <a:r>
+              <a:rPr lang="en-SG" dirty="0"/>
+              <a:t> </a:t>
+            </a:r>
+            <a:r>
+              <a:rPr lang="en-SG" dirty="0" err="1"/>
+              <a:t>db</a:t>
+            </a:r>
+            <a:r>
+              <a:rPr lang="en-SG" dirty="0"/>
+              <a:t> to retrieve data.</a:t>
+            </a:r>
+          </a:p>
+          <a:p>
+            <a:pPr marL="457200" lvl="0" indent="-342900" algn="l" rtl="0">
+              <a:spcBef>
+                <a:spcPts val="0"/>
+              </a:spcBef>
+              <a:spcAft>
+                <a:spcPts val="0"/>
+              </a:spcAft>
+              <a:buSzPts val="1800"/>
+              <a:buChar char="●"/>
+            </a:pPr>
+            <a:r>
+              <a:rPr lang="en-SG" dirty="0"/>
+              <a:t>Launch it on your pc</a:t>
+            </a:r>
+          </a:p>
+          <a:p>
+            <a:pPr marL="457200" lvl="0" indent="-342900" algn="l" rtl="0">
+              <a:spcBef>
+                <a:spcPts val="0"/>
+              </a:spcBef>
+              <a:spcAft>
+                <a:spcPts val="0"/>
+              </a:spcAft>
+              <a:buSzPts val="1800"/>
+              <a:buChar char="●"/>
+            </a:pPr>
+            <a:r>
+              <a:rPr lang="en-SG" dirty="0"/>
+              <a:t>Test app API using postman.</a:t>
+            </a:r>
+          </a:p>
+          <a:p>
+            <a:pPr marL="114300" lvl="0" indent="0" algn="l" rtl="0">
+              <a:spcBef>
+                <a:spcPts val="0"/>
+              </a:spcBef>
+              <a:spcAft>
+                <a:spcPts val="0"/>
+              </a:spcAft>
+              <a:buSzPts val="1800"/>
+              <a:buNone/>
+            </a:pPr>
+            <a:endParaRPr dirty="0"/>
+          </a:p>
+        </p:txBody>
+      </p:sp>
+    </p:spTree>
+    <p:extLst>
+      <p:ext uri="{BB962C8B-B14F-4D97-AF65-F5344CB8AC3E}">
+        <p14:creationId xmlns:p14="http://schemas.microsoft.com/office/powerpoint/2010/main" val="4242374018"/>
+      </p:ext>
+    </p:extLst>
+  </p:cSld>
+  <p:clrMapOvr>
+    <a:masterClrMapping/>
+  </p:clrMapOvr>
+</p:sld>
+</file>
+
+<file path=ppt/slides/slide24.xml><?xml version="1.0" encoding="utf-8"?>
+<p:sld xmlns:a="http://schemas.openxmlformats.org/drawingml/2006/main" xmlns:r="http://schemas.openxmlformats.org/officeDocument/2006/relationships" xmlns:p="http://schemas.openxmlformats.org/presentationml/2006/main">
+  <p:cSld>
+    <p:spTree>
+      <p:nvGrpSpPr>
+        <p:cNvPr id="1" name=""/>
+        <p:cNvGrpSpPr/>
+        <p:nvPr/>
+      </p:nvGrpSpPr>
+      <p:grpSpPr>
+        <a:xfrm>
+          <a:off x="0" y="0"/>
+          <a:ext cx="0" cy="0"/>
+          <a:chOff x="0" y="0"/>
+          <a:chExt cx="0" cy="0"/>
+        </a:xfrm>
+      </p:grpSpPr>
+      <p:sp>
+        <p:nvSpPr>
+          <p:cNvPr id="2" name="Title 1">
+            <a:extLst>
+              <a:ext uri="{FF2B5EF4-FFF2-40B4-BE49-F238E27FC236}">
+                <a16:creationId xmlns:a16="http://schemas.microsoft.com/office/drawing/2014/main" id="{ECABF8B2-7A87-4119-915C-8A2BDA3F2EBC}"/>
+              </a:ext>
+            </a:extLst>
+          </p:cNvPr>
+          <p:cNvSpPr>
+            <a:spLocks noGrp="1"/>
+          </p:cNvSpPr>
+          <p:nvPr>
+            <p:ph type="title"/>
+          </p:nvPr>
+        </p:nvSpPr>
+        <p:spPr/>
+        <p:txBody>
+          <a:bodyPr/>
+          <a:lstStyle/>
+          <a:p>
+            <a:r>
+              <a:rPr lang="en-SG" dirty="0"/>
+              <a:t>MySQL connecting remotely</a:t>
+            </a:r>
+          </a:p>
+        </p:txBody>
+      </p:sp>
+      <p:sp>
+        <p:nvSpPr>
+          <p:cNvPr id="3" name="Text Placeholder 2">
+            <a:extLst>
+              <a:ext uri="{FF2B5EF4-FFF2-40B4-BE49-F238E27FC236}">
+                <a16:creationId xmlns:a16="http://schemas.microsoft.com/office/drawing/2014/main" id="{349F1D8E-1373-428A-AACF-1EB63C183E98}"/>
+              </a:ext>
+            </a:extLst>
+          </p:cNvPr>
+          <p:cNvSpPr>
+            <a:spLocks noGrp="1"/>
+          </p:cNvSpPr>
+          <p:nvPr>
+            <p:ph type="body" idx="1"/>
+          </p:nvPr>
+        </p:nvSpPr>
+        <p:spPr/>
+        <p:txBody>
+          <a:bodyPr/>
+          <a:lstStyle/>
+          <a:p>
+            <a:r>
+              <a:rPr lang="en-SG" dirty="0"/>
+              <a:t>Install </a:t>
+            </a:r>
+            <a:r>
+              <a:rPr lang="en-SG" dirty="0" err="1"/>
+              <a:t>mysql</a:t>
+            </a:r>
+            <a:r>
+              <a:rPr lang="en-SG" dirty="0"/>
+              <a:t> client</a:t>
+            </a:r>
+          </a:p>
+          <a:p>
+            <a:pPr lvl="1"/>
+            <a:r>
+              <a:rPr lang="en-SG" dirty="0" err="1">
+                <a:latin typeface="Courier New" panose="02070309020205020404" pitchFamily="49" charset="0"/>
+                <a:cs typeface="Courier New" panose="02070309020205020404" pitchFamily="49" charset="0"/>
+              </a:rPr>
+              <a:t>sudo</a:t>
+            </a:r>
+            <a:r>
+              <a:rPr lang="en-SG" dirty="0">
+                <a:latin typeface="Courier New" panose="02070309020205020404" pitchFamily="49" charset="0"/>
+                <a:cs typeface="Courier New" panose="02070309020205020404" pitchFamily="49" charset="0"/>
+              </a:rPr>
+              <a:t> apt-get install </a:t>
+            </a:r>
+            <a:r>
+              <a:rPr lang="en-SG" dirty="0" err="1">
+                <a:latin typeface="Courier New" panose="02070309020205020404" pitchFamily="49" charset="0"/>
+                <a:cs typeface="Courier New" panose="02070309020205020404" pitchFamily="49" charset="0"/>
+              </a:rPr>
+              <a:t>mysql</a:t>
+            </a:r>
+            <a:r>
+              <a:rPr lang="en-SG" dirty="0">
+                <a:latin typeface="Courier New" panose="02070309020205020404" pitchFamily="49" charset="0"/>
+                <a:cs typeface="Courier New" panose="02070309020205020404" pitchFamily="49" charset="0"/>
+              </a:rPr>
+              <a:t>-client</a:t>
+            </a:r>
+          </a:p>
+          <a:p>
+            <a:r>
+              <a:rPr lang="en-SG" dirty="0">
+                <a:latin typeface="+mn-lt"/>
+                <a:cs typeface="Courier New" panose="02070309020205020404" pitchFamily="49" charset="0"/>
+              </a:rPr>
+              <a:t>Connect to server</a:t>
+            </a:r>
+          </a:p>
+          <a:p>
+            <a:pPr lvl="1"/>
+            <a:r>
+              <a:rPr lang="en-SG" dirty="0" err="1">
+                <a:latin typeface="Courier New" panose="02070309020205020404" pitchFamily="49" charset="0"/>
+                <a:cs typeface="Courier New" panose="02070309020205020404" pitchFamily="49" charset="0"/>
+              </a:rPr>
+              <a:t>mysql</a:t>
+            </a:r>
+            <a:r>
+              <a:rPr lang="en-SG" dirty="0">
+                <a:latin typeface="Courier New" panose="02070309020205020404" pitchFamily="49" charset="0"/>
+                <a:cs typeface="Courier New" panose="02070309020205020404" pitchFamily="49" charset="0"/>
+              </a:rPr>
+              <a:t> –u root –p --host=&lt;</a:t>
+            </a:r>
+            <a:r>
+              <a:rPr lang="en-SG" dirty="0" err="1">
+                <a:latin typeface="Courier New" panose="02070309020205020404" pitchFamily="49" charset="0"/>
+                <a:cs typeface="Courier New" panose="02070309020205020404" pitchFamily="49" charset="0"/>
+              </a:rPr>
+              <a:t>PublicIP</a:t>
+            </a:r>
+            <a:r>
+              <a:rPr lang="en-SG" dirty="0">
+                <a:latin typeface="Courier New" panose="02070309020205020404" pitchFamily="49" charset="0"/>
+                <a:cs typeface="Courier New" panose="02070309020205020404" pitchFamily="49" charset="0"/>
+              </a:rPr>
+              <a:t>&gt; --port=3306</a:t>
+            </a:r>
+          </a:p>
+        </p:txBody>
+      </p:sp>
+    </p:spTree>
+    <p:extLst>
+      <p:ext uri="{BB962C8B-B14F-4D97-AF65-F5344CB8AC3E}">
+        <p14:creationId xmlns:p14="http://schemas.microsoft.com/office/powerpoint/2010/main" val="1826668742"/>
+      </p:ext>
+    </p:extLst>
+  </p:cSld>
+  <p:clrMapOvr>
+    <a:masterClrMapping/>
+  </p:clrMapOvr>
+</p:sld>
+</file>
+
+<file path=ppt/slides/slide25.xml><?xml version="1.0" encoding="utf-8"?>
+<p:sld xmlns:a="http://schemas.openxmlformats.org/drawingml/2006/main" xmlns:r="http://schemas.openxmlformats.org/officeDocument/2006/relationships" xmlns:p="http://schemas.openxmlformats.org/presentationml/2006/main">
+  <p:cSld>
+    <p:spTree>
+      <p:nvGrpSpPr>
+        <p:cNvPr id="1" name=""/>
+        <p:cNvGrpSpPr/>
+        <p:nvPr/>
+      </p:nvGrpSpPr>
+      <p:grpSpPr>
+        <a:xfrm>
+          <a:off x="0" y="0"/>
+          <a:ext cx="0" cy="0"/>
+          <a:chOff x="0" y="0"/>
+          <a:chExt cx="0" cy="0"/>
+        </a:xfrm>
+      </p:grpSpPr>
+      <p:sp>
+        <p:nvSpPr>
+          <p:cNvPr id="2" name="Title 1">
+            <a:extLst>
+              <a:ext uri="{FF2B5EF4-FFF2-40B4-BE49-F238E27FC236}">
+                <a16:creationId xmlns:a16="http://schemas.microsoft.com/office/drawing/2014/main" id="{ECABF8B2-7A87-4119-915C-8A2BDA3F2EBC}"/>
+              </a:ext>
+            </a:extLst>
+          </p:cNvPr>
+          <p:cNvSpPr>
+            <a:spLocks noGrp="1"/>
+          </p:cNvSpPr>
+          <p:nvPr>
+            <p:ph type="title"/>
+          </p:nvPr>
+        </p:nvSpPr>
+        <p:spPr/>
+        <p:txBody>
+          <a:bodyPr/>
+          <a:lstStyle/>
+          <a:p>
+            <a:r>
+              <a:rPr lang="en-SG" dirty="0"/>
+              <a:t>AWS: Creating a Snapshot of MySQL server</a:t>
+            </a:r>
+          </a:p>
+        </p:txBody>
+      </p:sp>
+      <p:sp>
+        <p:nvSpPr>
+          <p:cNvPr id="3" name="Text Placeholder 2">
+            <a:extLst>
+              <a:ext uri="{FF2B5EF4-FFF2-40B4-BE49-F238E27FC236}">
+                <a16:creationId xmlns:a16="http://schemas.microsoft.com/office/drawing/2014/main" id="{349F1D8E-1373-428A-AACF-1EB63C183E98}"/>
+              </a:ext>
+            </a:extLst>
+          </p:cNvPr>
+          <p:cNvSpPr>
+            <a:spLocks noGrp="1"/>
+          </p:cNvSpPr>
+          <p:nvPr>
+            <p:ph type="body" idx="1"/>
+          </p:nvPr>
+        </p:nvSpPr>
+        <p:spPr/>
+        <p:txBody>
+          <a:bodyPr/>
+          <a:lstStyle/>
+          <a:p>
+            <a:r>
+              <a:rPr lang="en-SG" dirty="0"/>
+              <a:t>Go to EC2 Dashboard and locate </a:t>
+            </a:r>
+            <a:r>
+              <a:rPr lang="en-SG" dirty="0" err="1"/>
+              <a:t>VolumeID</a:t>
+            </a:r>
+            <a:endParaRPr lang="en-SG" dirty="0"/>
+          </a:p>
+          <a:p>
+            <a:endParaRPr lang="en-SG" dirty="0"/>
+          </a:p>
+          <a:p>
+            <a:pPr marL="114300" indent="0">
+              <a:buNone/>
+            </a:pPr>
+            <a:endParaRPr lang="en-SG" dirty="0"/>
+          </a:p>
+        </p:txBody>
+      </p:sp>
+      <p:pic>
+        <p:nvPicPr>
+          <p:cNvPr id="4" name="Picture 3">
+            <a:extLst>
+              <a:ext uri="{FF2B5EF4-FFF2-40B4-BE49-F238E27FC236}">
+                <a16:creationId xmlns:a16="http://schemas.microsoft.com/office/drawing/2014/main" id="{21700D63-669D-42AF-933B-B6D2648A70B3}"/>
+              </a:ext>
+            </a:extLst>
+          </p:cNvPr>
+          <p:cNvPicPr>
+            <a:picLocks noChangeAspect="1"/>
+          </p:cNvPicPr>
+          <p:nvPr/>
+        </p:nvPicPr>
+        <p:blipFill>
+          <a:blip r:embed="rId2"/>
+          <a:stretch>
+            <a:fillRect/>
+          </a:stretch>
+        </p:blipFill>
+        <p:spPr>
+          <a:xfrm>
+            <a:off x="2342733" y="1569526"/>
+            <a:ext cx="4191005" cy="3573974"/>
+          </a:xfrm>
+          <a:prstGeom prst="rect">
+            <a:avLst/>
+          </a:prstGeom>
+        </p:spPr>
+      </p:pic>
+    </p:spTree>
+    <p:extLst>
+      <p:ext uri="{BB962C8B-B14F-4D97-AF65-F5344CB8AC3E}">
+        <p14:creationId xmlns:p14="http://schemas.microsoft.com/office/powerpoint/2010/main" val="3659621796"/>
+      </p:ext>
+    </p:extLst>
+  </p:cSld>
+  <p:clrMapOvr>
+    <a:masterClrMapping/>
+  </p:clrMapOvr>
+</p:sld>
+</file>
+
+<file path=ppt/slides/slide26.xml><?xml version="1.0" encoding="utf-8"?>
+<p:sld xmlns:a="http://schemas.openxmlformats.org/drawingml/2006/main" xmlns:r="http://schemas.openxmlformats.org/officeDocument/2006/relationships" xmlns:p="http://schemas.openxmlformats.org/presentationml/2006/main">
+  <p:cSld>
+    <p:spTree>
+      <p:nvGrpSpPr>
+        <p:cNvPr id="1" name=""/>
+        <p:cNvGrpSpPr/>
+        <p:nvPr/>
+      </p:nvGrpSpPr>
+      <p:grpSpPr>
+        <a:xfrm>
+          <a:off x="0" y="0"/>
+          <a:ext cx="0" cy="0"/>
+          <a:chOff x="0" y="0"/>
+          <a:chExt cx="0" cy="0"/>
+        </a:xfrm>
+      </p:grpSpPr>
+      <p:sp>
+        <p:nvSpPr>
+          <p:cNvPr id="2" name="Title 1">
+            <a:extLst>
+              <a:ext uri="{FF2B5EF4-FFF2-40B4-BE49-F238E27FC236}">
+                <a16:creationId xmlns:a16="http://schemas.microsoft.com/office/drawing/2014/main" id="{ECABF8B2-7A87-4119-915C-8A2BDA3F2EBC}"/>
+              </a:ext>
+            </a:extLst>
+          </p:cNvPr>
+          <p:cNvSpPr>
+            <a:spLocks noGrp="1"/>
+          </p:cNvSpPr>
+          <p:nvPr>
+            <p:ph type="title"/>
+          </p:nvPr>
+        </p:nvSpPr>
+        <p:spPr/>
+        <p:txBody>
+          <a:bodyPr/>
+          <a:lstStyle/>
+          <a:p>
+            <a:r>
+              <a:rPr lang="en-SG" dirty="0"/>
+              <a:t>AWS: Creating a Snapshot of MySQL server</a:t>
+            </a:r>
+          </a:p>
+        </p:txBody>
+      </p:sp>
+      <p:sp>
+        <p:nvSpPr>
+          <p:cNvPr id="3" name="Text Placeholder 2">
+            <a:extLst>
+              <a:ext uri="{FF2B5EF4-FFF2-40B4-BE49-F238E27FC236}">
+                <a16:creationId xmlns:a16="http://schemas.microsoft.com/office/drawing/2014/main" id="{349F1D8E-1373-428A-AACF-1EB63C183E98}"/>
+              </a:ext>
+            </a:extLst>
+          </p:cNvPr>
+          <p:cNvSpPr>
+            <a:spLocks noGrp="1"/>
+          </p:cNvSpPr>
+          <p:nvPr>
+            <p:ph type="body" idx="1"/>
+          </p:nvPr>
+        </p:nvSpPr>
+        <p:spPr/>
+        <p:txBody>
+          <a:bodyPr/>
+          <a:lstStyle/>
+          <a:p>
+            <a:r>
+              <a:rPr lang="en-SG" dirty="0"/>
+              <a:t>Navigate to Volume dashboard and select create Snapshot from context menu.</a:t>
+            </a:r>
+          </a:p>
+          <a:p>
+            <a:endParaRPr lang="en-SG" dirty="0"/>
+          </a:p>
+          <a:p>
+            <a:pPr marL="114300" indent="0">
+              <a:buNone/>
+            </a:pPr>
+            <a:endParaRPr lang="en-SG" dirty="0"/>
+          </a:p>
+        </p:txBody>
+      </p:sp>
+      <p:pic>
+        <p:nvPicPr>
+          <p:cNvPr id="5" name="Picture 4">
+            <a:extLst>
+              <a:ext uri="{FF2B5EF4-FFF2-40B4-BE49-F238E27FC236}">
+                <a16:creationId xmlns:a16="http://schemas.microsoft.com/office/drawing/2014/main" id="{AC4DAC1A-7FB7-4D69-B19F-E6D6CBC9AD4D}"/>
+              </a:ext>
+            </a:extLst>
+          </p:cNvPr>
+          <p:cNvPicPr>
+            <a:picLocks noChangeAspect="1"/>
+          </p:cNvPicPr>
+          <p:nvPr/>
+        </p:nvPicPr>
+        <p:blipFill>
+          <a:blip r:embed="rId2"/>
+          <a:stretch>
+            <a:fillRect/>
+          </a:stretch>
+        </p:blipFill>
+        <p:spPr>
+          <a:xfrm>
+            <a:off x="2029033" y="1863996"/>
+            <a:ext cx="4258438" cy="3072595"/>
+          </a:xfrm>
+          <a:prstGeom prst="rect">
+            <a:avLst/>
+          </a:prstGeom>
+        </p:spPr>
+      </p:pic>
+    </p:spTree>
+    <p:extLst>
+      <p:ext uri="{BB962C8B-B14F-4D97-AF65-F5344CB8AC3E}">
+        <p14:creationId xmlns:p14="http://schemas.microsoft.com/office/powerpoint/2010/main" val="1863269367"/>
+      </p:ext>
+    </p:extLst>
+  </p:cSld>
+  <p:clrMapOvr>
+    <a:masterClrMapping/>
+  </p:clrMapOvr>
+</p:sld>
+</file>
+
+<file path=ppt/slides/slide27.xml><?xml version="1.0" encoding="utf-8"?>
+<p:sld xmlns:a="http://schemas.openxmlformats.org/drawingml/2006/main" xmlns:r="http://schemas.openxmlformats.org/officeDocument/2006/relationships" xmlns:p="http://schemas.openxmlformats.org/presentationml/2006/main">
+  <p:cSld>
+    <p:spTree>
+      <p:nvGrpSpPr>
+        <p:cNvPr id="1" name=""/>
+        <p:cNvGrpSpPr/>
+        <p:nvPr/>
+      </p:nvGrpSpPr>
+      <p:grpSpPr>
+        <a:xfrm>
+          <a:off x="0" y="0"/>
+          <a:ext cx="0" cy="0"/>
+          <a:chOff x="0" y="0"/>
+          <a:chExt cx="0" cy="0"/>
+        </a:xfrm>
+      </p:grpSpPr>
+      <p:sp>
+        <p:nvSpPr>
+          <p:cNvPr id="2" name="Title 1">
+            <a:extLst>
+              <a:ext uri="{FF2B5EF4-FFF2-40B4-BE49-F238E27FC236}">
+                <a16:creationId xmlns:a16="http://schemas.microsoft.com/office/drawing/2014/main" id="{ECABF8B2-7A87-4119-915C-8A2BDA3F2EBC}"/>
+              </a:ext>
+            </a:extLst>
+          </p:cNvPr>
+          <p:cNvSpPr>
+            <a:spLocks noGrp="1"/>
+          </p:cNvSpPr>
+          <p:nvPr>
+            <p:ph type="title"/>
+          </p:nvPr>
+        </p:nvSpPr>
+        <p:spPr/>
+        <p:txBody>
+          <a:bodyPr/>
+          <a:lstStyle/>
+          <a:p>
+            <a:r>
+              <a:rPr lang="en-SG" dirty="0"/>
+              <a:t>AWS: Creating a Snapshot of MySQL server</a:t>
+            </a:r>
+          </a:p>
+        </p:txBody>
+      </p:sp>
+      <p:sp>
+        <p:nvSpPr>
+          <p:cNvPr id="3" name="Text Placeholder 2">
+            <a:extLst>
+              <a:ext uri="{FF2B5EF4-FFF2-40B4-BE49-F238E27FC236}">
+                <a16:creationId xmlns:a16="http://schemas.microsoft.com/office/drawing/2014/main" id="{349F1D8E-1373-428A-AACF-1EB63C183E98}"/>
+              </a:ext>
+            </a:extLst>
+          </p:cNvPr>
+          <p:cNvSpPr>
+            <a:spLocks noGrp="1"/>
+          </p:cNvSpPr>
+          <p:nvPr>
+            <p:ph type="body" idx="1"/>
+          </p:nvPr>
+        </p:nvSpPr>
+        <p:spPr/>
+        <p:txBody>
+          <a:bodyPr/>
+          <a:lstStyle/>
+          <a:p>
+            <a:r>
+              <a:rPr lang="en-SG" dirty="0"/>
+              <a:t>Create snapshot</a:t>
+            </a:r>
+          </a:p>
+          <a:p>
+            <a:pPr marL="114300" indent="0">
+              <a:buNone/>
+            </a:pPr>
+            <a:endParaRPr lang="en-SG" dirty="0"/>
+          </a:p>
+        </p:txBody>
+      </p:sp>
+      <p:pic>
+        <p:nvPicPr>
+          <p:cNvPr id="4" name="Picture 3">
+            <a:extLst>
+              <a:ext uri="{FF2B5EF4-FFF2-40B4-BE49-F238E27FC236}">
+                <a16:creationId xmlns:a16="http://schemas.microsoft.com/office/drawing/2014/main" id="{166FF75D-5D69-456C-8FB5-A58270E65625}"/>
+              </a:ext>
+            </a:extLst>
+          </p:cNvPr>
+          <p:cNvPicPr>
+            <a:picLocks noChangeAspect="1"/>
+          </p:cNvPicPr>
+          <p:nvPr/>
+        </p:nvPicPr>
+        <p:blipFill>
+          <a:blip r:embed="rId2"/>
+          <a:stretch>
+            <a:fillRect/>
+          </a:stretch>
+        </p:blipFill>
+        <p:spPr>
+          <a:xfrm>
+            <a:off x="2118599" y="2015683"/>
+            <a:ext cx="4906802" cy="3027699"/>
+          </a:xfrm>
+          <a:prstGeom prst="rect">
+            <a:avLst/>
+          </a:prstGeom>
+        </p:spPr>
+      </p:pic>
+    </p:spTree>
+    <p:extLst>
+      <p:ext uri="{BB962C8B-B14F-4D97-AF65-F5344CB8AC3E}">
+        <p14:creationId xmlns:p14="http://schemas.microsoft.com/office/powerpoint/2010/main" val="2716547992"/>
+      </p:ext>
+    </p:extLst>
+  </p:cSld>
+  <p:clrMapOvr>
+    <a:masterClrMapping/>
+  </p:clrMapOvr>
+</p:sld>
+</file>
+
+<file path=ppt/slides/slide28.xml><?xml version="1.0" encoding="utf-8"?>
+<p:sld xmlns:a="http://schemas.openxmlformats.org/drawingml/2006/main" xmlns:r="http://schemas.openxmlformats.org/officeDocument/2006/relationships" xmlns:p="http://schemas.openxmlformats.org/presentationml/2006/main">
+  <p:cSld>
+    <p:spTree>
+      <p:nvGrpSpPr>
+        <p:cNvPr id="1" name=""/>
+        <p:cNvGrpSpPr/>
+        <p:nvPr/>
+      </p:nvGrpSpPr>
+      <p:grpSpPr>
+        <a:xfrm>
+          <a:off x="0" y="0"/>
+          <a:ext cx="0" cy="0"/>
+          <a:chOff x="0" y="0"/>
+          <a:chExt cx="0" cy="0"/>
+        </a:xfrm>
+      </p:grpSpPr>
+      <p:sp>
+        <p:nvSpPr>
+          <p:cNvPr id="2" name="Title 1">
+            <a:extLst>
+              <a:ext uri="{FF2B5EF4-FFF2-40B4-BE49-F238E27FC236}">
+                <a16:creationId xmlns:a16="http://schemas.microsoft.com/office/drawing/2014/main" id="{ECABF8B2-7A87-4119-915C-8A2BDA3F2EBC}"/>
+              </a:ext>
+            </a:extLst>
+          </p:cNvPr>
+          <p:cNvSpPr>
+            <a:spLocks noGrp="1"/>
+          </p:cNvSpPr>
+          <p:nvPr>
+            <p:ph type="title"/>
+          </p:nvPr>
+        </p:nvSpPr>
+        <p:spPr/>
+        <p:txBody>
+          <a:bodyPr/>
+          <a:lstStyle/>
+          <a:p>
+            <a:r>
+              <a:rPr lang="en-SG" dirty="0"/>
+              <a:t>AWS: Launching EC2 using snapshot</a:t>
+            </a:r>
+          </a:p>
+        </p:txBody>
+      </p:sp>
+      <p:sp>
+        <p:nvSpPr>
+          <p:cNvPr id="3" name="Text Placeholder 2">
+            <a:extLst>
+              <a:ext uri="{FF2B5EF4-FFF2-40B4-BE49-F238E27FC236}">
+                <a16:creationId xmlns:a16="http://schemas.microsoft.com/office/drawing/2014/main" id="{349F1D8E-1373-428A-AACF-1EB63C183E98}"/>
+              </a:ext>
+            </a:extLst>
+          </p:cNvPr>
+          <p:cNvSpPr>
+            <a:spLocks noGrp="1"/>
+          </p:cNvSpPr>
+          <p:nvPr>
+            <p:ph type="body" idx="1"/>
+          </p:nvPr>
+        </p:nvSpPr>
+        <p:spPr/>
+        <p:txBody>
+          <a:bodyPr/>
+          <a:lstStyle/>
+          <a:p>
+            <a:r>
+              <a:rPr lang="en-SG" dirty="0"/>
+              <a:t>Create Image</a:t>
+            </a:r>
+          </a:p>
+          <a:p>
+            <a:pPr marL="114300" indent="0">
+              <a:buNone/>
+            </a:pPr>
+            <a:endParaRPr lang="en-SG" dirty="0"/>
+          </a:p>
+        </p:txBody>
+      </p:sp>
+      <p:pic>
+        <p:nvPicPr>
+          <p:cNvPr id="5" name="Picture 4">
+            <a:extLst>
+              <a:ext uri="{FF2B5EF4-FFF2-40B4-BE49-F238E27FC236}">
+                <a16:creationId xmlns:a16="http://schemas.microsoft.com/office/drawing/2014/main" id="{39A0BF7D-3138-4F7F-8D45-1BF341F1A368}"/>
+              </a:ext>
+            </a:extLst>
+          </p:cNvPr>
+          <p:cNvPicPr>
+            <a:picLocks noChangeAspect="1"/>
+          </p:cNvPicPr>
+          <p:nvPr/>
+        </p:nvPicPr>
+        <p:blipFill>
+          <a:blip r:embed="rId2"/>
+          <a:stretch>
+            <a:fillRect/>
+          </a:stretch>
+        </p:blipFill>
+        <p:spPr>
+          <a:xfrm>
+            <a:off x="0" y="1878331"/>
+            <a:ext cx="4434844" cy="2771259"/>
+          </a:xfrm>
+          <a:prstGeom prst="rect">
+            <a:avLst/>
+          </a:prstGeom>
+        </p:spPr>
+      </p:pic>
+      <p:pic>
+        <p:nvPicPr>
+          <p:cNvPr id="6" name="Picture 5">
+            <a:extLst>
+              <a:ext uri="{FF2B5EF4-FFF2-40B4-BE49-F238E27FC236}">
+                <a16:creationId xmlns:a16="http://schemas.microsoft.com/office/drawing/2014/main" id="{1A03850B-057A-4DC4-97E6-336E757981DB}"/>
+              </a:ext>
+            </a:extLst>
+          </p:cNvPr>
+          <p:cNvPicPr>
+            <a:picLocks noChangeAspect="1"/>
+          </p:cNvPicPr>
+          <p:nvPr/>
+        </p:nvPicPr>
+        <p:blipFill>
+          <a:blip r:embed="rId3"/>
+          <a:stretch>
+            <a:fillRect/>
+          </a:stretch>
+        </p:blipFill>
+        <p:spPr>
+          <a:xfrm>
+            <a:off x="4746544" y="1868846"/>
+            <a:ext cx="4397456" cy="2780744"/>
+          </a:xfrm>
+          <a:prstGeom prst="rect">
+            <a:avLst/>
+          </a:prstGeom>
+        </p:spPr>
+      </p:pic>
+    </p:spTree>
+    <p:extLst>
+      <p:ext uri="{BB962C8B-B14F-4D97-AF65-F5344CB8AC3E}">
+        <p14:creationId xmlns:p14="http://schemas.microsoft.com/office/powerpoint/2010/main" val="1889283167"/>
+      </p:ext>
+    </p:extLst>
+  </p:cSld>
+  <p:clrMapOvr>
+    <a:masterClrMapping/>
+  </p:clrMapOvr>
+</p:sld>
+</file>
+
+<file path=ppt/slides/slide29.xml><?xml version="1.0" encoding="utf-8"?>
+<p:sld xmlns:a="http://schemas.openxmlformats.org/drawingml/2006/main" xmlns:r="http://schemas.openxmlformats.org/officeDocument/2006/relationships" xmlns:p="http://schemas.openxmlformats.org/presentationml/2006/main">
+  <p:cSld>
+    <p:spTree>
+      <p:nvGrpSpPr>
+        <p:cNvPr id="1" name=""/>
+        <p:cNvGrpSpPr/>
+        <p:nvPr/>
+      </p:nvGrpSpPr>
+      <p:grpSpPr>
+        <a:xfrm>
+          <a:off x="0" y="0"/>
+          <a:ext cx="0" cy="0"/>
+          <a:chOff x="0" y="0"/>
+          <a:chExt cx="0" cy="0"/>
+        </a:xfrm>
+      </p:grpSpPr>
+      <p:sp>
+        <p:nvSpPr>
+          <p:cNvPr id="2" name="Title 1">
+            <a:extLst>
+              <a:ext uri="{FF2B5EF4-FFF2-40B4-BE49-F238E27FC236}">
+                <a16:creationId xmlns:a16="http://schemas.microsoft.com/office/drawing/2014/main" id="{ECABF8B2-7A87-4119-915C-8A2BDA3F2EBC}"/>
+              </a:ext>
+            </a:extLst>
+          </p:cNvPr>
+          <p:cNvSpPr>
+            <a:spLocks noGrp="1"/>
+          </p:cNvSpPr>
+          <p:nvPr>
+            <p:ph type="title"/>
+          </p:nvPr>
+        </p:nvSpPr>
+        <p:spPr/>
+        <p:txBody>
+          <a:bodyPr/>
+          <a:lstStyle/>
+          <a:p>
+            <a:r>
+              <a:rPr lang="en-SG" dirty="0"/>
+              <a:t>AWS: Launching EC2 using snapshot</a:t>
+            </a:r>
+          </a:p>
+        </p:txBody>
+      </p:sp>
+      <p:sp>
+        <p:nvSpPr>
+          <p:cNvPr id="3" name="Text Placeholder 2">
+            <a:extLst>
+              <a:ext uri="{FF2B5EF4-FFF2-40B4-BE49-F238E27FC236}">
+                <a16:creationId xmlns:a16="http://schemas.microsoft.com/office/drawing/2014/main" id="{349F1D8E-1373-428A-AACF-1EB63C183E98}"/>
+              </a:ext>
+            </a:extLst>
+          </p:cNvPr>
+          <p:cNvSpPr>
+            <a:spLocks noGrp="1"/>
+          </p:cNvSpPr>
+          <p:nvPr>
+            <p:ph type="body" idx="1"/>
+          </p:nvPr>
+        </p:nvSpPr>
+        <p:spPr/>
+        <p:txBody>
+          <a:bodyPr/>
+          <a:lstStyle/>
+          <a:p>
+            <a:r>
+              <a:rPr lang="en-SG" dirty="0"/>
+              <a:t>Launch Image</a:t>
+            </a:r>
+          </a:p>
+          <a:p>
+            <a:pPr marL="114300" indent="0">
+              <a:buNone/>
+            </a:pPr>
+            <a:endParaRPr lang="en-SG" dirty="0"/>
+          </a:p>
+        </p:txBody>
+      </p:sp>
+      <p:pic>
+        <p:nvPicPr>
+          <p:cNvPr id="4" name="Picture 3">
+            <a:extLst>
+              <a:ext uri="{FF2B5EF4-FFF2-40B4-BE49-F238E27FC236}">
+                <a16:creationId xmlns:a16="http://schemas.microsoft.com/office/drawing/2014/main" id="{46732DB4-FEA0-41BA-A520-D39832258224}"/>
+              </a:ext>
+            </a:extLst>
+          </p:cNvPr>
+          <p:cNvPicPr>
+            <a:picLocks noChangeAspect="1"/>
+          </p:cNvPicPr>
+          <p:nvPr/>
+        </p:nvPicPr>
+        <p:blipFill>
+          <a:blip r:embed="rId2"/>
+          <a:stretch>
+            <a:fillRect/>
+          </a:stretch>
+        </p:blipFill>
+        <p:spPr>
+          <a:xfrm>
+            <a:off x="1771541" y="1608203"/>
+            <a:ext cx="4969127" cy="3090272"/>
+          </a:xfrm>
+          <a:prstGeom prst="rect">
+            <a:avLst/>
+          </a:prstGeom>
+        </p:spPr>
+      </p:pic>
+    </p:spTree>
+    <p:extLst>
+      <p:ext uri="{BB962C8B-B14F-4D97-AF65-F5344CB8AC3E}">
+        <p14:creationId xmlns:p14="http://schemas.microsoft.com/office/powerpoint/2010/main" val="2271239432"/>
+      </p:ext>
+    </p:extLst>
+  </p:cSld>
+  <p:clrMapOvr>
+    <a:masterClrMapping/>
+  </p:clrMapOvr>
+</p:sld>
+</file>
+
+<file path=ppt/slides/slide3.xml><?xml version="1.0" encoding="utf-8"?>
+<p:sld xmlns:a="http://schemas.openxmlformats.org/drawingml/2006/main" xmlns:r="http://schemas.openxmlformats.org/officeDocument/2006/relationships" xmlns:p="http://schemas.openxmlformats.org/presentationml/2006/main">
+  <p:cSld>
+    <p:spTree>
+      <p:nvGrpSpPr>
+        <p:cNvPr id="1" name=""/>
+        <p:cNvGrpSpPr/>
+        <p:nvPr/>
+      </p:nvGrpSpPr>
+      <p:grpSpPr>
+        <a:xfrm>
+          <a:off x="0" y="0"/>
+          <a:ext cx="0" cy="0"/>
+          <a:chOff x="0" y="0"/>
+          <a:chExt cx="0" cy="0"/>
+        </a:xfrm>
+      </p:grpSpPr>
+      <p:sp>
+        <p:nvSpPr>
+          <p:cNvPr id="2" name="Title 1">
+            <a:extLst>
+              <a:ext uri="{FF2B5EF4-FFF2-40B4-BE49-F238E27FC236}">
+                <a16:creationId xmlns:a16="http://schemas.microsoft.com/office/drawing/2014/main" id="{F3088535-8690-4D9C-8FB4-7EF660BAD105}"/>
+              </a:ext>
+            </a:extLst>
+          </p:cNvPr>
+          <p:cNvSpPr>
+            <a:spLocks noGrp="1"/>
+          </p:cNvSpPr>
+          <p:nvPr>
+            <p:ph type="title"/>
+          </p:nvPr>
+        </p:nvSpPr>
+        <p:spPr/>
+        <p:txBody>
+          <a:bodyPr/>
+          <a:lstStyle/>
+          <a:p>
+            <a:r>
+              <a:rPr lang="en-SG" dirty="0"/>
+              <a:t>AWS</a:t>
+            </a:r>
+          </a:p>
+        </p:txBody>
+      </p:sp>
+      <p:sp>
+        <p:nvSpPr>
+          <p:cNvPr id="3" name="Text Placeholder 2">
+            <a:extLst>
+              <a:ext uri="{FF2B5EF4-FFF2-40B4-BE49-F238E27FC236}">
+                <a16:creationId xmlns:a16="http://schemas.microsoft.com/office/drawing/2014/main" id="{15560D48-ECEB-405D-B08A-3149D3DEC5F9}"/>
+              </a:ext>
+            </a:extLst>
+          </p:cNvPr>
+          <p:cNvSpPr>
+            <a:spLocks noGrp="1"/>
+          </p:cNvSpPr>
+          <p:nvPr>
+            <p:ph type="body" idx="1"/>
+          </p:nvPr>
+        </p:nvSpPr>
+        <p:spPr/>
+        <p:txBody>
+          <a:bodyPr/>
+          <a:lstStyle/>
+          <a:p>
+            <a:r>
+              <a:rPr lang="en-SG" dirty="0"/>
+              <a:t>Services</a:t>
+            </a:r>
+          </a:p>
+          <a:p>
+            <a:pPr lvl="1"/>
+            <a:r>
+              <a:rPr lang="en-SG" dirty="0"/>
+              <a:t>EC2, RDS, DynamoDB, API Gateway, Lambda Functions (serverless), AWS </a:t>
+            </a:r>
+            <a:r>
+              <a:rPr lang="en-SG" dirty="0" err="1"/>
+              <a:t>Cloudformation</a:t>
+            </a:r>
+            <a:endParaRPr lang="en-SG" dirty="0"/>
+          </a:p>
+          <a:p>
+            <a:pPr marL="76200" indent="0">
+              <a:buNone/>
+            </a:pPr>
+            <a:endParaRPr lang="en-SG" dirty="0"/>
+          </a:p>
+        </p:txBody>
+      </p:sp>
+    </p:spTree>
+    <p:extLst>
+      <p:ext uri="{BB962C8B-B14F-4D97-AF65-F5344CB8AC3E}">
+        <p14:creationId xmlns:p14="http://schemas.microsoft.com/office/powerpoint/2010/main" val="3768977996"/>
+      </p:ext>
+    </p:extLst>
+  </p:cSld>
+  <p:clrMapOvr>
+    <a:masterClrMapping/>
+  </p:clrMapOvr>
+</p:sld>
+</file>
+
+<file path=ppt/slides/slide30.xml><?xml version="1.0" encoding="utf-8"?>
+<p:sld xmlns:a="http://schemas.openxmlformats.org/drawingml/2006/main" xmlns:r="http://schemas.openxmlformats.org/officeDocument/2006/relationships" xmlns:p="http://schemas.openxmlformats.org/presentationml/2006/main">
+  <p:cSld>
+    <p:spTree>
+      <p:nvGrpSpPr>
+        <p:cNvPr id="1" name=""/>
+        <p:cNvGrpSpPr/>
+        <p:nvPr/>
+      </p:nvGrpSpPr>
+      <p:grpSpPr>
+        <a:xfrm>
+          <a:off x="0" y="0"/>
+          <a:ext cx="0" cy="0"/>
+          <a:chOff x="0" y="0"/>
+          <a:chExt cx="0" cy="0"/>
+        </a:xfrm>
+      </p:grpSpPr>
+      <p:sp>
+        <p:nvSpPr>
+          <p:cNvPr id="2" name="Title 1">
+            <a:extLst>
+              <a:ext uri="{FF2B5EF4-FFF2-40B4-BE49-F238E27FC236}">
+                <a16:creationId xmlns:a16="http://schemas.microsoft.com/office/drawing/2014/main" id="{ECABF8B2-7A87-4119-915C-8A2BDA3F2EBC}"/>
+              </a:ext>
+            </a:extLst>
+          </p:cNvPr>
+          <p:cNvSpPr>
+            <a:spLocks noGrp="1"/>
+          </p:cNvSpPr>
+          <p:nvPr>
+            <p:ph type="title"/>
+          </p:nvPr>
+        </p:nvSpPr>
+        <p:spPr/>
+        <p:txBody>
+          <a:bodyPr/>
+          <a:lstStyle/>
+          <a:p>
+            <a:r>
+              <a:rPr lang="en-SG" dirty="0"/>
+              <a:t>AWS: Launching EC2 using snapshot</a:t>
+            </a:r>
+          </a:p>
+        </p:txBody>
+      </p:sp>
+      <p:sp>
+        <p:nvSpPr>
+          <p:cNvPr id="3" name="Text Placeholder 2">
+            <a:extLst>
+              <a:ext uri="{FF2B5EF4-FFF2-40B4-BE49-F238E27FC236}">
+                <a16:creationId xmlns:a16="http://schemas.microsoft.com/office/drawing/2014/main" id="{349F1D8E-1373-428A-AACF-1EB63C183E98}"/>
+              </a:ext>
+            </a:extLst>
+          </p:cNvPr>
+          <p:cNvSpPr>
+            <a:spLocks noGrp="1"/>
+          </p:cNvSpPr>
+          <p:nvPr>
+            <p:ph type="body" idx="1"/>
+          </p:nvPr>
+        </p:nvSpPr>
+        <p:spPr/>
+        <p:txBody>
+          <a:bodyPr/>
+          <a:lstStyle/>
+          <a:p>
+            <a:r>
+              <a:rPr lang="en-SG" dirty="0"/>
+              <a:t>Launch a different instance type</a:t>
+            </a:r>
+          </a:p>
+          <a:p>
+            <a:pPr marL="114300" indent="0">
+              <a:buNone/>
+            </a:pPr>
+            <a:endParaRPr lang="en-SG" dirty="0"/>
+          </a:p>
+        </p:txBody>
+      </p:sp>
+      <p:pic>
+        <p:nvPicPr>
+          <p:cNvPr id="5" name="Picture 4">
+            <a:extLst>
+              <a:ext uri="{FF2B5EF4-FFF2-40B4-BE49-F238E27FC236}">
+                <a16:creationId xmlns:a16="http://schemas.microsoft.com/office/drawing/2014/main" id="{ADB2F1F1-EA96-4141-BC2D-AEB4F2D95CF5}"/>
+              </a:ext>
+            </a:extLst>
+          </p:cNvPr>
+          <p:cNvPicPr>
+            <a:picLocks noChangeAspect="1"/>
+          </p:cNvPicPr>
+          <p:nvPr/>
+        </p:nvPicPr>
+        <p:blipFill>
+          <a:blip r:embed="rId2"/>
+          <a:stretch>
+            <a:fillRect/>
+          </a:stretch>
+        </p:blipFill>
+        <p:spPr>
+          <a:xfrm>
+            <a:off x="1975112" y="1608203"/>
+            <a:ext cx="4832830" cy="3539362"/>
+          </a:xfrm>
+          <a:prstGeom prst="rect">
+            <a:avLst/>
+          </a:prstGeom>
+        </p:spPr>
+      </p:pic>
+    </p:spTree>
+    <p:extLst>
+      <p:ext uri="{BB962C8B-B14F-4D97-AF65-F5344CB8AC3E}">
+        <p14:creationId xmlns:p14="http://schemas.microsoft.com/office/powerpoint/2010/main" val="2329748002"/>
+      </p:ext>
+    </p:extLst>
+  </p:cSld>
+  <p:clrMapOvr>
+    <a:masterClrMapping/>
+  </p:clrMapOvr>
+</p:sld>
+</file>
+
+<file path=ppt/slides/slide31.xml><?xml version="1.0" encoding="utf-8"?>
 <p:sld xmlns:a="http://schemas.openxmlformats.org/drawingml/2006/main" xmlns:r="http://schemas.openxmlformats.org/officeDocument/2006/relationships" xmlns:p="http://schemas.openxmlformats.org/presentationml/2006/main">
   <p:cSld>
     <p:spTree>
@@ -20116,7 +23839,7 @@
 </p:sld>
 </file>
 
-<file path=ppt/slides/slide21.xml><?xml version="1.0" encoding="utf-8"?>
+<file path=ppt/slides/slide32.xml><?xml version="1.0" encoding="utf-8"?>
 <p:sld xmlns:a="http://schemas.openxmlformats.org/drawingml/2006/main" xmlns:r="http://schemas.openxmlformats.org/officeDocument/2006/relationships" xmlns:p="http://schemas.openxmlformats.org/presentationml/2006/main">
   <p:cSld>
     <p:spTree>
@@ -21341,346 +25064,7 @@
 </p:sld>
 </file>
 
-<file path=ppt/slides/slide22.xml><?xml version="1.0" encoding="utf-8"?>
-<p:sld xmlns:a="http://schemas.openxmlformats.org/drawingml/2006/main" xmlns:r="http://schemas.openxmlformats.org/officeDocument/2006/relationships" xmlns:p="http://schemas.openxmlformats.org/presentationml/2006/main">
-  <p:cSld>
-    <p:spTree>
-      <p:nvGrpSpPr>
-        <p:cNvPr id="1" name="Shape 260"/>
-        <p:cNvGrpSpPr/>
-        <p:nvPr/>
-      </p:nvGrpSpPr>
-      <p:grpSpPr>
-        <a:xfrm>
-          <a:off x="0" y="0"/>
-          <a:ext cx="0" cy="0"/>
-          <a:chOff x="0" y="0"/>
-          <a:chExt cx="0" cy="0"/>
-        </a:xfrm>
-      </p:grpSpPr>
-      <p:sp>
-        <p:nvSpPr>
-          <p:cNvPr id="261" name="Google Shape;261;p38"/>
-          <p:cNvSpPr txBox="1">
-            <a:spLocks noGrp="1"/>
-          </p:cNvSpPr>
-          <p:nvPr>
-            <p:ph type="title"/>
-          </p:nvPr>
-        </p:nvSpPr>
-        <p:spPr>
-          <a:xfrm>
-            <a:off x="311700" y="445025"/>
-            <a:ext cx="8520600" cy="572700"/>
-          </a:xfrm>
-          <a:prstGeom prst="rect">
-            <a:avLst/>
-          </a:prstGeom>
-        </p:spPr>
-        <p:txBody>
-          <a:bodyPr spcFirstLastPara="1" wrap="square" lIns="91425" tIns="91425" rIns="91425" bIns="91425" anchor="t" anchorCtr="0">
-            <a:noAutofit/>
-          </a:bodyPr>
-          <a:lstStyle/>
-          <a:p>
-            <a:pPr marL="0" lvl="0" indent="0" algn="l" rtl="0">
-              <a:spcBef>
-                <a:spcPts val="0"/>
-              </a:spcBef>
-              <a:spcAft>
-                <a:spcPts val="0"/>
-              </a:spcAft>
-              <a:buNone/>
-            </a:pPr>
-            <a:r>
-              <a:rPr lang="en"/>
-              <a:t>Security Group</a:t>
-            </a:r>
-            <a:endParaRPr/>
-          </a:p>
-        </p:txBody>
-      </p:sp>
-      <p:sp>
-        <p:nvSpPr>
-          <p:cNvPr id="262" name="Google Shape;262;p38"/>
-          <p:cNvSpPr txBox="1">
-            <a:spLocks noGrp="1"/>
-          </p:cNvSpPr>
-          <p:nvPr>
-            <p:ph type="body" idx="1"/>
-          </p:nvPr>
-        </p:nvSpPr>
-        <p:spPr>
-          <a:xfrm>
-            <a:off x="311700" y="1152475"/>
-            <a:ext cx="8520600" cy="3416400"/>
-          </a:xfrm>
-          <a:prstGeom prst="rect">
-            <a:avLst/>
-          </a:prstGeom>
-        </p:spPr>
-        <p:txBody>
-          <a:bodyPr spcFirstLastPara="1" wrap="square" lIns="91425" tIns="91425" rIns="91425" bIns="91425" anchor="t" anchorCtr="0">
-            <a:noAutofit/>
-          </a:bodyPr>
-          <a:lstStyle/>
-          <a:p>
-            <a:pPr marL="457200" lvl="0" indent="-342900" algn="l" rtl="0">
-              <a:spcBef>
-                <a:spcPts val="0"/>
-              </a:spcBef>
-              <a:spcAft>
-                <a:spcPts val="0"/>
-              </a:spcAft>
-              <a:buSzPts val="1800"/>
-              <a:buChar char="●"/>
-            </a:pPr>
-            <a:r>
-              <a:rPr lang="en"/>
-              <a:t>Make sure that you allow SSH access</a:t>
-            </a:r>
-            <a:endParaRPr/>
-          </a:p>
-        </p:txBody>
-      </p:sp>
-      <p:pic>
-        <p:nvPicPr>
-          <p:cNvPr id="263" name="Google Shape;263;p38"/>
-          <p:cNvPicPr preferRelativeResize="0"/>
-          <p:nvPr/>
-        </p:nvPicPr>
-        <p:blipFill>
-          <a:blip r:embed="rId3">
-            <a:alphaModFix/>
-          </a:blip>
-          <a:stretch>
-            <a:fillRect/>
-          </a:stretch>
-        </p:blipFill>
-        <p:spPr>
-          <a:xfrm>
-            <a:off x="669725" y="1626299"/>
-            <a:ext cx="8029924" cy="3354626"/>
-          </a:xfrm>
-          <a:prstGeom prst="rect">
-            <a:avLst/>
-          </a:prstGeom>
-          <a:noFill/>
-          <a:ln>
-            <a:noFill/>
-          </a:ln>
-        </p:spPr>
-      </p:pic>
-      <p:sp>
-        <p:nvSpPr>
-          <p:cNvPr id="264" name="Google Shape;264;p38"/>
-          <p:cNvSpPr/>
-          <p:nvPr/>
-        </p:nvSpPr>
-        <p:spPr>
-          <a:xfrm>
-            <a:off x="608850" y="4638850"/>
-            <a:ext cx="1077300" cy="194700"/>
-          </a:xfrm>
-          <a:prstGeom prst="rect">
-            <a:avLst/>
-          </a:prstGeom>
-          <a:noFill/>
-          <a:ln w="19050" cap="flat" cmpd="sng">
-            <a:solidFill>
-              <a:srgbClr val="FF0000"/>
-            </a:solidFill>
-            <a:prstDash val="solid"/>
-            <a:round/>
-            <a:headEnd type="none" w="sm" len="sm"/>
-            <a:tailEnd type="none" w="sm" len="sm"/>
-          </a:ln>
-        </p:spPr>
-        <p:txBody>
-          <a:bodyPr spcFirstLastPara="1" wrap="square" lIns="91425" tIns="91425" rIns="91425" bIns="91425" anchor="ctr" anchorCtr="0">
-            <a:noAutofit/>
-          </a:bodyPr>
-          <a:lstStyle/>
-          <a:p>
-            <a:pPr marL="0" marR="0" lvl="0" indent="0" algn="l" defTabSz="914400" rtl="0" eaLnBrk="1" fontAlgn="auto" latinLnBrk="0" hangingPunct="1">
-              <a:lnSpc>
-                <a:spcPct val="100000"/>
-              </a:lnSpc>
-              <a:spcBef>
-                <a:spcPts val="0"/>
-              </a:spcBef>
-              <a:spcAft>
-                <a:spcPts val="0"/>
-              </a:spcAft>
-              <a:buClr>
-                <a:srgbClr val="000000"/>
-              </a:buClr>
-              <a:buSzTx/>
-              <a:buFont typeface="Arial"/>
-              <a:buNone/>
-              <a:tabLst/>
-              <a:defRPr/>
-            </a:pPr>
-            <a:endParaRPr kumimoji="0" sz="1400" b="0" i="0" u="none" strike="noStrike" kern="0" cap="none" spc="0" normalizeH="0" baseline="0" noProof="0">
-              <a:ln>
-                <a:noFill/>
-              </a:ln>
-              <a:solidFill>
-                <a:srgbClr val="000000"/>
-              </a:solidFill>
-              <a:effectLst/>
-              <a:uLnTx/>
-              <a:uFillTx/>
-              <a:latin typeface="Arial"/>
-              <a:cs typeface="Arial"/>
-              <a:sym typeface="Arial"/>
-            </a:endParaRPr>
-          </a:p>
-        </p:txBody>
-      </p:sp>
-      <p:sp>
-        <p:nvSpPr>
-          <p:cNvPr id="265" name="Google Shape;265;p38"/>
-          <p:cNvSpPr/>
-          <p:nvPr/>
-        </p:nvSpPr>
-        <p:spPr>
-          <a:xfrm>
-            <a:off x="1862750" y="4730175"/>
-            <a:ext cx="5569500" cy="208200"/>
-          </a:xfrm>
-          <a:prstGeom prst="rect">
-            <a:avLst/>
-          </a:prstGeom>
-          <a:noFill/>
-          <a:ln w="19050" cap="flat" cmpd="sng">
-            <a:solidFill>
-              <a:srgbClr val="FF0000"/>
-            </a:solidFill>
-            <a:prstDash val="solid"/>
-            <a:round/>
-            <a:headEnd type="none" w="sm" len="sm"/>
-            <a:tailEnd type="none" w="sm" len="sm"/>
-          </a:ln>
-        </p:spPr>
-        <p:txBody>
-          <a:bodyPr spcFirstLastPara="1" wrap="square" lIns="91425" tIns="91425" rIns="91425" bIns="91425" anchor="ctr" anchorCtr="0">
-            <a:noAutofit/>
-          </a:bodyPr>
-          <a:lstStyle/>
-          <a:p>
-            <a:pPr marL="0" marR="0" lvl="0" indent="0" algn="l" defTabSz="914400" rtl="0" eaLnBrk="1" fontAlgn="auto" latinLnBrk="0" hangingPunct="1">
-              <a:lnSpc>
-                <a:spcPct val="100000"/>
-              </a:lnSpc>
-              <a:spcBef>
-                <a:spcPts val="0"/>
-              </a:spcBef>
-              <a:spcAft>
-                <a:spcPts val="0"/>
-              </a:spcAft>
-              <a:buClr>
-                <a:srgbClr val="000000"/>
-              </a:buClr>
-              <a:buSzTx/>
-              <a:buFont typeface="Arial"/>
-              <a:buNone/>
-              <a:tabLst/>
-              <a:defRPr/>
-            </a:pPr>
-            <a:endParaRPr kumimoji="0" sz="1400" b="0" i="0" u="none" strike="noStrike" kern="0" cap="none" spc="0" normalizeH="0" baseline="0" noProof="0">
-              <a:ln>
-                <a:noFill/>
-              </a:ln>
-              <a:solidFill>
-                <a:srgbClr val="000000"/>
-              </a:solidFill>
-              <a:effectLst/>
-              <a:uLnTx/>
-              <a:uFillTx/>
-              <a:latin typeface="Arial"/>
-              <a:cs typeface="Arial"/>
-              <a:sym typeface="Arial"/>
-            </a:endParaRPr>
-          </a:p>
-        </p:txBody>
-      </p:sp>
-      <p:sp>
-        <p:nvSpPr>
-          <p:cNvPr id="266" name="Google Shape;266;p38"/>
-          <p:cNvSpPr/>
-          <p:nvPr/>
-        </p:nvSpPr>
-        <p:spPr>
-          <a:xfrm>
-            <a:off x="1862750" y="4521975"/>
-            <a:ext cx="5569500" cy="208200"/>
-          </a:xfrm>
-          <a:prstGeom prst="rect">
-            <a:avLst/>
-          </a:prstGeom>
-          <a:noFill/>
-          <a:ln w="19050" cap="flat" cmpd="sng">
-            <a:solidFill>
-              <a:srgbClr val="0000FF"/>
-            </a:solidFill>
-            <a:prstDash val="solid"/>
-            <a:round/>
-            <a:headEnd type="none" w="sm" len="sm"/>
-            <a:tailEnd type="none" w="sm" len="sm"/>
-          </a:ln>
-        </p:spPr>
-        <p:txBody>
-          <a:bodyPr spcFirstLastPara="1" wrap="square" lIns="91425" tIns="91425" rIns="91425" bIns="91425" anchor="ctr" anchorCtr="0">
-            <a:noAutofit/>
-          </a:bodyPr>
-          <a:lstStyle/>
-          <a:p>
-            <a:pPr marL="0" marR="0" lvl="0" indent="0" algn="l" defTabSz="914400" rtl="0" eaLnBrk="1" fontAlgn="auto" latinLnBrk="0" hangingPunct="1">
-              <a:lnSpc>
-                <a:spcPct val="100000"/>
-              </a:lnSpc>
-              <a:spcBef>
-                <a:spcPts val="0"/>
-              </a:spcBef>
-              <a:spcAft>
-                <a:spcPts val="0"/>
-              </a:spcAft>
-              <a:buClr>
-                <a:srgbClr val="000000"/>
-              </a:buClr>
-              <a:buSzTx/>
-              <a:buFont typeface="Arial"/>
-              <a:buNone/>
-              <a:tabLst/>
-              <a:defRPr/>
-            </a:pPr>
-            <a:endParaRPr kumimoji="0" sz="1400" b="0" i="0" u="none" strike="noStrike" kern="0" cap="none" spc="0" normalizeH="0" baseline="0" noProof="0">
-              <a:ln>
-                <a:noFill/>
-              </a:ln>
-              <a:solidFill>
-                <a:srgbClr val="000000"/>
-              </a:solidFill>
-              <a:effectLst/>
-              <a:uLnTx/>
-              <a:uFillTx/>
-              <a:latin typeface="Arial"/>
-              <a:cs typeface="Arial"/>
-              <a:sym typeface="Arial"/>
-            </a:endParaRPr>
-          </a:p>
-        </p:txBody>
-      </p:sp>
-    </p:spTree>
-  </p:cSld>
-  <p:clrMapOvr>
-    <a:masterClrMapping/>
-  </p:clrMapOvr>
-</p:sld>
-</file>
-
-<file path=ppt/slides/slide23.xml><?xml version="1.0" encoding="utf-8"?>
+<file path=ppt/slides/slide33.xml><?xml version="1.0" encoding="utf-8"?>
 <p:sld xmlns:a="http://schemas.openxmlformats.org/drawingml/2006/main" xmlns:r="http://schemas.openxmlformats.org/officeDocument/2006/relationships" xmlns:p="http://schemas.openxmlformats.org/presentationml/2006/main">
   <p:cSld>
     <p:spTree>
@@ -21732,10 +25116,13 @@
               <a:buNone/>
             </a:pPr>
             <a:r>
-              <a:rPr lang="en"/>
+              <a:rPr lang="en" dirty="0"/>
               <a:t>boto3</a:t>
             </a:r>
-            <a:endParaRPr/>
+            <a:br>
+              <a:rPr lang="en" dirty="0"/>
+            </a:br>
+            <a:endParaRPr dirty="0"/>
           </a:p>
         </p:txBody>
       </p:sp>
@@ -21776,7 +25163,261 @@
             </a:pPr>
             <a:r>
               <a:rPr lang="en" dirty="0"/>
-              <a:t>Example: start an instance</a:t>
+              <a:t>Prerequisites</a:t>
+            </a:r>
+          </a:p>
+          <a:p>
+            <a:pPr lvl="1" indent="-342900">
+              <a:spcBef>
+                <a:spcPts val="0"/>
+              </a:spcBef>
+              <a:buSzPts val="1800"/>
+              <a:buChar char="●"/>
+            </a:pPr>
+            <a:r>
+              <a:rPr lang="en" dirty="0"/>
+              <a:t>I</a:t>
+            </a:r>
+            <a:r>
+              <a:rPr lang="en-SG" dirty="0" err="1"/>
+              <a:t>nstall</a:t>
+            </a:r>
+            <a:r>
+              <a:rPr lang="en-SG" dirty="0"/>
+              <a:t> </a:t>
+            </a:r>
+            <a:r>
+              <a:rPr lang="en-SG" dirty="0" err="1"/>
+              <a:t>aws</a:t>
+            </a:r>
+            <a:r>
+              <a:rPr lang="en-SG" dirty="0"/>
+              <a:t>-cli</a:t>
+            </a:r>
+          </a:p>
+          <a:p>
+            <a:pPr lvl="2" indent="-342900">
+              <a:spcBef>
+                <a:spcPts val="0"/>
+              </a:spcBef>
+              <a:buSzPts val="1800"/>
+              <a:buChar char="●"/>
+            </a:pPr>
+            <a:r>
+              <a:rPr lang="en-SG" dirty="0">
+                <a:hlinkClick r:id="rId3"/>
+              </a:rPr>
+              <a:t>https://docs.aws.amazon.com/cli/latest/userguide/install-cliv2-linux.html</a:t>
+            </a:r>
+            <a:endParaRPr lang="en-SG" dirty="0"/>
+          </a:p>
+          <a:p>
+            <a:pPr lvl="1" indent="-342900">
+              <a:spcBef>
+                <a:spcPts val="0"/>
+              </a:spcBef>
+              <a:buSzPts val="1800"/>
+              <a:buChar char="●"/>
+            </a:pPr>
+            <a:r>
+              <a:rPr lang="en-SG" dirty="0"/>
+              <a:t>Configure </a:t>
+            </a:r>
+            <a:r>
+              <a:rPr lang="en-SG" dirty="0" err="1"/>
+              <a:t>aws</a:t>
+            </a:r>
+            <a:r>
+              <a:rPr lang="en-SG" dirty="0"/>
+              <a:t>-cli with access keys</a:t>
+            </a:r>
+          </a:p>
+          <a:p>
+            <a:pPr lvl="2" indent="-342900">
+              <a:spcBef>
+                <a:spcPts val="0"/>
+              </a:spcBef>
+              <a:buSzPts val="1800"/>
+              <a:buChar char="●"/>
+            </a:pPr>
+            <a:r>
+              <a:rPr lang="en-SG" sz="1200" dirty="0" err="1">
+                <a:latin typeface="Courier New" panose="02070309020205020404" pitchFamily="49" charset="0"/>
+                <a:cs typeface="Courier New" panose="02070309020205020404" pitchFamily="49" charset="0"/>
+              </a:rPr>
+              <a:t>aws</a:t>
+            </a:r>
+            <a:r>
+              <a:rPr lang="en" sz="1200" dirty="0">
+                <a:latin typeface="Courier New" panose="02070309020205020404" pitchFamily="49" charset="0"/>
+                <a:cs typeface="Courier New" panose="02070309020205020404" pitchFamily="49" charset="0"/>
+              </a:rPr>
+              <a:t> </a:t>
+            </a:r>
+            <a:r>
+              <a:rPr lang="en-SG" sz="1200" dirty="0">
+                <a:latin typeface="Courier New" panose="02070309020205020404" pitchFamily="49" charset="0"/>
+                <a:cs typeface="Courier New" panose="02070309020205020404" pitchFamily="49" charset="0"/>
+              </a:rPr>
+              <a:t>configure</a:t>
+            </a:r>
+          </a:p>
+          <a:p>
+            <a:pPr marL="1028700" lvl="2" indent="0">
+              <a:spcBef>
+                <a:spcPts val="0"/>
+              </a:spcBef>
+              <a:buSzPts val="1800"/>
+              <a:buNone/>
+            </a:pPr>
+            <a:endParaRPr lang="en-SG" sz="1200" dirty="0">
+              <a:latin typeface="Courier New" panose="02070309020205020404" pitchFamily="49" charset="0"/>
+              <a:cs typeface="Courier New" panose="02070309020205020404" pitchFamily="49" charset="0"/>
+            </a:endParaRPr>
+          </a:p>
+          <a:p>
+            <a:pPr lvl="1" indent="-342900">
+              <a:spcBef>
+                <a:spcPts val="0"/>
+              </a:spcBef>
+              <a:buSzPts val="1800"/>
+              <a:buChar char="●"/>
+            </a:pPr>
+            <a:r>
+              <a:rPr lang="en-SG" sz="1200" dirty="0">
+                <a:latin typeface="+mn-lt"/>
+                <a:cs typeface="Courier New" panose="02070309020205020404" pitchFamily="49" charset="0"/>
+              </a:rPr>
+              <a:t>Optional – install python pip module if not already installed</a:t>
+            </a:r>
+          </a:p>
+          <a:p>
+            <a:pPr lvl="2" indent="-342900">
+              <a:spcBef>
+                <a:spcPts val="0"/>
+              </a:spcBef>
+              <a:buSzPts val="1800"/>
+              <a:buChar char="●"/>
+            </a:pPr>
+            <a:r>
+              <a:rPr lang="en-SG" sz="1200" dirty="0" err="1">
+                <a:latin typeface="Courier New" panose="02070309020205020404" pitchFamily="49" charset="0"/>
+                <a:cs typeface="Courier New" panose="02070309020205020404" pitchFamily="49" charset="0"/>
+              </a:rPr>
+              <a:t>sudo</a:t>
+            </a:r>
+            <a:r>
+              <a:rPr lang="en-SG" sz="1200" dirty="0">
+                <a:latin typeface="Courier New" panose="02070309020205020404" pitchFamily="49" charset="0"/>
+                <a:cs typeface="Courier New" panose="02070309020205020404" pitchFamily="49" charset="0"/>
+              </a:rPr>
+              <a:t> apt-get install python3-pip </a:t>
+            </a:r>
+            <a:endParaRPr lang="en" sz="1200" dirty="0">
+              <a:latin typeface="Courier New" panose="02070309020205020404" pitchFamily="49" charset="0"/>
+              <a:cs typeface="Courier New" panose="02070309020205020404" pitchFamily="49" charset="0"/>
+            </a:endParaRPr>
+          </a:p>
+        </p:txBody>
+      </p:sp>
+    </p:spTree>
+  </p:cSld>
+  <p:clrMapOvr>
+    <a:masterClrMapping/>
+  </p:clrMapOvr>
+</p:sld>
+</file>
+
+<file path=ppt/slides/slide34.xml><?xml version="1.0" encoding="utf-8"?>
+<p:sld xmlns:a="http://schemas.openxmlformats.org/drawingml/2006/main" xmlns:r="http://schemas.openxmlformats.org/officeDocument/2006/relationships" xmlns:p="http://schemas.openxmlformats.org/presentationml/2006/main">
+  <p:cSld>
+    <p:spTree>
+      <p:nvGrpSpPr>
+        <p:cNvPr id="1" name="Shape 270"/>
+        <p:cNvGrpSpPr/>
+        <p:nvPr/>
+      </p:nvGrpSpPr>
+      <p:grpSpPr>
+        <a:xfrm>
+          <a:off x="0" y="0"/>
+          <a:ext cx="0" cy="0"/>
+          <a:chOff x="0" y="0"/>
+          <a:chExt cx="0" cy="0"/>
+        </a:xfrm>
+      </p:grpSpPr>
+      <p:sp>
+        <p:nvSpPr>
+          <p:cNvPr id="271" name="Google Shape;271;p39"/>
+          <p:cNvSpPr txBox="1">
+            <a:spLocks noGrp="1"/>
+          </p:cNvSpPr>
+          <p:nvPr>
+            <p:ph type="title"/>
+          </p:nvPr>
+        </p:nvSpPr>
+        <p:spPr>
+          <a:xfrm>
+            <a:off x="311700" y="445025"/>
+            <a:ext cx="8520600" cy="572700"/>
+          </a:xfrm>
+          <a:prstGeom prst="rect">
+            <a:avLst/>
+          </a:prstGeom>
+        </p:spPr>
+        <p:txBody>
+          <a:bodyPr spcFirstLastPara="1" wrap="square" lIns="91425" tIns="91425" rIns="91425" bIns="91425" anchor="t" anchorCtr="0">
+            <a:noAutofit/>
+          </a:bodyPr>
+          <a:lstStyle/>
+          <a:p>
+            <a:pPr marL="0" lvl="0" indent="0" algn="l" rtl="0">
+              <a:spcBef>
+                <a:spcPts val="0"/>
+              </a:spcBef>
+              <a:spcAft>
+                <a:spcPts val="0"/>
+              </a:spcAft>
+              <a:buNone/>
+            </a:pPr>
+            <a:r>
+              <a:rPr lang="en" dirty="0"/>
+              <a:t>boto3</a:t>
+            </a:r>
+            <a:br>
+              <a:rPr lang="en" dirty="0"/>
+            </a:br>
+            <a:endParaRPr dirty="0"/>
+          </a:p>
+        </p:txBody>
+      </p:sp>
+      <p:sp>
+        <p:nvSpPr>
+          <p:cNvPr id="272" name="Google Shape;272;p39"/>
+          <p:cNvSpPr txBox="1">
+            <a:spLocks noGrp="1"/>
+          </p:cNvSpPr>
+          <p:nvPr>
+            <p:ph type="body" idx="1"/>
+          </p:nvPr>
+        </p:nvSpPr>
+        <p:spPr>
+          <a:xfrm>
+            <a:off x="373115" y="947758"/>
+            <a:ext cx="6950100" cy="4067794"/>
+          </a:xfrm>
+          <a:prstGeom prst="rect">
+            <a:avLst/>
+          </a:prstGeom>
+        </p:spPr>
+        <p:txBody>
+          <a:bodyPr spcFirstLastPara="1" wrap="square" lIns="91425" tIns="91425" rIns="91425" bIns="91425" anchor="t" anchorCtr="0">
+            <a:noAutofit/>
+          </a:bodyPr>
+          <a:lstStyle/>
+          <a:p>
+            <a:r>
+              <a:rPr lang="en" dirty="0"/>
+              <a:t>Example: start an instance </a:t>
             </a:r>
           </a:p>
           <a:p>
@@ -21998,108 +25639,9 @@
         </p:txBody>
       </p:sp>
     </p:spTree>
-  </p:cSld>
-  <p:clrMapOvr>
-    <a:masterClrMapping/>
-  </p:clrMapOvr>
-</p:sld>
-</file>
-
-<file path=ppt/slides/slide3.xml><?xml version="1.0" encoding="utf-8"?>
-<p:sld xmlns:a="http://schemas.openxmlformats.org/drawingml/2006/main" xmlns:r="http://schemas.openxmlformats.org/officeDocument/2006/relationships" xmlns:p="http://schemas.openxmlformats.org/presentationml/2006/main">
-  <p:cSld>
-    <p:spTree>
-      <p:nvGrpSpPr>
-        <p:cNvPr id="1" name=""/>
-        <p:cNvGrpSpPr/>
-        <p:nvPr/>
-      </p:nvGrpSpPr>
-      <p:grpSpPr>
-        <a:xfrm>
-          <a:off x="0" y="0"/>
-          <a:ext cx="0" cy="0"/>
-          <a:chOff x="0" y="0"/>
-          <a:chExt cx="0" cy="0"/>
-        </a:xfrm>
-      </p:grpSpPr>
-      <p:sp>
-        <p:nvSpPr>
-          <p:cNvPr id="2" name="Title 1">
-            <a:extLst>
-              <a:ext uri="{FF2B5EF4-FFF2-40B4-BE49-F238E27FC236}">
-                <a16:creationId xmlns:a16="http://schemas.microsoft.com/office/drawing/2014/main" id="{F3088535-8690-4D9C-8FB4-7EF660BAD105}"/>
-              </a:ext>
-            </a:extLst>
-          </p:cNvPr>
-          <p:cNvSpPr>
-            <a:spLocks noGrp="1"/>
-          </p:cNvSpPr>
-          <p:nvPr>
-            <p:ph type="title"/>
-          </p:nvPr>
-        </p:nvSpPr>
-        <p:spPr/>
-        <p:txBody>
-          <a:bodyPr/>
-          <a:lstStyle/>
-          <a:p>
-            <a:r>
-              <a:rPr lang="en-SG" dirty="0"/>
-              <a:t>AWS</a:t>
-            </a:r>
-          </a:p>
-        </p:txBody>
-      </p:sp>
-      <p:sp>
-        <p:nvSpPr>
-          <p:cNvPr id="3" name="Text Placeholder 2">
-            <a:extLst>
-              <a:ext uri="{FF2B5EF4-FFF2-40B4-BE49-F238E27FC236}">
-                <a16:creationId xmlns:a16="http://schemas.microsoft.com/office/drawing/2014/main" id="{15560D48-ECEB-405D-B08A-3149D3DEC5F9}"/>
-              </a:ext>
-            </a:extLst>
-          </p:cNvPr>
-          <p:cNvSpPr>
-            <a:spLocks noGrp="1"/>
-          </p:cNvSpPr>
-          <p:nvPr>
-            <p:ph type="body" idx="1"/>
-          </p:nvPr>
-        </p:nvSpPr>
-        <p:spPr/>
-        <p:txBody>
-          <a:bodyPr/>
-          <a:lstStyle/>
-          <a:p>
-            <a:r>
-              <a:rPr lang="en-SG" dirty="0"/>
-              <a:t>Services</a:t>
-            </a:r>
-          </a:p>
-          <a:p>
-            <a:pPr lvl="1"/>
-            <a:r>
-              <a:rPr lang="en-SG" dirty="0"/>
-              <a:t>EC2, RDS, DynamoDB, API Gateway, Lambda Functions (serverless), AWS </a:t>
-            </a:r>
-            <a:r>
-              <a:rPr lang="en-SG" dirty="0" err="1"/>
-              <a:t>Cloudformation</a:t>
-            </a:r>
-            <a:endParaRPr lang="en-SG" dirty="0"/>
-          </a:p>
-          <a:p>
-            <a:pPr marL="76200" indent="0">
-              <a:buNone/>
-            </a:pPr>
-            <a:endParaRPr lang="en-SG" dirty="0"/>
-          </a:p>
-        </p:txBody>
-      </p:sp>
-    </p:spTree>
     <p:extLst>
       <p:ext uri="{BB962C8B-B14F-4D97-AF65-F5344CB8AC3E}">
-        <p14:creationId xmlns:p14="http://schemas.microsoft.com/office/powerpoint/2010/main" val="3768977996"/>
+        <p14:creationId xmlns:p14="http://schemas.microsoft.com/office/powerpoint/2010/main" val="3763361773"/>
       </p:ext>
     </p:extLst>
   </p:cSld>
